--- a/2024_06_28_半導体/1522068_半導体.pptx
+++ b/2024_06_28_半導体/1522068_半導体.pptx
@@ -3473,7 +3473,7 @@
           <a:p>
             <a:fld id="{F1A0D797-5C19-49B5-8168-2699B573819F}" type="datetimeFigureOut">
               <a:rPr kumimoji="1" lang="ja-JP" altLang="en-US" smtClean="0"/>
-              <a:t>2024/7/10</a:t>
+              <a:t>2024/7/12</a:t>
             </a:fld>
             <a:endParaRPr kumimoji="1" lang="ja-JP" altLang="en-US"/>
           </a:p>
@@ -6047,8 +6047,8 @@
           </a:p>
         </p:txBody>
       </p:sp>
-      <mc:AlternateContent xmlns:mc="http://schemas.openxmlformats.org/markup-compatibility/2006">
-        <mc:Choice xmlns:a14="http://schemas.microsoft.com/office/drawing/2010/main" Requires="a14">
+      <mc:AlternateContent xmlns:mc="http://schemas.openxmlformats.org/markup-compatibility/2006" xmlns:a14="http://schemas.microsoft.com/office/drawing/2010/main">
+        <mc:Choice Requires="a14">
           <p:sp>
             <p:nvSpPr>
               <p:cNvPr id="11" name="テキスト ボックス 10">
@@ -6190,7 +6190,7 @@
             </p:txBody>
           </p:sp>
         </mc:Choice>
-        <mc:Fallback>
+        <mc:Fallback xmlns="">
           <p:sp>
             <p:nvSpPr>
               <p:cNvPr id="11" name="テキスト ボックス 10">
@@ -6235,164 +6235,143 @@
           </p:sp>
         </mc:Fallback>
       </mc:AlternateContent>
-      <p:grpSp>
-        <p:nvGrpSpPr>
-          <p:cNvPr id="32" name="グループ化 31">
+      <p:pic>
+        <p:nvPicPr>
+          <p:cNvPr id="2050" name="Picture 2">
             <a:extLst>
               <a:ext uri="{FF2B5EF4-FFF2-40B4-BE49-F238E27FC236}">
-                <a16:creationId xmlns:a16="http://schemas.microsoft.com/office/drawing/2014/main" id="{2C2B8495-52FA-3EDC-A575-6B84A993B34C}"/>
+                <a16:creationId xmlns:a16="http://schemas.microsoft.com/office/drawing/2014/main" id="{8B15BD84-BB36-C1A4-1483-0F99C6EE7CEE}"/>
               </a:ext>
             </a:extLst>
           </p:cNvPr>
-          <p:cNvGrpSpPr/>
+          <p:cNvPicPr>
+            <a:picLocks noChangeAspect="1" noChangeArrowheads="1"/>
+          </p:cNvPicPr>
           <p:nvPr/>
-        </p:nvGrpSpPr>
-        <p:grpSpPr>
+        </p:nvPicPr>
+        <p:blipFill>
+          <a:blip r:embed="rId4">
+            <a:extLst>
+              <a:ext uri="{28A0092B-C50C-407E-A947-70E740481C1C}">
+                <a14:useLocalDpi xmlns:a14="http://schemas.microsoft.com/office/drawing/2010/main" val="0"/>
+              </a:ext>
+            </a:extLst>
+          </a:blip>
+          <a:srcRect/>
+          <a:stretch/>
+        </p:blipFill>
+        <p:spPr bwMode="auto">
           <a:xfrm>
             <a:off x="167318" y="1407924"/>
-            <a:ext cx="5271498" cy="4027351"/>
-            <a:chOff x="178093" y="1618687"/>
-            <a:chExt cx="5271498" cy="4027351"/>
+            <a:ext cx="5271498" cy="4027350"/>
           </a:xfrm>
-        </p:grpSpPr>
-        <p:pic>
-          <p:nvPicPr>
-            <p:cNvPr id="2050" name="Picture 2">
-              <a:extLst>
-                <a:ext uri="{FF2B5EF4-FFF2-40B4-BE49-F238E27FC236}">
-                  <a16:creationId xmlns:a16="http://schemas.microsoft.com/office/drawing/2014/main" id="{8B15BD84-BB36-C1A4-1483-0F99C6EE7CEE}"/>
-                </a:ext>
-              </a:extLst>
-            </p:cNvPr>
-            <p:cNvPicPr>
-              <a:picLocks noChangeAspect="1" noChangeArrowheads="1"/>
-            </p:cNvPicPr>
-            <p:nvPr/>
-          </p:nvPicPr>
-          <p:blipFill>
-            <a:blip r:embed="rId4">
-              <a:extLst>
-                <a:ext uri="{28A0092B-C50C-407E-A947-70E740481C1C}">
-                  <a14:useLocalDpi xmlns:a14="http://schemas.microsoft.com/office/drawing/2010/main" val="0"/>
-                </a:ext>
-              </a:extLst>
-            </a:blip>
-            <a:srcRect/>
-            <a:stretch/>
-          </p:blipFill>
-          <p:spPr bwMode="auto">
-            <a:xfrm>
-              <a:off x="178093" y="1618687"/>
-              <a:ext cx="5271498" cy="4027351"/>
-            </a:xfrm>
-            <a:prstGeom prst="rect">
-              <a:avLst/>
-            </a:prstGeom>
-            <a:noFill/>
+          <a:prstGeom prst="rect">
+            <a:avLst/>
+          </a:prstGeom>
+          <a:noFill/>
+          <a:extLst>
+            <a:ext uri="{909E8E84-426E-40DD-AFC4-6F175D3DCCD1}">
+              <a14:hiddenFill xmlns:a14="http://schemas.microsoft.com/office/drawing/2010/main">
+                <a:solidFill>
+                  <a:srgbClr val="FFFFFF"/>
+                </a:solidFill>
+              </a14:hiddenFill>
+            </a:ext>
+          </a:extLst>
+        </p:spPr>
+      </p:pic>
+      <p:sp>
+        <p:nvSpPr>
+          <p:cNvPr id="9" name="矢印: 下 8">
             <a:extLst>
-              <a:ext uri="{909E8E84-426E-40DD-AFC4-6F175D3DCCD1}">
-                <a14:hiddenFill xmlns:a14="http://schemas.microsoft.com/office/drawing/2010/main">
-                  <a:solidFill>
-                    <a:srgbClr val="FFFFFF"/>
-                  </a:solidFill>
-                </a14:hiddenFill>
+              <a:ext uri="{FF2B5EF4-FFF2-40B4-BE49-F238E27FC236}">
+                <a16:creationId xmlns:a16="http://schemas.microsoft.com/office/drawing/2014/main" id="{BD74DDFD-E503-F400-5F12-763BAAD1A439}"/>
               </a:ext>
             </a:extLst>
-          </p:spPr>
-        </p:pic>
-        <p:sp>
-          <p:nvSpPr>
-            <p:cNvPr id="9" name="矢印: 下 8">
-              <a:extLst>
-                <a:ext uri="{FF2B5EF4-FFF2-40B4-BE49-F238E27FC236}">
-                  <a16:creationId xmlns:a16="http://schemas.microsoft.com/office/drawing/2014/main" id="{BD74DDFD-E503-F400-5F12-763BAAD1A439}"/>
-                </a:ext>
-              </a:extLst>
-            </p:cNvPr>
-            <p:cNvSpPr/>
-            <p:nvPr/>
-          </p:nvSpPr>
-          <p:spPr>
-            <a:xfrm rot="16200000">
-              <a:off x="2108558" y="1883512"/>
-              <a:ext cx="484632" cy="978408"/>
-            </a:xfrm>
-            <a:prstGeom prst="downArrow">
-              <a:avLst/>
-            </a:prstGeom>
-          </p:spPr>
-          <p:style>
-            <a:lnRef idx="2">
-              <a:schemeClr val="accent2">
-                <a:shade val="15000"/>
-              </a:schemeClr>
-            </a:lnRef>
-            <a:fillRef idx="1">
-              <a:schemeClr val="accent2"/>
-            </a:fillRef>
-            <a:effectRef idx="0">
-              <a:schemeClr val="accent2"/>
-            </a:effectRef>
-            <a:fontRef idx="minor">
-              <a:schemeClr val="lt1"/>
-            </a:fontRef>
-          </p:style>
-          <p:txBody>
-            <a:bodyPr rtlCol="0" anchor="ctr"/>
-            <a:lstStyle/>
-            <a:p>
-              <a:pPr algn="ctr"/>
-              <a:endParaRPr kumimoji="1" lang="ja-JP" altLang="en-US"/>
-            </a:p>
-          </p:txBody>
-        </p:sp>
-        <p:sp>
-          <p:nvSpPr>
-            <p:cNvPr id="12" name="矢印: 下 11">
-              <a:extLst>
-                <a:ext uri="{FF2B5EF4-FFF2-40B4-BE49-F238E27FC236}">
-                  <a16:creationId xmlns:a16="http://schemas.microsoft.com/office/drawing/2014/main" id="{96F55127-44CC-B4E1-C900-1489940FCF5A}"/>
-                </a:ext>
-              </a:extLst>
-            </p:cNvPr>
-            <p:cNvSpPr/>
-            <p:nvPr/>
-          </p:nvSpPr>
-          <p:spPr>
-            <a:xfrm rot="16200000">
-              <a:off x="1369529" y="3688818"/>
-              <a:ext cx="484632" cy="978408"/>
-            </a:xfrm>
-            <a:prstGeom prst="downArrow">
-              <a:avLst/>
-            </a:prstGeom>
-          </p:spPr>
-          <p:style>
-            <a:lnRef idx="2">
-              <a:schemeClr val="accent2">
-                <a:shade val="15000"/>
-              </a:schemeClr>
-            </a:lnRef>
-            <a:fillRef idx="1">
-              <a:schemeClr val="accent2"/>
-            </a:fillRef>
-            <a:effectRef idx="0">
-              <a:schemeClr val="accent2"/>
-            </a:effectRef>
-            <a:fontRef idx="minor">
-              <a:schemeClr val="lt1"/>
-            </a:fontRef>
-          </p:style>
-          <p:txBody>
-            <a:bodyPr rtlCol="0" anchor="ctr"/>
-            <a:lstStyle/>
-            <a:p>
-              <a:pPr algn="ctr"/>
-              <a:endParaRPr kumimoji="1" lang="ja-JP" altLang="en-US"/>
-            </a:p>
-          </p:txBody>
-        </p:sp>
-      </p:grpSp>
+          </p:cNvPr>
+          <p:cNvSpPr/>
+          <p:nvPr/>
+        </p:nvSpPr>
+        <p:spPr>
+          <a:xfrm rot="16200000">
+            <a:off x="2097783" y="1672749"/>
+            <a:ext cx="484632" cy="978408"/>
+          </a:xfrm>
+          <a:prstGeom prst="downArrow">
+            <a:avLst/>
+          </a:prstGeom>
+        </p:spPr>
+        <p:style>
+          <a:lnRef idx="2">
+            <a:schemeClr val="accent2">
+              <a:shade val="15000"/>
+            </a:schemeClr>
+          </a:lnRef>
+          <a:fillRef idx="1">
+            <a:schemeClr val="accent2"/>
+          </a:fillRef>
+          <a:effectRef idx="0">
+            <a:schemeClr val="accent2"/>
+          </a:effectRef>
+          <a:fontRef idx="minor">
+            <a:schemeClr val="lt1"/>
+          </a:fontRef>
+        </p:style>
+        <p:txBody>
+          <a:bodyPr rtlCol="0" anchor="ctr"/>
+          <a:lstStyle/>
+          <a:p>
+            <a:pPr algn="ctr"/>
+            <a:endParaRPr kumimoji="1" lang="ja-JP" altLang="en-US"/>
+          </a:p>
+        </p:txBody>
+      </p:sp>
+      <p:sp>
+        <p:nvSpPr>
+          <p:cNvPr id="12" name="矢印: 下 11">
+            <a:extLst>
+              <a:ext uri="{FF2B5EF4-FFF2-40B4-BE49-F238E27FC236}">
+                <a16:creationId xmlns:a16="http://schemas.microsoft.com/office/drawing/2014/main" id="{96F55127-44CC-B4E1-C900-1489940FCF5A}"/>
+              </a:ext>
+            </a:extLst>
+          </p:cNvPr>
+          <p:cNvSpPr/>
+          <p:nvPr/>
+        </p:nvSpPr>
+        <p:spPr>
+          <a:xfrm rot="16200000">
+            <a:off x="1358754" y="3478055"/>
+            <a:ext cx="484632" cy="978408"/>
+          </a:xfrm>
+          <a:prstGeom prst="downArrow">
+            <a:avLst/>
+          </a:prstGeom>
+        </p:spPr>
+        <p:style>
+          <a:lnRef idx="2">
+            <a:schemeClr val="accent2">
+              <a:shade val="15000"/>
+            </a:schemeClr>
+          </a:lnRef>
+          <a:fillRef idx="1">
+            <a:schemeClr val="accent2"/>
+          </a:fillRef>
+          <a:effectRef idx="0">
+            <a:schemeClr val="accent2"/>
+          </a:effectRef>
+          <a:fontRef idx="minor">
+            <a:schemeClr val="lt1"/>
+          </a:fontRef>
+        </p:style>
+        <p:txBody>
+          <a:bodyPr rtlCol="0" anchor="ctr"/>
+          <a:lstStyle/>
+          <a:p>
+            <a:pPr algn="ctr"/>
+            <a:endParaRPr kumimoji="1" lang="ja-JP" altLang="en-US"/>
+          </a:p>
+        </p:txBody>
+      </p:sp>
       <p:grpSp>
         <p:nvGrpSpPr>
           <p:cNvPr id="31" name="グループ化 30">
@@ -6989,7 +6968,7 @@
           </p:nvSpPr>
           <p:spPr>
             <a:xfrm>
-              <a:off x="7710827" y="4469262"/>
+              <a:off x="7707410" y="4420338"/>
               <a:ext cx="247738" cy="395288"/>
             </a:xfrm>
             <a:custGeom>
@@ -7063,7 +7042,7 @@
             <a:lstStyle/>
             <a:p>
               <a:pPr algn="ctr"/>
-              <a:endParaRPr kumimoji="1" lang="ja-JP" altLang="en-US"/>
+              <a:endParaRPr kumimoji="1" lang="ja-JP" altLang="en-US" dirty="0"/>
             </a:p>
           </p:txBody>
         </p:sp>
@@ -7081,7 +7060,7 @@
           </p:nvSpPr>
           <p:spPr>
             <a:xfrm>
-              <a:off x="6837539" y="4518186"/>
+              <a:off x="6881709" y="4427863"/>
               <a:ext cx="247738" cy="395288"/>
             </a:xfrm>
             <a:custGeom>
@@ -7334,8 +7313,8 @@
           </a:p>
         </p:txBody>
       </p:sp>
-      <mc:AlternateContent xmlns:mc="http://schemas.openxmlformats.org/markup-compatibility/2006">
-        <mc:Choice xmlns:a14="http://schemas.microsoft.com/office/drawing/2010/main" Requires="a14">
+      <mc:AlternateContent xmlns:mc="http://schemas.openxmlformats.org/markup-compatibility/2006" xmlns:a14="http://schemas.microsoft.com/office/drawing/2010/main">
+        <mc:Choice Requires="a14">
           <p:sp>
             <p:nvSpPr>
               <p:cNvPr id="11" name="テキスト ボックス 10">
@@ -7477,7 +7456,7 @@
             </p:txBody>
           </p:sp>
         </mc:Choice>
-        <mc:Fallback>
+        <mc:Fallback xmlns="">
           <p:sp>
             <p:nvSpPr>
               <p:cNvPr id="11" name="テキスト ボックス 10">
@@ -7550,7 +7529,7 @@
         <p:spPr bwMode="auto">
           <a:xfrm>
             <a:off x="178093" y="1618687"/>
-            <a:ext cx="5271498" cy="4027351"/>
+            <a:ext cx="5271498" cy="4027350"/>
           </a:xfrm>
           <a:prstGeom prst="rect">
             <a:avLst/>
@@ -8800,6 +8779,84 @@
   <p:clrMapOvr>
     <a:masterClrMapping/>
   </p:clrMapOvr>
+  <p:timing>
+    <p:tnLst>
+      <p:par>
+        <p:cTn id="1" dur="indefinite" restart="never" nodeType="tmRoot">
+          <p:childTnLst>
+            <p:seq concurrent="1" nextAc="seek">
+              <p:cTn id="2" dur="indefinite" nodeType="mainSeq">
+                <p:childTnLst>
+                  <p:par>
+                    <p:cTn id="3" fill="hold">
+                      <p:stCondLst>
+                        <p:cond delay="indefinite"/>
+                      </p:stCondLst>
+                      <p:childTnLst>
+                        <p:par>
+                          <p:cTn id="4" fill="hold">
+                            <p:stCondLst>
+                              <p:cond delay="0"/>
+                            </p:stCondLst>
+                            <p:childTnLst>
+                              <p:par>
+                                <p:cTn id="5" presetID="1" presetClass="entr" presetSubtype="0" fill="hold" grpId="0" nodeType="clickEffect">
+                                  <p:stCondLst>
+                                    <p:cond delay="0"/>
+                                  </p:stCondLst>
+                                  <p:childTnLst>
+                                    <p:set>
+                                      <p:cBhvr>
+                                        <p:cTn id="6" dur="1" fill="hold">
+                                          <p:stCondLst>
+                                            <p:cond delay="0"/>
+                                          </p:stCondLst>
+                                        </p:cTn>
+                                        <p:tgtEl>
+                                          <p:spTgt spid="28"/>
+                                        </p:tgtEl>
+                                        <p:attrNameLst>
+                                          <p:attrName>style.visibility</p:attrName>
+                                        </p:attrNameLst>
+                                      </p:cBhvr>
+                                      <p:to>
+                                        <p:strVal val="visible"/>
+                                      </p:to>
+                                    </p:set>
+                                  </p:childTnLst>
+                                </p:cTn>
+                              </p:par>
+                            </p:childTnLst>
+                          </p:cTn>
+                        </p:par>
+                      </p:childTnLst>
+                    </p:cTn>
+                  </p:par>
+                </p:childTnLst>
+              </p:cTn>
+              <p:prevCondLst>
+                <p:cond evt="onPrev" delay="0">
+                  <p:tgtEl>
+                    <p:sldTgt/>
+                  </p:tgtEl>
+                </p:cond>
+              </p:prevCondLst>
+              <p:nextCondLst>
+                <p:cond evt="onNext" delay="0">
+                  <p:tgtEl>
+                    <p:sldTgt/>
+                  </p:tgtEl>
+                </p:cond>
+              </p:nextCondLst>
+            </p:seq>
+          </p:childTnLst>
+        </p:cTn>
+      </p:par>
+    </p:tnLst>
+    <p:bldLst>
+      <p:bldP spid="28" grpId="0" animBg="1"/>
+    </p:bldLst>
+  </p:timing>
 </p:sld>
 </file>
 
@@ -9885,8 +9942,8 @@
             </a:fontRef>
           </p:style>
         </p:cxnSp>
-        <mc:AlternateContent xmlns:mc="http://schemas.openxmlformats.org/markup-compatibility/2006">
-          <mc:Choice xmlns:a14="http://schemas.microsoft.com/office/drawing/2010/main" Requires="a14">
+        <mc:AlternateContent xmlns:mc="http://schemas.openxmlformats.org/markup-compatibility/2006" xmlns:a14="http://schemas.microsoft.com/office/drawing/2010/main">
+          <mc:Choice Requires="a14">
             <p:sp>
               <p:nvSpPr>
                 <p:cNvPr id="16" name="テキスト ボックス 15">
@@ -9958,7 +10015,7 @@
               </p:txBody>
             </p:sp>
           </mc:Choice>
-          <mc:Fallback>
+          <mc:Fallback xmlns="">
             <p:sp>
               <p:nvSpPr>
                 <p:cNvPr id="16" name="テキスト ボックス 15">
@@ -11214,8 +11271,8 @@
           </mc:Fallback>
         </mc:AlternateContent>
       </p:grpSp>
-      <mc:AlternateContent xmlns:mc="http://schemas.openxmlformats.org/markup-compatibility/2006">
-        <mc:Choice xmlns:a14="http://schemas.microsoft.com/office/drawing/2010/main" Requires="a14">
+      <mc:AlternateContent xmlns:mc="http://schemas.openxmlformats.org/markup-compatibility/2006" xmlns:a14="http://schemas.microsoft.com/office/drawing/2010/main">
+        <mc:Choice Requires="a14">
           <p:sp>
             <p:nvSpPr>
               <p:cNvPr id="5" name="テキスト ボックス 4">
@@ -11438,7 +11495,7 @@
             </p:txBody>
           </p:sp>
         </mc:Choice>
-        <mc:Fallback>
+        <mc:Fallback xmlns="">
           <p:sp>
             <p:nvSpPr>
               <p:cNvPr id="5" name="テキスト ボックス 4">
@@ -11483,8 +11540,8 @@
           </p:sp>
         </mc:Fallback>
       </mc:AlternateContent>
-      <mc:AlternateContent xmlns:mc="http://schemas.openxmlformats.org/markup-compatibility/2006">
-        <mc:Choice xmlns:a14="http://schemas.microsoft.com/office/drawing/2010/main" Requires="a14">
+      <mc:AlternateContent xmlns:mc="http://schemas.openxmlformats.org/markup-compatibility/2006" xmlns:a14="http://schemas.microsoft.com/office/drawing/2010/main">
+        <mc:Choice Requires="a14">
           <p:sp>
             <p:nvSpPr>
               <p:cNvPr id="7" name="テキスト ボックス 6">
@@ -11707,7 +11764,7 @@
             </p:txBody>
           </p:sp>
         </mc:Choice>
-        <mc:Fallback>
+        <mc:Fallback xmlns="">
           <p:sp>
             <p:nvSpPr>
               <p:cNvPr id="7" name="テキスト ボックス 6">
@@ -32391,7 +32448,7 @@
         <p:spPr>
           <a:xfrm>
             <a:off x="5091110" y="1155640"/>
-            <a:ext cx="2492990" cy="369332"/>
+            <a:ext cx="2892138" cy="369332"/>
           </a:xfrm>
           <a:prstGeom prst="rect">
             <a:avLst/>
@@ -32405,8 +32462,12 @@
           <a:lstStyle/>
           <a:p>
             <a:r>
+              <a:rPr kumimoji="1" lang="en-US" altLang="ja-JP" dirty="0"/>
+              <a:t>Ge </a:t>
+            </a:r>
+            <a:r>
               <a:rPr kumimoji="1" lang="ja-JP" altLang="en-US" dirty="0"/>
-              <a:t>バンド電子による描像</a:t>
+              <a:t>のみの結晶からのずれ</a:t>
             </a:r>
           </a:p>
         </p:txBody>
@@ -39667,7 +39728,7 @@
             </a:r>
             <a:r>
               <a:rPr lang="ja-JP" altLang="en-US" dirty="0"/>
-              <a:t>ホール係数と電気伝導度の測定系</a:t>
+              <a:t>ホール係数と電気伝導度の温度特性の測定系</a:t>
             </a:r>
             <a:endParaRPr kumimoji="1" lang="ja-JP" altLang="en-US" dirty="0"/>
           </a:p>
@@ -39687,8 +39748,8 @@
         </p:nvGrpSpPr>
         <p:grpSpPr>
           <a:xfrm>
-            <a:off x="1401682" y="874040"/>
-            <a:ext cx="6351667" cy="5413467"/>
+            <a:off x="1401682" y="874041"/>
+            <a:ext cx="5590245" cy="4764514"/>
             <a:chOff x="1763633" y="1142747"/>
             <a:chExt cx="5370606" cy="4577318"/>
           </a:xfrm>
@@ -42001,6 +42062,152 @@
           </a:p>
         </p:txBody>
       </p:sp>
+      <mc:AlternateContent xmlns:mc="http://schemas.openxmlformats.org/markup-compatibility/2006">
+        <mc:Choice xmlns:a14="http://schemas.microsoft.com/office/drawing/2010/main" Requires="a14">
+          <p:sp>
+            <p:nvSpPr>
+              <p:cNvPr id="5" name="テキスト ボックス 4">
+                <a:extLst>
+                  <a:ext uri="{FF2B5EF4-FFF2-40B4-BE49-F238E27FC236}">
+                    <a16:creationId xmlns:a16="http://schemas.microsoft.com/office/drawing/2014/main" id="{FCB07A7A-9D66-6A4A-CB3B-059D48E1D3D8}"/>
+                  </a:ext>
+                </a:extLst>
+              </p:cNvPr>
+              <p:cNvSpPr txBox="1"/>
+              <p:nvPr/>
+            </p:nvSpPr>
+            <p:spPr>
+              <a:xfrm>
+                <a:off x="2632749" y="5848501"/>
+                <a:ext cx="4640501" cy="830997"/>
+              </a:xfrm>
+              <a:prstGeom prst="rect">
+                <a:avLst/>
+              </a:prstGeom>
+              <a:solidFill>
+                <a:schemeClr val="bg2"/>
+              </a:solidFill>
+            </p:spPr>
+            <p:txBody>
+              <a:bodyPr wrap="none" rtlCol="0">
+                <a:spAutoFit/>
+              </a:bodyPr>
+              <a:lstStyle/>
+              <a:p>
+                <a:r>
+                  <a:rPr kumimoji="1" lang="ja-JP" altLang="en-US" sz="2400" dirty="0"/>
+                  <a:t>ホール係数 </a:t>
+                </a:r>
+                <a14:m>
+                  <m:oMath xmlns:m="http://schemas.openxmlformats.org/officeDocument/2006/math">
+                    <m:r>
+                      <a:rPr kumimoji="1" lang="en-US" altLang="ja-JP" sz="2400" b="0" i="1" u="none" strike="noStrike" kern="1200" cap="none" spc="0" normalizeH="0" baseline="0" noProof="0" smtClean="0">
+                        <a:ln>
+                          <a:noFill/>
+                        </a:ln>
+                        <a:solidFill>
+                          <a:srgbClr val="373737"/>
+                        </a:solidFill>
+                        <a:effectLst/>
+                        <a:uLnTx/>
+                        <a:uFillTx/>
+                        <a:latin typeface="Cambria Math" panose="02040503050406030204" pitchFamily="18" charset="0"/>
+                        <a:cs typeface="+mn-cs"/>
+                      </a:rPr>
+                      <m:t>𝑅</m:t>
+                    </m:r>
+                  </m:oMath>
+                </a14:m>
+                <a:r>
+                  <a:rPr kumimoji="1" lang="ja-JP" altLang="en-US" sz="2400" dirty="0"/>
+                  <a:t> </a:t>
+                </a:r>
+                <a:r>
+                  <a:rPr kumimoji="1" lang="en-US" altLang="ja-JP" sz="2400" dirty="0"/>
+                  <a:t>: </a:t>
+                </a:r>
+                <a:r>
+                  <a:rPr kumimoji="1" lang="ja-JP" altLang="en-US" sz="2400" dirty="0"/>
+                  <a:t>キャリアの符号</a:t>
+                </a:r>
+                <a:endParaRPr kumimoji="1" lang="en-US" altLang="ja-JP" sz="2400" dirty="0"/>
+              </a:p>
+              <a:p>
+                <a:r>
+                  <a:rPr kumimoji="1" lang="ja-JP" altLang="en-US" sz="2400" dirty="0"/>
+                  <a:t>電気伝導度 </a:t>
+                </a:r>
+                <a14:m>
+                  <m:oMath xmlns:m="http://schemas.openxmlformats.org/officeDocument/2006/math">
+                    <m:r>
+                      <a:rPr kumimoji="1" lang="en-US" altLang="ja-JP" sz="2400" b="0" i="1" smtClean="0">
+                        <a:latin typeface="Cambria Math" panose="02040503050406030204" pitchFamily="18" charset="0"/>
+                      </a:rPr>
+                      <m:t>𝜎</m:t>
+                    </m:r>
+                  </m:oMath>
+                </a14:m>
+                <a:r>
+                  <a:rPr kumimoji="1" lang="ja-JP" altLang="en-US" sz="2400" dirty="0"/>
+                  <a:t> </a:t>
+                </a:r>
+                <a:r>
+                  <a:rPr kumimoji="1" lang="en-US" altLang="ja-JP" sz="2400" dirty="0"/>
+                  <a:t>: </a:t>
+                </a:r>
+                <a:r>
+                  <a:rPr kumimoji="1" lang="ja-JP" altLang="en-US" sz="2400" dirty="0"/>
+                  <a:t>キャリア密度 </a:t>
+                </a:r>
+              </a:p>
+            </p:txBody>
+          </p:sp>
+        </mc:Choice>
+        <mc:Fallback>
+          <p:sp>
+            <p:nvSpPr>
+              <p:cNvPr id="5" name="テキスト ボックス 4">
+                <a:extLst>
+                  <a:ext uri="{FF2B5EF4-FFF2-40B4-BE49-F238E27FC236}">
+                    <a16:creationId xmlns:a16="http://schemas.microsoft.com/office/drawing/2014/main" id="{FCB07A7A-9D66-6A4A-CB3B-059D48E1D3D8}"/>
+                  </a:ext>
+                </a:extLst>
+              </p:cNvPr>
+              <p:cNvSpPr txBox="1">
+                <a:spLocks noRot="1" noChangeAspect="1" noMove="1" noResize="1" noEditPoints="1" noAdjustHandles="1" noChangeArrowheads="1" noChangeShapeType="1" noTextEdit="1"/>
+              </p:cNvSpPr>
+              <p:nvPr/>
+            </p:nvSpPr>
+            <p:spPr>
+              <a:xfrm>
+                <a:off x="2632749" y="5848501"/>
+                <a:ext cx="4640501" cy="830997"/>
+              </a:xfrm>
+              <a:prstGeom prst="rect">
+                <a:avLst/>
+              </a:prstGeom>
+              <a:blipFill>
+                <a:blip r:embed="rId10"/>
+                <a:stretch>
+                  <a:fillRect l="-2102" t="-10219" b="-16788"/>
+                </a:stretch>
+              </a:blipFill>
+            </p:spPr>
+            <p:txBody>
+              <a:bodyPr/>
+              <a:lstStyle/>
+              <a:p>
+                <a:r>
+                  <a:rPr lang="ja-JP" altLang="en-US">
+                    <a:noFill/>
+                  </a:rPr>
+                  <a:t> </a:t>
+                </a:r>
+              </a:p>
+            </p:txBody>
+          </p:sp>
+        </mc:Fallback>
+      </mc:AlternateContent>
     </p:spTree>
     <p:extLst>
       <p:ext uri="{BB962C8B-B14F-4D97-AF65-F5344CB8AC3E}">
@@ -42644,8 +42851,8 @@
           </a:p>
         </p:txBody>
       </p:sp>
-      <mc:AlternateContent xmlns:mc="http://schemas.openxmlformats.org/markup-compatibility/2006">
-        <mc:Choice xmlns:a14="http://schemas.microsoft.com/office/drawing/2010/main" Requires="a14">
+      <mc:AlternateContent xmlns:mc="http://schemas.openxmlformats.org/markup-compatibility/2006" xmlns:a14="http://schemas.microsoft.com/office/drawing/2010/main">
+        <mc:Choice Requires="a14">
           <p:sp>
             <p:nvSpPr>
               <p:cNvPr id="4" name="テキスト ボックス 3">
@@ -42880,7 +43087,7 @@
             </p:txBody>
           </p:sp>
         </mc:Choice>
-        <mc:Fallback>
+        <mc:Fallback xmlns="">
           <p:sp>
             <p:nvSpPr>
               <p:cNvPr id="4" name="テキスト ボックス 3">
@@ -43025,8 +43232,8 @@
           </a:p>
         </p:txBody>
       </p:sp>
-      <mc:AlternateContent xmlns:mc="http://schemas.openxmlformats.org/markup-compatibility/2006">
-        <mc:Choice xmlns:a14="http://schemas.microsoft.com/office/drawing/2010/main" Requires="a14">
+      <mc:AlternateContent xmlns:mc="http://schemas.openxmlformats.org/markup-compatibility/2006" xmlns:a14="http://schemas.microsoft.com/office/drawing/2010/main">
+        <mc:Choice Requires="a14">
           <p:sp>
             <p:nvSpPr>
               <p:cNvPr id="11" name="テキスト ボックス 10">
@@ -43168,7 +43375,7 @@
             </p:txBody>
           </p:sp>
         </mc:Choice>
-        <mc:Fallback>
+        <mc:Fallback xmlns="">
           <p:sp>
             <p:nvSpPr>
               <p:cNvPr id="11" name="テキスト ボックス 10">
@@ -43240,8 +43447,8 @@
         </p:blipFill>
         <p:spPr bwMode="auto">
           <a:xfrm>
-            <a:off x="1031390" y="1452143"/>
-            <a:ext cx="7123359" cy="5269334"/>
+            <a:off x="1072142" y="1452143"/>
+            <a:ext cx="7041855" cy="5269334"/>
           </a:xfrm>
           <a:prstGeom prst="rect">
             <a:avLst/>

--- a/2024_06_28_半導体/1522068_半導体.pptx
+++ b/2024_06_28_半導体/1522068_半導体.pptx
@@ -5,7 +5,7 @@
     <p:sldMasterId id="2147483660" r:id="rId1"/>
   </p:sldMasterIdLst>
   <p:notesMasterIdLst>
-    <p:notesMasterId r:id="rId21"/>
+    <p:notesMasterId r:id="rId23"/>
   </p:notesMasterIdLst>
   <p:sldIdLst>
     <p:sldId id="257" r:id="rId2"/>
@@ -25,8 +25,10 @@
     <p:sldId id="279" r:id="rId16"/>
     <p:sldId id="259" r:id="rId17"/>
     <p:sldId id="263" r:id="rId18"/>
-    <p:sldId id="269" r:id="rId19"/>
-    <p:sldId id="265" r:id="rId20"/>
+    <p:sldId id="280" r:id="rId19"/>
+    <p:sldId id="269" r:id="rId20"/>
+    <p:sldId id="265" r:id="rId21"/>
+    <p:sldId id="281" r:id="rId22"/>
   </p:sldIdLst>
   <p:sldSz cx="9906000" cy="6858000" type="A4"/>
   <p:notesSz cx="6858000" cy="9144000"/>
@@ -167,8 +169,10 @@
           <p14:sldIdLst>
             <p14:sldId id="259"/>
             <p14:sldId id="263"/>
+            <p14:sldId id="280"/>
             <p14:sldId id="269"/>
             <p14:sldId id="265"/>
+            <p14:sldId id="281"/>
           </p14:sldIdLst>
         </p14:section>
       </p14:sectionLst>
@@ -3473,7 +3477,7 @@
           <a:p>
             <a:fld id="{F1A0D797-5C19-49B5-8168-2699B573819F}" type="datetimeFigureOut">
               <a:rPr kumimoji="1" lang="ja-JP" altLang="en-US" smtClean="0"/>
-              <a:t>2024/7/12</a:t>
+              <a:t>2024/7/13</a:t>
             </a:fld>
             <a:endParaRPr kumimoji="1" lang="ja-JP" altLang="en-US"/>
           </a:p>
@@ -8209,7 +8213,7 @@
             <a:lstStyle/>
             <a:p>
               <a:pPr algn="ctr"/>
-              <a:endParaRPr kumimoji="1" lang="ja-JP" altLang="en-US"/>
+              <a:endParaRPr kumimoji="1" lang="ja-JP" altLang="en-US" dirty="0"/>
             </a:p>
           </p:txBody>
         </p:sp>
@@ -26633,6 +26637,1865 @@
 </file>
 
 <file path=ppt/slides/slide18.xml><?xml version="1.0" encoding="utf-8"?>
+<p:sld xmlns:a="http://schemas.openxmlformats.org/drawingml/2006/main" xmlns:r="http://schemas.openxmlformats.org/officeDocument/2006/relationships" xmlns:p="http://schemas.openxmlformats.org/presentationml/2006/main">
+  <p:cSld>
+    <p:spTree>
+      <p:nvGrpSpPr>
+        <p:cNvPr id="1" name=""/>
+        <p:cNvGrpSpPr/>
+        <p:nvPr/>
+      </p:nvGrpSpPr>
+      <p:grpSpPr>
+        <a:xfrm>
+          <a:off x="0" y="0"/>
+          <a:ext cx="0" cy="0"/>
+          <a:chOff x="0" y="0"/>
+          <a:chExt cx="0" cy="0"/>
+        </a:xfrm>
+      </p:grpSpPr>
+      <mc:AlternateContent xmlns:mc="http://schemas.openxmlformats.org/markup-compatibility/2006" xmlns:a14="http://schemas.microsoft.com/office/drawing/2010/main">
+        <mc:Choice Requires="a14">
+          <p:sp>
+            <p:nvSpPr>
+              <p:cNvPr id="34" name="テキスト ボックス 33">
+                <a:extLst>
+                  <a:ext uri="{FF2B5EF4-FFF2-40B4-BE49-F238E27FC236}">
+                    <a16:creationId xmlns:a16="http://schemas.microsoft.com/office/drawing/2014/main" id="{2CE8F9D3-4A4D-1465-E201-F27413FBA26E}"/>
+                  </a:ext>
+                </a:extLst>
+              </p:cNvPr>
+              <p:cNvSpPr txBox="1"/>
+              <p:nvPr/>
+            </p:nvSpPr>
+            <p:spPr>
+              <a:xfrm>
+                <a:off x="135735" y="3068831"/>
+                <a:ext cx="783429" cy="461665"/>
+              </a:xfrm>
+              <a:prstGeom prst="rect">
+                <a:avLst/>
+              </a:prstGeom>
+              <a:noFill/>
+            </p:spPr>
+            <p:txBody>
+              <a:bodyPr wrap="square">
+                <a:spAutoFit/>
+              </a:bodyPr>
+              <a:lstStyle/>
+              <a:p>
+                <a:pPr/>
+                <a14:m>
+                  <m:oMathPara xmlns:m="http://schemas.openxmlformats.org/officeDocument/2006/math">
+                    <m:oMathParaPr>
+                      <m:jc m:val="centerGroup"/>
+                    </m:oMathParaPr>
+                    <m:oMath xmlns:m="http://schemas.openxmlformats.org/officeDocument/2006/math">
+                      <m:sSub>
+                        <m:sSubPr>
+                          <m:ctrlPr>
+                            <a:rPr kumimoji="1" lang="en-US" altLang="ja-JP" sz="2400" b="0" i="1" u="none" strike="noStrike" kern="1200" cap="none" spc="0" normalizeH="0" baseline="0" noProof="0" smtClean="0">
+                              <a:ln>
+                                <a:noFill/>
+                              </a:ln>
+                              <a:solidFill>
+                                <a:srgbClr val="373737"/>
+                              </a:solidFill>
+                              <a:effectLst/>
+                              <a:uLnTx/>
+                              <a:uFillTx/>
+                              <a:latin typeface="Cambria Math" panose="02040503050406030204" pitchFamily="18" charset="0"/>
+                              <a:cs typeface="+mn-cs"/>
+                            </a:rPr>
+                          </m:ctrlPr>
+                        </m:sSubPr>
+                        <m:e>
+                          <m:r>
+                            <a:rPr kumimoji="1" lang="en-US" altLang="ja-JP" sz="2400" b="0" i="1" u="none" strike="noStrike" kern="1200" cap="none" spc="0" normalizeH="0" baseline="0" noProof="0" smtClean="0">
+                              <a:ln>
+                                <a:noFill/>
+                              </a:ln>
+                              <a:solidFill>
+                                <a:srgbClr val="373737"/>
+                              </a:solidFill>
+                              <a:effectLst/>
+                              <a:uLnTx/>
+                              <a:uFillTx/>
+                              <a:latin typeface="Cambria Math" panose="02040503050406030204" pitchFamily="18" charset="0"/>
+                              <a:cs typeface="+mn-cs"/>
+                            </a:rPr>
+                            <m:t>𝐸</m:t>
+                          </m:r>
+                        </m:e>
+                        <m:sub>
+                          <m:r>
+                            <a:rPr kumimoji="1" lang="en-US" altLang="ja-JP" sz="2400" b="0" i="1" u="none" strike="noStrike" kern="1200" cap="none" spc="0" normalizeH="0" baseline="0" noProof="0" smtClean="0">
+                              <a:ln>
+                                <a:noFill/>
+                              </a:ln>
+                              <a:solidFill>
+                                <a:srgbClr val="373737"/>
+                              </a:solidFill>
+                              <a:effectLst/>
+                              <a:uLnTx/>
+                              <a:uFillTx/>
+                              <a:latin typeface="Cambria Math" panose="02040503050406030204" pitchFamily="18" charset="0"/>
+                              <a:cs typeface="+mn-cs"/>
+                            </a:rPr>
+                            <m:t>𝐹</m:t>
+                          </m:r>
+                        </m:sub>
+                      </m:sSub>
+                    </m:oMath>
+                  </m:oMathPara>
+                </a14:m>
+                <a:endParaRPr lang="ja-JP" altLang="en-US" dirty="0"/>
+              </a:p>
+            </p:txBody>
+          </p:sp>
+        </mc:Choice>
+        <mc:Fallback xmlns="">
+          <p:sp>
+            <p:nvSpPr>
+              <p:cNvPr id="34" name="テキスト ボックス 33">
+                <a:extLst>
+                  <a:ext uri="{FF2B5EF4-FFF2-40B4-BE49-F238E27FC236}">
+                    <a16:creationId xmlns:a16="http://schemas.microsoft.com/office/drawing/2014/main" id="{2CE8F9D3-4A4D-1465-E201-F27413FBA26E}"/>
+                  </a:ext>
+                </a:extLst>
+              </p:cNvPr>
+              <p:cNvSpPr txBox="1">
+                <a:spLocks noRot="1" noChangeAspect="1" noMove="1" noResize="1" noEditPoints="1" noAdjustHandles="1" noChangeArrowheads="1" noChangeShapeType="1" noTextEdit="1"/>
+              </p:cNvSpPr>
+              <p:nvPr/>
+            </p:nvSpPr>
+            <p:spPr>
+              <a:xfrm>
+                <a:off x="135735" y="3068831"/>
+                <a:ext cx="783429" cy="461665"/>
+              </a:xfrm>
+              <a:prstGeom prst="rect">
+                <a:avLst/>
+              </a:prstGeom>
+              <a:blipFill>
+                <a:blip r:embed="rId2"/>
+                <a:stretch>
+                  <a:fillRect b="-3947"/>
+                </a:stretch>
+              </a:blipFill>
+            </p:spPr>
+            <p:txBody>
+              <a:bodyPr/>
+              <a:lstStyle/>
+              <a:p>
+                <a:r>
+                  <a:rPr lang="ja-JP" altLang="en-US">
+                    <a:noFill/>
+                  </a:rPr>
+                  <a:t> </a:t>
+                </a:r>
+              </a:p>
+            </p:txBody>
+          </p:sp>
+        </mc:Fallback>
+      </mc:AlternateContent>
+      <p:sp>
+        <p:nvSpPr>
+          <p:cNvPr id="158" name="楕円 157">
+            <a:extLst>
+              <a:ext uri="{FF2B5EF4-FFF2-40B4-BE49-F238E27FC236}">
+                <a16:creationId xmlns:a16="http://schemas.microsoft.com/office/drawing/2014/main" id="{4CF8861F-65E4-670D-B3E1-74912D9D4647}"/>
+              </a:ext>
+            </a:extLst>
+          </p:cNvPr>
+          <p:cNvSpPr/>
+          <p:nvPr/>
+        </p:nvSpPr>
+        <p:spPr>
+          <a:xfrm>
+            <a:off x="5570755" y="1702222"/>
+            <a:ext cx="162000" cy="162000"/>
+          </a:xfrm>
+          <a:prstGeom prst="ellipse">
+            <a:avLst/>
+          </a:prstGeom>
+        </p:spPr>
+        <p:style>
+          <a:lnRef idx="2">
+            <a:schemeClr val="accent2">
+              <a:shade val="15000"/>
+            </a:schemeClr>
+          </a:lnRef>
+          <a:fillRef idx="1">
+            <a:schemeClr val="accent2"/>
+          </a:fillRef>
+          <a:effectRef idx="0">
+            <a:schemeClr val="accent2"/>
+          </a:effectRef>
+          <a:fontRef idx="minor">
+            <a:schemeClr val="lt1"/>
+          </a:fontRef>
+        </p:style>
+        <p:txBody>
+          <a:bodyPr rtlCol="0" anchor="ctr"/>
+          <a:lstStyle/>
+          <a:p>
+            <a:pPr algn="ctr"/>
+            <a:endParaRPr kumimoji="1" lang="ja-JP" altLang="en-US"/>
+          </a:p>
+        </p:txBody>
+      </p:sp>
+      <p:sp>
+        <p:nvSpPr>
+          <p:cNvPr id="159" name="楕円 158">
+            <a:extLst>
+              <a:ext uri="{FF2B5EF4-FFF2-40B4-BE49-F238E27FC236}">
+                <a16:creationId xmlns:a16="http://schemas.microsoft.com/office/drawing/2014/main" id="{904DBD48-0154-C8A0-BA8A-884E98974E22}"/>
+              </a:ext>
+            </a:extLst>
+          </p:cNvPr>
+          <p:cNvSpPr/>
+          <p:nvPr/>
+        </p:nvSpPr>
+        <p:spPr>
+          <a:xfrm>
+            <a:off x="8564550" y="4939599"/>
+            <a:ext cx="162000" cy="162000"/>
+          </a:xfrm>
+          <a:prstGeom prst="ellipse">
+            <a:avLst/>
+          </a:prstGeom>
+        </p:spPr>
+        <p:style>
+          <a:lnRef idx="2">
+            <a:schemeClr val="accent3">
+              <a:shade val="15000"/>
+            </a:schemeClr>
+          </a:lnRef>
+          <a:fillRef idx="1">
+            <a:schemeClr val="accent3"/>
+          </a:fillRef>
+          <a:effectRef idx="0">
+            <a:schemeClr val="accent3"/>
+          </a:effectRef>
+          <a:fontRef idx="minor">
+            <a:schemeClr val="lt1"/>
+          </a:fontRef>
+        </p:style>
+        <p:txBody>
+          <a:bodyPr rtlCol="0" anchor="ctr"/>
+          <a:lstStyle/>
+          <a:p>
+            <a:pPr algn="ctr"/>
+            <a:endParaRPr kumimoji="1" lang="ja-JP" altLang="en-US"/>
+          </a:p>
+        </p:txBody>
+      </p:sp>
+      <p:grpSp>
+        <p:nvGrpSpPr>
+          <p:cNvPr id="217" name="グループ化 216">
+            <a:extLst>
+              <a:ext uri="{FF2B5EF4-FFF2-40B4-BE49-F238E27FC236}">
+                <a16:creationId xmlns:a16="http://schemas.microsoft.com/office/drawing/2014/main" id="{1811C2CB-A425-5B49-B3BC-8527E47B6EA0}"/>
+              </a:ext>
+            </a:extLst>
+          </p:cNvPr>
+          <p:cNvGrpSpPr/>
+          <p:nvPr/>
+        </p:nvGrpSpPr>
+        <p:grpSpPr>
+          <a:xfrm>
+            <a:off x="804864" y="1895475"/>
+            <a:ext cx="2412000" cy="3704208"/>
+            <a:chOff x="804864" y="1895475"/>
+            <a:chExt cx="2412000" cy="3704208"/>
+          </a:xfrm>
+        </p:grpSpPr>
+        <p:cxnSp>
+          <p:nvCxnSpPr>
+            <p:cNvPr id="5" name="直線コネクタ 4">
+              <a:extLst>
+                <a:ext uri="{FF2B5EF4-FFF2-40B4-BE49-F238E27FC236}">
+                  <a16:creationId xmlns:a16="http://schemas.microsoft.com/office/drawing/2014/main" id="{A0207F7C-8FC3-FF3F-C6BE-63187C3735D6}"/>
+                </a:ext>
+              </a:extLst>
+            </p:cNvPr>
+            <p:cNvCxnSpPr>
+              <a:cxnSpLocks/>
+            </p:cNvCxnSpPr>
+            <p:nvPr/>
+          </p:nvCxnSpPr>
+          <p:spPr>
+            <a:xfrm>
+              <a:off x="804864" y="1895475"/>
+              <a:ext cx="2412000" cy="0"/>
+            </a:xfrm>
+            <a:prstGeom prst="line">
+              <a:avLst/>
+            </a:prstGeom>
+            <a:ln w="57150"/>
+          </p:spPr>
+          <p:style>
+            <a:lnRef idx="1">
+              <a:schemeClr val="accent1"/>
+            </a:lnRef>
+            <a:fillRef idx="0">
+              <a:schemeClr val="accent1"/>
+            </a:fillRef>
+            <a:effectRef idx="0">
+              <a:schemeClr val="accent1"/>
+            </a:effectRef>
+            <a:fontRef idx="minor">
+              <a:schemeClr val="tx1"/>
+            </a:fontRef>
+          </p:style>
+        </p:cxnSp>
+        <p:cxnSp>
+          <p:nvCxnSpPr>
+            <p:cNvPr id="7" name="直線コネクタ 6">
+              <a:extLst>
+                <a:ext uri="{FF2B5EF4-FFF2-40B4-BE49-F238E27FC236}">
+                  <a16:creationId xmlns:a16="http://schemas.microsoft.com/office/drawing/2014/main" id="{F73A029F-2B28-A995-92C2-3D10DAB44DF5}"/>
+                </a:ext>
+              </a:extLst>
+            </p:cNvPr>
+            <p:cNvCxnSpPr>
+              <a:cxnSpLocks/>
+            </p:cNvCxnSpPr>
+            <p:nvPr/>
+          </p:nvCxnSpPr>
+          <p:spPr>
+            <a:xfrm>
+              <a:off x="804864" y="4862881"/>
+              <a:ext cx="2412000" cy="0"/>
+            </a:xfrm>
+            <a:prstGeom prst="line">
+              <a:avLst/>
+            </a:prstGeom>
+            <a:ln w="57150"/>
+          </p:spPr>
+          <p:style>
+            <a:lnRef idx="1">
+              <a:schemeClr val="accent1"/>
+            </a:lnRef>
+            <a:fillRef idx="0">
+              <a:schemeClr val="accent1"/>
+            </a:fillRef>
+            <a:effectRef idx="0">
+              <a:schemeClr val="accent1"/>
+            </a:effectRef>
+            <a:fontRef idx="minor">
+              <a:schemeClr val="tx1"/>
+            </a:fontRef>
+          </p:style>
+        </p:cxnSp>
+        <p:cxnSp>
+          <p:nvCxnSpPr>
+            <p:cNvPr id="27" name="直線コネクタ 26">
+              <a:extLst>
+                <a:ext uri="{FF2B5EF4-FFF2-40B4-BE49-F238E27FC236}">
+                  <a16:creationId xmlns:a16="http://schemas.microsoft.com/office/drawing/2014/main" id="{A2F525DF-6A36-357E-686C-047EE3A26869}"/>
+                </a:ext>
+              </a:extLst>
+            </p:cNvPr>
+            <p:cNvCxnSpPr>
+              <a:cxnSpLocks/>
+            </p:cNvCxnSpPr>
+            <p:nvPr/>
+          </p:nvCxnSpPr>
+          <p:spPr>
+            <a:xfrm>
+              <a:off x="804864" y="3429000"/>
+              <a:ext cx="2412000" cy="0"/>
+            </a:xfrm>
+            <a:prstGeom prst="line">
+              <a:avLst/>
+            </a:prstGeom>
+            <a:ln w="28575">
+              <a:prstDash val="dashDot"/>
+            </a:ln>
+          </p:spPr>
+          <p:style>
+            <a:lnRef idx="1">
+              <a:schemeClr val="accent1"/>
+            </a:lnRef>
+            <a:fillRef idx="0">
+              <a:schemeClr val="accent1"/>
+            </a:fillRef>
+            <a:effectRef idx="0">
+              <a:schemeClr val="accent1"/>
+            </a:effectRef>
+            <a:fontRef idx="minor">
+              <a:schemeClr val="tx1"/>
+            </a:fontRef>
+          </p:style>
+        </p:cxnSp>
+        <p:cxnSp>
+          <p:nvCxnSpPr>
+            <p:cNvPr id="23" name="直線矢印コネクタ 22">
+              <a:extLst>
+                <a:ext uri="{FF2B5EF4-FFF2-40B4-BE49-F238E27FC236}">
+                  <a16:creationId xmlns:a16="http://schemas.microsoft.com/office/drawing/2014/main" id="{C5F8003B-4351-9714-77C4-7C9750C188C2}"/>
+                </a:ext>
+              </a:extLst>
+            </p:cNvPr>
+            <p:cNvCxnSpPr/>
+            <p:nvPr/>
+          </p:nvCxnSpPr>
+          <p:spPr>
+            <a:xfrm>
+              <a:off x="919164" y="2133600"/>
+              <a:ext cx="0" cy="2362200"/>
+            </a:xfrm>
+            <a:prstGeom prst="straightConnector1">
+              <a:avLst/>
+            </a:prstGeom>
+            <a:ln w="28575">
+              <a:headEnd type="triangle"/>
+              <a:tailEnd type="triangle"/>
+            </a:ln>
+          </p:spPr>
+          <p:style>
+            <a:lnRef idx="1">
+              <a:schemeClr val="dk1"/>
+            </a:lnRef>
+            <a:fillRef idx="0">
+              <a:schemeClr val="dk1"/>
+            </a:fillRef>
+            <a:effectRef idx="0">
+              <a:schemeClr val="dk1"/>
+            </a:effectRef>
+            <a:fontRef idx="minor">
+              <a:schemeClr val="tx1"/>
+            </a:fontRef>
+          </p:style>
+        </p:cxnSp>
+        <mc:AlternateContent xmlns:mc="http://schemas.openxmlformats.org/markup-compatibility/2006" xmlns:a14="http://schemas.microsoft.com/office/drawing/2010/main">
+          <mc:Choice Requires="a14">
+            <p:sp>
+              <p:nvSpPr>
+                <p:cNvPr id="24" name="テキスト ボックス 23">
+                  <a:extLst>
+                    <a:ext uri="{FF2B5EF4-FFF2-40B4-BE49-F238E27FC236}">
+                      <a16:creationId xmlns:a16="http://schemas.microsoft.com/office/drawing/2014/main" id="{03A6EFB4-2319-7D05-CC71-D054DD6B0B7C}"/>
+                    </a:ext>
+                  </a:extLst>
+                </p:cNvPr>
+                <p:cNvSpPr txBox="1"/>
+                <p:nvPr/>
+              </p:nvSpPr>
+              <p:spPr>
+                <a:xfrm>
+                  <a:off x="897733" y="3572157"/>
+                  <a:ext cx="1366977" cy="491738"/>
+                </a:xfrm>
+                <a:prstGeom prst="rect">
+                  <a:avLst/>
+                </a:prstGeom>
+                <a:noFill/>
+              </p:spPr>
+              <p:txBody>
+                <a:bodyPr wrap="none" rtlCol="0">
+                  <a:spAutoFit/>
+                </a:bodyPr>
+                <a:lstStyle/>
+                <a:p>
+                  <a:pPr/>
+                  <a14:m>
+                    <m:oMathPara xmlns:m="http://schemas.openxmlformats.org/officeDocument/2006/math">
+                      <m:oMathParaPr>
+                        <m:jc m:val="centerGroup"/>
+                      </m:oMathParaPr>
+                      <m:oMath xmlns:m="http://schemas.openxmlformats.org/officeDocument/2006/math">
+                        <m:sSub>
+                          <m:sSubPr>
+                            <m:ctrlPr>
+                              <a:rPr kumimoji="1" lang="en-US" altLang="ja-JP" sz="2400" b="0" i="1" smtClean="0">
+                                <a:latin typeface="Cambria Math" panose="02040503050406030204" pitchFamily="18" charset="0"/>
+                              </a:rPr>
+                            </m:ctrlPr>
+                          </m:sSubPr>
+                          <m:e>
+                            <m:r>
+                              <a:rPr kumimoji="1" lang="en-US" altLang="ja-JP" sz="2400" b="0" i="1" smtClean="0">
+                                <a:latin typeface="Cambria Math" panose="02040503050406030204" pitchFamily="18" charset="0"/>
+                              </a:rPr>
+                              <m:t>𝐸</m:t>
+                            </m:r>
+                          </m:e>
+                          <m:sub>
+                            <m:r>
+                              <a:rPr kumimoji="1" lang="en-US" altLang="ja-JP" sz="2400" b="0" i="1" smtClean="0">
+                                <a:latin typeface="Cambria Math" panose="02040503050406030204" pitchFamily="18" charset="0"/>
+                              </a:rPr>
+                              <m:t>𝑔</m:t>
+                            </m:r>
+                          </m:sub>
+                        </m:sSub>
+                        <m:r>
+                          <a:rPr kumimoji="1" lang="en-US" altLang="ja-JP" sz="2400" b="0" i="0" smtClean="0">
+                            <a:latin typeface="Cambria Math" panose="02040503050406030204" pitchFamily="18" charset="0"/>
+                          </a:rPr>
+                          <m:t>∼</m:t>
+                        </m:r>
+                        <m:r>
+                          <m:rPr>
+                            <m:sty m:val="p"/>
+                          </m:rPr>
+                          <a:rPr kumimoji="1" lang="en-US" altLang="ja-JP" sz="2400" b="0" i="0" smtClean="0">
+                            <a:latin typeface="Cambria Math" panose="02040503050406030204" pitchFamily="18" charset="0"/>
+                          </a:rPr>
+                          <m:t>eV</m:t>
+                        </m:r>
+                      </m:oMath>
+                    </m:oMathPara>
+                  </a14:m>
+                  <a:endParaRPr kumimoji="1" lang="ja-JP" altLang="en-US" sz="2400" dirty="0"/>
+                </a:p>
+              </p:txBody>
+            </p:sp>
+          </mc:Choice>
+          <mc:Fallback xmlns="">
+            <p:sp>
+              <p:nvSpPr>
+                <p:cNvPr id="24" name="テキスト ボックス 23">
+                  <a:extLst>
+                    <a:ext uri="{FF2B5EF4-FFF2-40B4-BE49-F238E27FC236}">
+                      <a16:creationId xmlns:a16="http://schemas.microsoft.com/office/drawing/2014/main" id="{03A6EFB4-2319-7D05-CC71-D054DD6B0B7C}"/>
+                    </a:ext>
+                  </a:extLst>
+                </p:cNvPr>
+                <p:cNvSpPr txBox="1">
+                  <a:spLocks noRot="1" noChangeAspect="1" noMove="1" noResize="1" noEditPoints="1" noAdjustHandles="1" noChangeArrowheads="1" noChangeShapeType="1" noTextEdit="1"/>
+                </p:cNvSpPr>
+                <p:nvPr/>
+              </p:nvSpPr>
+              <p:spPr>
+                <a:xfrm>
+                  <a:off x="897733" y="3572157"/>
+                  <a:ext cx="1366977" cy="491738"/>
+                </a:xfrm>
+                <a:prstGeom prst="rect">
+                  <a:avLst/>
+                </a:prstGeom>
+                <a:blipFill>
+                  <a:blip r:embed="rId3"/>
+                  <a:stretch>
+                    <a:fillRect b="-7407"/>
+                  </a:stretch>
+                </a:blipFill>
+              </p:spPr>
+              <p:txBody>
+                <a:bodyPr/>
+                <a:lstStyle/>
+                <a:p>
+                  <a:r>
+                    <a:rPr lang="ja-JP" altLang="en-US">
+                      <a:noFill/>
+                    </a:rPr>
+                    <a:t> </a:t>
+                  </a:r>
+                </a:p>
+              </p:txBody>
+            </p:sp>
+          </mc:Fallback>
+        </mc:AlternateContent>
+        <p:sp>
+          <p:nvSpPr>
+            <p:cNvPr id="160" name="テキスト ボックス 159">
+              <a:extLst>
+                <a:ext uri="{FF2B5EF4-FFF2-40B4-BE49-F238E27FC236}">
+                  <a16:creationId xmlns:a16="http://schemas.microsoft.com/office/drawing/2014/main" id="{7F5C341F-9BE0-9348-F7E8-53F697EED7D9}"/>
+                </a:ext>
+              </a:extLst>
+            </p:cNvPr>
+            <p:cNvSpPr txBox="1"/>
+            <p:nvPr/>
+          </p:nvSpPr>
+          <p:spPr>
+            <a:xfrm>
+              <a:off x="1352621" y="5230351"/>
+              <a:ext cx="1338828" cy="369332"/>
+            </a:xfrm>
+            <a:prstGeom prst="rect">
+              <a:avLst/>
+            </a:prstGeom>
+            <a:noFill/>
+          </p:spPr>
+          <p:txBody>
+            <a:bodyPr wrap="none" rtlCol="0">
+              <a:spAutoFit/>
+            </a:bodyPr>
+            <a:lstStyle/>
+            <a:p>
+              <a:r>
+                <a:rPr kumimoji="1" lang="ja-JP" altLang="en-US" dirty="0"/>
+                <a:t>真性半導体</a:t>
+              </a:r>
+            </a:p>
+          </p:txBody>
+        </p:sp>
+      </p:grpSp>
+      <p:grpSp>
+        <p:nvGrpSpPr>
+          <p:cNvPr id="218" name="グループ化 217">
+            <a:extLst>
+              <a:ext uri="{FF2B5EF4-FFF2-40B4-BE49-F238E27FC236}">
+                <a16:creationId xmlns:a16="http://schemas.microsoft.com/office/drawing/2014/main" id="{5F65D190-D1D6-B6DC-EE4D-B842704C36E5}"/>
+              </a:ext>
+            </a:extLst>
+          </p:cNvPr>
+          <p:cNvGrpSpPr/>
+          <p:nvPr/>
+        </p:nvGrpSpPr>
+        <p:grpSpPr>
+          <a:xfrm>
+            <a:off x="3718425" y="1913351"/>
+            <a:ext cx="2440576" cy="3687400"/>
+            <a:chOff x="3526837" y="1913351"/>
+            <a:chExt cx="2440576" cy="3687400"/>
+          </a:xfrm>
+        </p:grpSpPr>
+        <p:cxnSp>
+          <p:nvCxnSpPr>
+            <p:cNvPr id="12" name="直線コネクタ 11">
+              <a:extLst>
+                <a:ext uri="{FF2B5EF4-FFF2-40B4-BE49-F238E27FC236}">
+                  <a16:creationId xmlns:a16="http://schemas.microsoft.com/office/drawing/2014/main" id="{33D0AC3E-542C-A206-1F14-D8F90FEE21D4}"/>
+                </a:ext>
+              </a:extLst>
+            </p:cNvPr>
+            <p:cNvCxnSpPr>
+              <a:cxnSpLocks/>
+            </p:cNvCxnSpPr>
+            <p:nvPr/>
+          </p:nvCxnSpPr>
+          <p:spPr>
+            <a:xfrm>
+              <a:off x="3526837" y="1913351"/>
+              <a:ext cx="2412000" cy="0"/>
+            </a:xfrm>
+            <a:prstGeom prst="line">
+              <a:avLst/>
+            </a:prstGeom>
+            <a:ln w="57150"/>
+          </p:spPr>
+          <p:style>
+            <a:lnRef idx="1">
+              <a:schemeClr val="accent1"/>
+            </a:lnRef>
+            <a:fillRef idx="0">
+              <a:schemeClr val="accent1"/>
+            </a:fillRef>
+            <a:effectRef idx="0">
+              <a:schemeClr val="accent1"/>
+            </a:effectRef>
+            <a:fontRef idx="minor">
+              <a:schemeClr val="tx1"/>
+            </a:fontRef>
+          </p:style>
+        </p:cxnSp>
+        <p:cxnSp>
+          <p:nvCxnSpPr>
+            <p:cNvPr id="13" name="直線コネクタ 12">
+              <a:extLst>
+                <a:ext uri="{FF2B5EF4-FFF2-40B4-BE49-F238E27FC236}">
+                  <a16:creationId xmlns:a16="http://schemas.microsoft.com/office/drawing/2014/main" id="{01263B46-6986-0E5E-834B-A0B261845303}"/>
+                </a:ext>
+              </a:extLst>
+            </p:cNvPr>
+            <p:cNvCxnSpPr>
+              <a:cxnSpLocks/>
+            </p:cNvCxnSpPr>
+            <p:nvPr/>
+          </p:nvCxnSpPr>
+          <p:spPr>
+            <a:xfrm>
+              <a:off x="3555413" y="4853356"/>
+              <a:ext cx="2412000" cy="0"/>
+            </a:xfrm>
+            <a:prstGeom prst="line">
+              <a:avLst/>
+            </a:prstGeom>
+            <a:ln w="57150"/>
+          </p:spPr>
+          <p:style>
+            <a:lnRef idx="1">
+              <a:schemeClr val="accent1"/>
+            </a:lnRef>
+            <a:fillRef idx="0">
+              <a:schemeClr val="accent1"/>
+            </a:fillRef>
+            <a:effectRef idx="0">
+              <a:schemeClr val="accent1"/>
+            </a:effectRef>
+            <a:fontRef idx="minor">
+              <a:schemeClr val="tx1"/>
+            </a:fontRef>
+          </p:style>
+        </p:cxnSp>
+        <p:cxnSp>
+          <p:nvCxnSpPr>
+            <p:cNvPr id="14" name="直線コネクタ 13">
+              <a:extLst>
+                <a:ext uri="{FF2B5EF4-FFF2-40B4-BE49-F238E27FC236}">
+                  <a16:creationId xmlns:a16="http://schemas.microsoft.com/office/drawing/2014/main" id="{6CC4F3E5-FB4A-727B-7963-54942329924F}"/>
+                </a:ext>
+              </a:extLst>
+            </p:cNvPr>
+            <p:cNvCxnSpPr>
+              <a:cxnSpLocks/>
+            </p:cNvCxnSpPr>
+            <p:nvPr/>
+          </p:nvCxnSpPr>
+          <p:spPr>
+            <a:xfrm>
+              <a:off x="3555413" y="2843581"/>
+              <a:ext cx="2412000" cy="0"/>
+            </a:xfrm>
+            <a:prstGeom prst="line">
+              <a:avLst/>
+            </a:prstGeom>
+            <a:ln w="57150"/>
+          </p:spPr>
+          <p:style>
+            <a:lnRef idx="1">
+              <a:schemeClr val="accent1"/>
+            </a:lnRef>
+            <a:fillRef idx="0">
+              <a:schemeClr val="accent1"/>
+            </a:fillRef>
+            <a:effectRef idx="0">
+              <a:schemeClr val="accent1"/>
+            </a:effectRef>
+            <a:fontRef idx="minor">
+              <a:schemeClr val="tx1"/>
+            </a:fontRef>
+          </p:style>
+        </p:cxnSp>
+        <p:cxnSp>
+          <p:nvCxnSpPr>
+            <p:cNvPr id="28" name="直線コネクタ 27">
+              <a:extLst>
+                <a:ext uri="{FF2B5EF4-FFF2-40B4-BE49-F238E27FC236}">
+                  <a16:creationId xmlns:a16="http://schemas.microsoft.com/office/drawing/2014/main" id="{01EA3EE2-6CBF-7E32-CCB3-6CA1163E0D2A}"/>
+                </a:ext>
+              </a:extLst>
+            </p:cNvPr>
+            <p:cNvCxnSpPr>
+              <a:cxnSpLocks/>
+            </p:cNvCxnSpPr>
+            <p:nvPr/>
+          </p:nvCxnSpPr>
+          <p:spPr>
+            <a:xfrm>
+              <a:off x="3555412" y="3415081"/>
+              <a:ext cx="2412000" cy="0"/>
+            </a:xfrm>
+            <a:prstGeom prst="line">
+              <a:avLst/>
+            </a:prstGeom>
+            <a:ln w="28575">
+              <a:prstDash val="dashDot"/>
+            </a:ln>
+          </p:spPr>
+          <p:style>
+            <a:lnRef idx="1">
+              <a:schemeClr val="accent1"/>
+            </a:lnRef>
+            <a:fillRef idx="0">
+              <a:schemeClr val="accent1"/>
+            </a:fillRef>
+            <a:effectRef idx="0">
+              <a:schemeClr val="accent1"/>
+            </a:effectRef>
+            <a:fontRef idx="minor">
+              <a:schemeClr val="tx1"/>
+            </a:fontRef>
+          </p:style>
+        </p:cxnSp>
+        <p:cxnSp>
+          <p:nvCxnSpPr>
+            <p:cNvPr id="35" name="直線矢印コネクタ 34">
+              <a:extLst>
+                <a:ext uri="{FF2B5EF4-FFF2-40B4-BE49-F238E27FC236}">
+                  <a16:creationId xmlns:a16="http://schemas.microsoft.com/office/drawing/2014/main" id="{EBC40446-8814-D5B2-4E7B-7E9DE38DD92C}"/>
+                </a:ext>
+              </a:extLst>
+            </p:cNvPr>
+            <p:cNvCxnSpPr>
+              <a:cxnSpLocks/>
+            </p:cNvCxnSpPr>
+            <p:nvPr/>
+          </p:nvCxnSpPr>
+          <p:spPr>
+            <a:xfrm>
+              <a:off x="3679238" y="2043481"/>
+              <a:ext cx="0" cy="590550"/>
+            </a:xfrm>
+            <a:prstGeom prst="straightConnector1">
+              <a:avLst/>
+            </a:prstGeom>
+            <a:ln w="28575">
+              <a:headEnd type="triangle"/>
+              <a:tailEnd type="triangle"/>
+            </a:ln>
+          </p:spPr>
+          <p:style>
+            <a:lnRef idx="1">
+              <a:schemeClr val="dk1"/>
+            </a:lnRef>
+            <a:fillRef idx="0">
+              <a:schemeClr val="dk1"/>
+            </a:fillRef>
+            <a:effectRef idx="0">
+              <a:schemeClr val="dk1"/>
+            </a:effectRef>
+            <a:fontRef idx="minor">
+              <a:schemeClr val="tx1"/>
+            </a:fontRef>
+          </p:style>
+        </p:cxnSp>
+        <mc:AlternateContent xmlns:mc="http://schemas.openxmlformats.org/markup-compatibility/2006" xmlns:a14="http://schemas.microsoft.com/office/drawing/2010/main">
+          <mc:Choice Requires="a14">
+            <p:sp>
+              <p:nvSpPr>
+                <p:cNvPr id="37" name="テキスト ボックス 36">
+                  <a:extLst>
+                    <a:ext uri="{FF2B5EF4-FFF2-40B4-BE49-F238E27FC236}">
+                      <a16:creationId xmlns:a16="http://schemas.microsoft.com/office/drawing/2014/main" id="{AAC2D965-0D64-4412-4DA2-7BDD9B312E65}"/>
+                    </a:ext>
+                  </a:extLst>
+                </p:cNvPr>
+                <p:cNvSpPr txBox="1"/>
+                <p:nvPr/>
+              </p:nvSpPr>
+              <p:spPr>
+                <a:xfrm>
+                  <a:off x="3698288" y="2154666"/>
+                  <a:ext cx="1063124" cy="400110"/>
+                </a:xfrm>
+                <a:prstGeom prst="rect">
+                  <a:avLst/>
+                </a:prstGeom>
+                <a:noFill/>
+              </p:spPr>
+              <p:txBody>
+                <a:bodyPr wrap="square">
+                  <a:spAutoFit/>
+                </a:bodyPr>
+                <a:lstStyle/>
+                <a:p>
+                  <a:pPr/>
+                  <a14:m>
+                    <m:oMathPara xmlns:m="http://schemas.openxmlformats.org/officeDocument/2006/math">
+                      <m:oMathParaPr>
+                        <m:jc m:val="centerGroup"/>
+                      </m:oMathParaPr>
+                      <m:oMath xmlns:m="http://schemas.openxmlformats.org/officeDocument/2006/math">
+                        <m:r>
+                          <a:rPr kumimoji="1" lang="en-US" altLang="ja-JP" sz="2000" b="0" i="1" u="none" strike="noStrike" kern="1200" cap="none" spc="0" normalizeH="0" baseline="0" noProof="0" smtClean="0">
+                            <a:ln>
+                              <a:noFill/>
+                            </a:ln>
+                            <a:solidFill>
+                              <a:srgbClr val="373737"/>
+                            </a:solidFill>
+                            <a:effectLst/>
+                            <a:uLnTx/>
+                            <a:uFillTx/>
+                            <a:latin typeface="Cambria Math" panose="02040503050406030204" pitchFamily="18" charset="0"/>
+                            <a:cs typeface="+mn-cs"/>
+                          </a:rPr>
+                          <m:t>∼</m:t>
+                        </m:r>
+                        <m:r>
+                          <m:rPr>
+                            <m:sty m:val="p"/>
+                          </m:rPr>
+                          <a:rPr kumimoji="1" lang="en-US" altLang="ja-JP" sz="2000" b="0" i="0" u="none" strike="noStrike" kern="1200" cap="none" spc="0" normalizeH="0" baseline="0" noProof="0" smtClean="0">
+                            <a:ln>
+                              <a:noFill/>
+                            </a:ln>
+                            <a:solidFill>
+                              <a:srgbClr val="373737"/>
+                            </a:solidFill>
+                            <a:effectLst/>
+                            <a:uLnTx/>
+                            <a:uFillTx/>
+                            <a:latin typeface="Cambria Math" panose="02040503050406030204" pitchFamily="18" charset="0"/>
+                            <a:cs typeface="+mn-cs"/>
+                          </a:rPr>
+                          <m:t>m</m:t>
+                        </m:r>
+                        <m:r>
+                          <m:rPr>
+                            <m:sty m:val="p"/>
+                          </m:rPr>
+                          <a:rPr kumimoji="1" lang="en-US" altLang="ja-JP" sz="2000" b="0" i="0" u="none" strike="noStrike" kern="1200" cap="none" spc="0" normalizeH="0" baseline="0" noProof="0" smtClean="0">
+                            <a:ln>
+                              <a:noFill/>
+                            </a:ln>
+                            <a:solidFill>
+                              <a:srgbClr val="373737"/>
+                            </a:solidFill>
+                            <a:effectLst/>
+                            <a:uLnTx/>
+                            <a:uFillTx/>
+                            <a:latin typeface="Cambria Math" panose="02040503050406030204" pitchFamily="18" charset="0"/>
+                          </a:rPr>
+                          <m:t>eV</m:t>
+                        </m:r>
+                      </m:oMath>
+                    </m:oMathPara>
+                  </a14:m>
+                  <a:endParaRPr lang="ja-JP" altLang="en-US" sz="1600" dirty="0"/>
+                </a:p>
+              </p:txBody>
+            </p:sp>
+          </mc:Choice>
+          <mc:Fallback xmlns="">
+            <p:sp>
+              <p:nvSpPr>
+                <p:cNvPr id="37" name="テキスト ボックス 36">
+                  <a:extLst>
+                    <a:ext uri="{FF2B5EF4-FFF2-40B4-BE49-F238E27FC236}">
+                      <a16:creationId xmlns:a16="http://schemas.microsoft.com/office/drawing/2014/main" id="{AAC2D965-0D64-4412-4DA2-7BDD9B312E65}"/>
+                    </a:ext>
+                  </a:extLst>
+                </p:cNvPr>
+                <p:cNvSpPr txBox="1">
+                  <a:spLocks noRot="1" noChangeAspect="1" noMove="1" noResize="1" noEditPoints="1" noAdjustHandles="1" noChangeArrowheads="1" noChangeShapeType="1" noTextEdit="1"/>
+                </p:cNvSpPr>
+                <p:nvPr/>
+              </p:nvSpPr>
+              <p:spPr>
+                <a:xfrm>
+                  <a:off x="3698288" y="2154666"/>
+                  <a:ext cx="1063124" cy="400110"/>
+                </a:xfrm>
+                <a:prstGeom prst="rect">
+                  <a:avLst/>
+                </a:prstGeom>
+                <a:blipFill>
+                  <a:blip r:embed="rId4"/>
+                  <a:stretch>
+                    <a:fillRect/>
+                  </a:stretch>
+                </a:blipFill>
+              </p:spPr>
+              <p:txBody>
+                <a:bodyPr/>
+                <a:lstStyle/>
+                <a:p>
+                  <a:r>
+                    <a:rPr lang="ja-JP" altLang="en-US">
+                      <a:noFill/>
+                    </a:rPr>
+                    <a:t> </a:t>
+                  </a:r>
+                </a:p>
+              </p:txBody>
+            </p:sp>
+          </mc:Fallback>
+        </mc:AlternateContent>
+        <p:sp>
+          <p:nvSpPr>
+            <p:cNvPr id="213" name="テキスト ボックス 212">
+              <a:extLst>
+                <a:ext uri="{FF2B5EF4-FFF2-40B4-BE49-F238E27FC236}">
+                  <a16:creationId xmlns:a16="http://schemas.microsoft.com/office/drawing/2014/main" id="{4687EA50-954A-166C-E7F4-D688E74FCC56}"/>
+                </a:ext>
+              </a:extLst>
+            </p:cNvPr>
+            <p:cNvSpPr txBox="1"/>
+            <p:nvPr/>
+          </p:nvSpPr>
+          <p:spPr>
+            <a:xfrm>
+              <a:off x="4131302" y="5231419"/>
+              <a:ext cx="1253869" cy="369332"/>
+            </a:xfrm>
+            <a:prstGeom prst="rect">
+              <a:avLst/>
+            </a:prstGeom>
+            <a:noFill/>
+          </p:spPr>
+          <p:txBody>
+            <a:bodyPr wrap="none" rtlCol="0">
+              <a:spAutoFit/>
+            </a:bodyPr>
+            <a:lstStyle/>
+            <a:p>
+              <a:r>
+                <a:rPr kumimoji="1" lang="en-US" altLang="ja-JP" dirty="0"/>
+                <a:t>n</a:t>
+              </a:r>
+              <a:r>
+                <a:rPr kumimoji="1" lang="ja-JP" altLang="en-US" dirty="0"/>
+                <a:t>型半導体</a:t>
+              </a:r>
+            </a:p>
+          </p:txBody>
+        </p:sp>
+      </p:grpSp>
+      <p:grpSp>
+        <p:nvGrpSpPr>
+          <p:cNvPr id="219" name="グループ化 218">
+            <a:extLst>
+              <a:ext uri="{FF2B5EF4-FFF2-40B4-BE49-F238E27FC236}">
+                <a16:creationId xmlns:a16="http://schemas.microsoft.com/office/drawing/2014/main" id="{D1E15550-BB8F-9AF8-7297-07A5139F8EEC}"/>
+              </a:ext>
+            </a:extLst>
+          </p:cNvPr>
+          <p:cNvGrpSpPr/>
+          <p:nvPr/>
+        </p:nvGrpSpPr>
+        <p:grpSpPr>
+          <a:xfrm>
+            <a:off x="6660562" y="1913351"/>
+            <a:ext cx="2440576" cy="3686332"/>
+            <a:chOff x="6660562" y="1913351"/>
+            <a:chExt cx="2440576" cy="3686332"/>
+          </a:xfrm>
+        </p:grpSpPr>
+        <p:cxnSp>
+          <p:nvCxnSpPr>
+            <p:cNvPr id="64" name="直線コネクタ 63">
+              <a:extLst>
+                <a:ext uri="{FF2B5EF4-FFF2-40B4-BE49-F238E27FC236}">
+                  <a16:creationId xmlns:a16="http://schemas.microsoft.com/office/drawing/2014/main" id="{D72DE51D-660F-663D-C0DF-A70C6F6CFC9A}"/>
+                </a:ext>
+              </a:extLst>
+            </p:cNvPr>
+            <p:cNvCxnSpPr>
+              <a:cxnSpLocks/>
+            </p:cNvCxnSpPr>
+            <p:nvPr/>
+          </p:nvCxnSpPr>
+          <p:spPr>
+            <a:xfrm>
+              <a:off x="6660562" y="1913351"/>
+              <a:ext cx="2412000" cy="0"/>
+            </a:xfrm>
+            <a:prstGeom prst="line">
+              <a:avLst/>
+            </a:prstGeom>
+            <a:ln w="57150"/>
+          </p:spPr>
+          <p:style>
+            <a:lnRef idx="1">
+              <a:schemeClr val="accent1"/>
+            </a:lnRef>
+            <a:fillRef idx="0">
+              <a:schemeClr val="accent1"/>
+            </a:fillRef>
+            <a:effectRef idx="0">
+              <a:schemeClr val="accent1"/>
+            </a:effectRef>
+            <a:fontRef idx="minor">
+              <a:schemeClr val="tx1"/>
+            </a:fontRef>
+          </p:style>
+        </p:cxnSp>
+        <p:cxnSp>
+          <p:nvCxnSpPr>
+            <p:cNvPr id="65" name="直線コネクタ 64">
+              <a:extLst>
+                <a:ext uri="{FF2B5EF4-FFF2-40B4-BE49-F238E27FC236}">
+                  <a16:creationId xmlns:a16="http://schemas.microsoft.com/office/drawing/2014/main" id="{FDF93CE2-DDCF-229F-DA4E-5811595B1408}"/>
+                </a:ext>
+              </a:extLst>
+            </p:cNvPr>
+            <p:cNvCxnSpPr>
+              <a:cxnSpLocks/>
+            </p:cNvCxnSpPr>
+            <p:nvPr/>
+          </p:nvCxnSpPr>
+          <p:spPr>
+            <a:xfrm>
+              <a:off x="6689138" y="4853356"/>
+              <a:ext cx="2412000" cy="0"/>
+            </a:xfrm>
+            <a:prstGeom prst="line">
+              <a:avLst/>
+            </a:prstGeom>
+            <a:ln w="57150"/>
+          </p:spPr>
+          <p:style>
+            <a:lnRef idx="1">
+              <a:schemeClr val="accent1"/>
+            </a:lnRef>
+            <a:fillRef idx="0">
+              <a:schemeClr val="accent1"/>
+            </a:fillRef>
+            <a:effectRef idx="0">
+              <a:schemeClr val="accent1"/>
+            </a:effectRef>
+            <a:fontRef idx="minor">
+              <a:schemeClr val="tx1"/>
+            </a:fontRef>
+          </p:style>
+        </p:cxnSp>
+        <p:cxnSp>
+          <p:nvCxnSpPr>
+            <p:cNvPr id="66" name="直線コネクタ 65">
+              <a:extLst>
+                <a:ext uri="{FF2B5EF4-FFF2-40B4-BE49-F238E27FC236}">
+                  <a16:creationId xmlns:a16="http://schemas.microsoft.com/office/drawing/2014/main" id="{0A714A46-4EA0-E6F0-1B46-948BFA0A1358}"/>
+                </a:ext>
+              </a:extLst>
+            </p:cNvPr>
+            <p:cNvCxnSpPr>
+              <a:cxnSpLocks/>
+            </p:cNvCxnSpPr>
+            <p:nvPr/>
+          </p:nvCxnSpPr>
+          <p:spPr>
+            <a:xfrm>
+              <a:off x="6660562" y="3935606"/>
+              <a:ext cx="2412000" cy="0"/>
+            </a:xfrm>
+            <a:prstGeom prst="line">
+              <a:avLst/>
+            </a:prstGeom>
+            <a:ln w="57150"/>
+          </p:spPr>
+          <p:style>
+            <a:lnRef idx="1">
+              <a:schemeClr val="accent1"/>
+            </a:lnRef>
+            <a:fillRef idx="0">
+              <a:schemeClr val="accent1"/>
+            </a:fillRef>
+            <a:effectRef idx="0">
+              <a:schemeClr val="accent1"/>
+            </a:effectRef>
+            <a:fontRef idx="minor">
+              <a:schemeClr val="tx1"/>
+            </a:fontRef>
+          </p:style>
+        </p:cxnSp>
+        <p:cxnSp>
+          <p:nvCxnSpPr>
+            <p:cNvPr id="67" name="直線コネクタ 66">
+              <a:extLst>
+                <a:ext uri="{FF2B5EF4-FFF2-40B4-BE49-F238E27FC236}">
+                  <a16:creationId xmlns:a16="http://schemas.microsoft.com/office/drawing/2014/main" id="{C16D51F9-6ACC-1FB5-8FFB-E15910221995}"/>
+                </a:ext>
+              </a:extLst>
+            </p:cNvPr>
+            <p:cNvCxnSpPr>
+              <a:cxnSpLocks/>
+            </p:cNvCxnSpPr>
+            <p:nvPr/>
+          </p:nvCxnSpPr>
+          <p:spPr>
+            <a:xfrm>
+              <a:off x="6689137" y="3415081"/>
+              <a:ext cx="2412000" cy="0"/>
+            </a:xfrm>
+            <a:prstGeom prst="line">
+              <a:avLst/>
+            </a:prstGeom>
+            <a:ln w="28575">
+              <a:prstDash val="dashDot"/>
+            </a:ln>
+          </p:spPr>
+          <p:style>
+            <a:lnRef idx="1">
+              <a:schemeClr val="accent1"/>
+            </a:lnRef>
+            <a:fillRef idx="0">
+              <a:schemeClr val="accent1"/>
+            </a:fillRef>
+            <a:effectRef idx="0">
+              <a:schemeClr val="accent1"/>
+            </a:effectRef>
+            <a:fontRef idx="minor">
+              <a:schemeClr val="tx1"/>
+            </a:fontRef>
+          </p:style>
+        </p:cxnSp>
+        <p:cxnSp>
+          <p:nvCxnSpPr>
+            <p:cNvPr id="68" name="直線矢印コネクタ 67">
+              <a:extLst>
+                <a:ext uri="{FF2B5EF4-FFF2-40B4-BE49-F238E27FC236}">
+                  <a16:creationId xmlns:a16="http://schemas.microsoft.com/office/drawing/2014/main" id="{E7E71A8A-494B-C5EC-CA15-1C2C50B0B81F}"/>
+                </a:ext>
+              </a:extLst>
+            </p:cNvPr>
+            <p:cNvCxnSpPr>
+              <a:cxnSpLocks/>
+            </p:cNvCxnSpPr>
+            <p:nvPr/>
+          </p:nvCxnSpPr>
+          <p:spPr>
+            <a:xfrm>
+              <a:off x="6803438" y="4181475"/>
+              <a:ext cx="0" cy="590550"/>
+            </a:xfrm>
+            <a:prstGeom prst="straightConnector1">
+              <a:avLst/>
+            </a:prstGeom>
+            <a:ln w="28575">
+              <a:headEnd type="triangle"/>
+              <a:tailEnd type="triangle"/>
+            </a:ln>
+          </p:spPr>
+          <p:style>
+            <a:lnRef idx="1">
+              <a:schemeClr val="dk1"/>
+            </a:lnRef>
+            <a:fillRef idx="0">
+              <a:schemeClr val="dk1"/>
+            </a:fillRef>
+            <a:effectRef idx="0">
+              <a:schemeClr val="dk1"/>
+            </a:effectRef>
+            <a:fontRef idx="minor">
+              <a:schemeClr val="tx1"/>
+            </a:fontRef>
+          </p:style>
+        </p:cxnSp>
+        <mc:AlternateContent xmlns:mc="http://schemas.openxmlformats.org/markup-compatibility/2006" xmlns:a14="http://schemas.microsoft.com/office/drawing/2010/main">
+          <mc:Choice Requires="a14">
+            <p:sp>
+              <p:nvSpPr>
+                <p:cNvPr id="69" name="テキスト ボックス 68">
+                  <a:extLst>
+                    <a:ext uri="{FF2B5EF4-FFF2-40B4-BE49-F238E27FC236}">
+                      <a16:creationId xmlns:a16="http://schemas.microsoft.com/office/drawing/2014/main" id="{E4B8CF6B-58B5-477B-3607-2D23A2968C08}"/>
+                    </a:ext>
+                  </a:extLst>
+                </p:cNvPr>
+                <p:cNvSpPr txBox="1"/>
+                <p:nvPr/>
+              </p:nvSpPr>
+              <p:spPr>
+                <a:xfrm>
+                  <a:off x="6689137" y="4256076"/>
+                  <a:ext cx="1236298" cy="400110"/>
+                </a:xfrm>
+                <a:prstGeom prst="rect">
+                  <a:avLst/>
+                </a:prstGeom>
+                <a:noFill/>
+              </p:spPr>
+              <p:txBody>
+                <a:bodyPr wrap="square">
+                  <a:spAutoFit/>
+                </a:bodyPr>
+                <a:lstStyle/>
+                <a:p>
+                  <a:pPr/>
+                  <a14:m>
+                    <m:oMathPara xmlns:m="http://schemas.openxmlformats.org/officeDocument/2006/math">
+                      <m:oMathParaPr>
+                        <m:jc m:val="centerGroup"/>
+                      </m:oMathParaPr>
+                      <m:oMath xmlns:m="http://schemas.openxmlformats.org/officeDocument/2006/math">
+                        <m:r>
+                          <a:rPr kumimoji="1" lang="en-US" altLang="ja-JP" sz="2000" b="0" i="1" u="none" strike="noStrike" kern="1200" cap="none" spc="0" normalizeH="0" baseline="0" noProof="0" smtClean="0">
+                            <a:ln>
+                              <a:noFill/>
+                            </a:ln>
+                            <a:solidFill>
+                              <a:srgbClr val="373737"/>
+                            </a:solidFill>
+                            <a:effectLst/>
+                            <a:uLnTx/>
+                            <a:uFillTx/>
+                            <a:latin typeface="Cambria Math" panose="02040503050406030204" pitchFamily="18" charset="0"/>
+                            <a:cs typeface="+mn-cs"/>
+                          </a:rPr>
+                          <m:t>∼</m:t>
+                        </m:r>
+                        <m:r>
+                          <m:rPr>
+                            <m:sty m:val="p"/>
+                          </m:rPr>
+                          <a:rPr kumimoji="1" lang="en-US" altLang="ja-JP" sz="2000" b="0" i="0" u="none" strike="noStrike" kern="1200" cap="none" spc="0" normalizeH="0" baseline="0" noProof="0" smtClean="0">
+                            <a:ln>
+                              <a:noFill/>
+                            </a:ln>
+                            <a:solidFill>
+                              <a:srgbClr val="373737"/>
+                            </a:solidFill>
+                            <a:effectLst/>
+                            <a:uLnTx/>
+                            <a:uFillTx/>
+                            <a:latin typeface="Cambria Math" panose="02040503050406030204" pitchFamily="18" charset="0"/>
+                          </a:rPr>
+                          <m:t>meV</m:t>
+                        </m:r>
+                      </m:oMath>
+                    </m:oMathPara>
+                  </a14:m>
+                  <a:endParaRPr lang="ja-JP" altLang="en-US" sz="1600" dirty="0"/>
+                </a:p>
+              </p:txBody>
+            </p:sp>
+          </mc:Choice>
+          <mc:Fallback xmlns="">
+            <p:sp>
+              <p:nvSpPr>
+                <p:cNvPr id="69" name="テキスト ボックス 68">
+                  <a:extLst>
+                    <a:ext uri="{FF2B5EF4-FFF2-40B4-BE49-F238E27FC236}">
+                      <a16:creationId xmlns:a16="http://schemas.microsoft.com/office/drawing/2014/main" id="{E4B8CF6B-58B5-477B-3607-2D23A2968C08}"/>
+                    </a:ext>
+                  </a:extLst>
+                </p:cNvPr>
+                <p:cNvSpPr txBox="1">
+                  <a:spLocks noRot="1" noChangeAspect="1" noMove="1" noResize="1" noEditPoints="1" noAdjustHandles="1" noChangeArrowheads="1" noChangeShapeType="1" noTextEdit="1"/>
+                </p:cNvSpPr>
+                <p:nvPr/>
+              </p:nvSpPr>
+              <p:spPr>
+                <a:xfrm>
+                  <a:off x="6689137" y="4256076"/>
+                  <a:ext cx="1236298" cy="400110"/>
+                </a:xfrm>
+                <a:prstGeom prst="rect">
+                  <a:avLst/>
+                </a:prstGeom>
+                <a:blipFill>
+                  <a:blip r:embed="rId5"/>
+                  <a:stretch>
+                    <a:fillRect/>
+                  </a:stretch>
+                </a:blipFill>
+              </p:spPr>
+              <p:txBody>
+                <a:bodyPr/>
+                <a:lstStyle/>
+                <a:p>
+                  <a:r>
+                    <a:rPr lang="ja-JP" altLang="en-US">
+                      <a:noFill/>
+                    </a:rPr>
+                    <a:t> </a:t>
+                  </a:r>
+                </a:p>
+              </p:txBody>
+            </p:sp>
+          </mc:Fallback>
+        </mc:AlternateContent>
+        <p:sp>
+          <p:nvSpPr>
+            <p:cNvPr id="216" name="テキスト ボックス 215">
+              <a:extLst>
+                <a:ext uri="{FF2B5EF4-FFF2-40B4-BE49-F238E27FC236}">
+                  <a16:creationId xmlns:a16="http://schemas.microsoft.com/office/drawing/2014/main" id="{4BC4CA61-7BEE-5DBC-77BC-83E5ED1AC86D}"/>
+                </a:ext>
+              </a:extLst>
+            </p:cNvPr>
+            <p:cNvSpPr txBox="1"/>
+            <p:nvPr/>
+          </p:nvSpPr>
+          <p:spPr>
+            <a:xfrm>
+              <a:off x="7266938" y="5230351"/>
+              <a:ext cx="1252266" cy="369332"/>
+            </a:xfrm>
+            <a:prstGeom prst="rect">
+              <a:avLst/>
+            </a:prstGeom>
+            <a:noFill/>
+          </p:spPr>
+          <p:txBody>
+            <a:bodyPr wrap="none" rtlCol="0">
+              <a:spAutoFit/>
+            </a:bodyPr>
+            <a:lstStyle/>
+            <a:p>
+              <a:r>
+                <a:rPr kumimoji="1" lang="en-US" altLang="ja-JP" dirty="0"/>
+                <a:t>p</a:t>
+              </a:r>
+              <a:r>
+                <a:rPr kumimoji="1" lang="ja-JP" altLang="en-US" dirty="0"/>
+                <a:t>型半導体</a:t>
+              </a:r>
+            </a:p>
+          </p:txBody>
+        </p:sp>
+      </p:grpSp>
+      <p:sp>
+        <p:nvSpPr>
+          <p:cNvPr id="3" name="フリーフォーム: 図形 2">
+            <a:extLst>
+              <a:ext uri="{FF2B5EF4-FFF2-40B4-BE49-F238E27FC236}">
+                <a16:creationId xmlns:a16="http://schemas.microsoft.com/office/drawing/2014/main" id="{80E28C35-E940-0B02-E5B6-BCD1975F80EC}"/>
+              </a:ext>
+            </a:extLst>
+          </p:cNvPr>
+          <p:cNvSpPr/>
+          <p:nvPr/>
+        </p:nvSpPr>
+        <p:spPr>
+          <a:xfrm flipH="1">
+            <a:off x="5384798" y="2070926"/>
+            <a:ext cx="180000" cy="684000"/>
+          </a:xfrm>
+          <a:custGeom>
+            <a:avLst/>
+            <a:gdLst>
+              <a:gd name="connsiteX0" fmla="*/ 9727 w 496118"/>
+              <a:gd name="connsiteY0" fmla="*/ 0 h 2577830"/>
+              <a:gd name="connsiteX1" fmla="*/ 496110 w 496118"/>
+              <a:gd name="connsiteY1" fmla="*/ 943583 h 2577830"/>
+              <a:gd name="connsiteX2" fmla="*/ 0 w 496118"/>
+              <a:gd name="connsiteY2" fmla="*/ 2577830 h 2577830"/>
+            </a:gdLst>
+            <a:ahLst/>
+            <a:cxnLst>
+              <a:cxn ang="0">
+                <a:pos x="connsiteX0" y="connsiteY0"/>
+              </a:cxn>
+              <a:cxn ang="0">
+                <a:pos x="connsiteX1" y="connsiteY1"/>
+              </a:cxn>
+              <a:cxn ang="0">
+                <a:pos x="connsiteX2" y="connsiteY2"/>
+              </a:cxn>
+            </a:cxnLst>
+            <a:rect l="l" t="t" r="r" b="b"/>
+            <a:pathLst>
+              <a:path w="496118" h="2577830">
+                <a:moveTo>
+                  <a:pt x="9727" y="0"/>
+                </a:moveTo>
+                <a:cubicBezTo>
+                  <a:pt x="253729" y="256972"/>
+                  <a:pt x="497731" y="513945"/>
+                  <a:pt x="496110" y="943583"/>
+                </a:cubicBezTo>
+                <a:cubicBezTo>
+                  <a:pt x="494489" y="1373221"/>
+                  <a:pt x="247244" y="1975525"/>
+                  <a:pt x="0" y="2577830"/>
+                </a:cubicBezTo>
+              </a:path>
+            </a:pathLst>
+          </a:custGeom>
+          <a:noFill/>
+          <a:ln w="38100">
+            <a:solidFill>
+              <a:schemeClr val="tx2"/>
+            </a:solidFill>
+            <a:headEnd type="arrow" w="med" len="med"/>
+            <a:tailEnd type="none" w="med" len="med"/>
+          </a:ln>
+        </p:spPr>
+        <p:style>
+          <a:lnRef idx="2">
+            <a:schemeClr val="accent1">
+              <a:shade val="15000"/>
+            </a:schemeClr>
+          </a:lnRef>
+          <a:fillRef idx="1">
+            <a:schemeClr val="accent1"/>
+          </a:fillRef>
+          <a:effectRef idx="0">
+            <a:schemeClr val="accent1"/>
+          </a:effectRef>
+          <a:fontRef idx="minor">
+            <a:schemeClr val="lt1"/>
+          </a:fontRef>
+        </p:style>
+        <p:txBody>
+          <a:bodyPr rtlCol="0" anchor="ctr"/>
+          <a:lstStyle/>
+          <a:p>
+            <a:pPr algn="ctr"/>
+            <a:endParaRPr kumimoji="1" lang="ja-JP" altLang="en-US" dirty="0"/>
+          </a:p>
+        </p:txBody>
+      </p:sp>
+      <p:sp>
+        <p:nvSpPr>
+          <p:cNvPr id="4" name="フリーフォーム: 図形 3">
+            <a:extLst>
+              <a:ext uri="{FF2B5EF4-FFF2-40B4-BE49-F238E27FC236}">
+                <a16:creationId xmlns:a16="http://schemas.microsoft.com/office/drawing/2014/main" id="{03297F1E-F6EC-D0AF-2E0E-DBE945729027}"/>
+              </a:ext>
+            </a:extLst>
+          </p:cNvPr>
+          <p:cNvSpPr/>
+          <p:nvPr/>
+        </p:nvSpPr>
+        <p:spPr>
+          <a:xfrm rot="10800000" flipH="1">
+            <a:off x="8709999" y="4052900"/>
+            <a:ext cx="180000" cy="684000"/>
+          </a:xfrm>
+          <a:custGeom>
+            <a:avLst/>
+            <a:gdLst>
+              <a:gd name="connsiteX0" fmla="*/ 9727 w 496118"/>
+              <a:gd name="connsiteY0" fmla="*/ 0 h 2577830"/>
+              <a:gd name="connsiteX1" fmla="*/ 496110 w 496118"/>
+              <a:gd name="connsiteY1" fmla="*/ 943583 h 2577830"/>
+              <a:gd name="connsiteX2" fmla="*/ 0 w 496118"/>
+              <a:gd name="connsiteY2" fmla="*/ 2577830 h 2577830"/>
+            </a:gdLst>
+            <a:ahLst/>
+            <a:cxnLst>
+              <a:cxn ang="0">
+                <a:pos x="connsiteX0" y="connsiteY0"/>
+              </a:cxn>
+              <a:cxn ang="0">
+                <a:pos x="connsiteX1" y="connsiteY1"/>
+              </a:cxn>
+              <a:cxn ang="0">
+                <a:pos x="connsiteX2" y="connsiteY2"/>
+              </a:cxn>
+            </a:cxnLst>
+            <a:rect l="l" t="t" r="r" b="b"/>
+            <a:pathLst>
+              <a:path w="496118" h="2577830">
+                <a:moveTo>
+                  <a:pt x="9727" y="0"/>
+                </a:moveTo>
+                <a:cubicBezTo>
+                  <a:pt x="253729" y="256972"/>
+                  <a:pt x="497731" y="513945"/>
+                  <a:pt x="496110" y="943583"/>
+                </a:cubicBezTo>
+                <a:cubicBezTo>
+                  <a:pt x="494489" y="1373221"/>
+                  <a:pt x="247244" y="1975525"/>
+                  <a:pt x="0" y="2577830"/>
+                </a:cubicBezTo>
+              </a:path>
+            </a:pathLst>
+          </a:custGeom>
+          <a:noFill/>
+          <a:ln w="38100">
+            <a:solidFill>
+              <a:schemeClr val="accent3"/>
+            </a:solidFill>
+            <a:headEnd type="arrow" w="med" len="med"/>
+            <a:tailEnd type="none" w="med" len="med"/>
+          </a:ln>
+        </p:spPr>
+        <p:style>
+          <a:lnRef idx="2">
+            <a:schemeClr val="accent1">
+              <a:shade val="15000"/>
+            </a:schemeClr>
+          </a:lnRef>
+          <a:fillRef idx="1">
+            <a:schemeClr val="accent1"/>
+          </a:fillRef>
+          <a:effectRef idx="0">
+            <a:schemeClr val="accent1"/>
+          </a:effectRef>
+          <a:fontRef idx="minor">
+            <a:schemeClr val="lt1"/>
+          </a:fontRef>
+        </p:style>
+        <p:txBody>
+          <a:bodyPr rtlCol="0" anchor="ctr"/>
+          <a:lstStyle/>
+          <a:p>
+            <a:pPr algn="ctr"/>
+            <a:endParaRPr kumimoji="1" lang="ja-JP" altLang="en-US"/>
+          </a:p>
+        </p:txBody>
+      </p:sp>
+      <p:sp>
+        <p:nvSpPr>
+          <p:cNvPr id="2" name="楕円 1">
+            <a:extLst>
+              <a:ext uri="{FF2B5EF4-FFF2-40B4-BE49-F238E27FC236}">
+                <a16:creationId xmlns:a16="http://schemas.microsoft.com/office/drawing/2014/main" id="{CA4894C5-41BE-1D1C-A2F1-969B0A31A798}"/>
+              </a:ext>
+            </a:extLst>
+          </p:cNvPr>
+          <p:cNvSpPr/>
+          <p:nvPr/>
+        </p:nvSpPr>
+        <p:spPr>
+          <a:xfrm>
+            <a:off x="2419224" y="1694702"/>
+            <a:ext cx="162000" cy="162000"/>
+          </a:xfrm>
+          <a:prstGeom prst="ellipse">
+            <a:avLst/>
+          </a:prstGeom>
+        </p:spPr>
+        <p:style>
+          <a:lnRef idx="2">
+            <a:schemeClr val="accent2">
+              <a:shade val="15000"/>
+            </a:schemeClr>
+          </a:lnRef>
+          <a:fillRef idx="1">
+            <a:schemeClr val="accent2"/>
+          </a:fillRef>
+          <a:effectRef idx="0">
+            <a:schemeClr val="accent2"/>
+          </a:effectRef>
+          <a:fontRef idx="minor">
+            <a:schemeClr val="lt1"/>
+          </a:fontRef>
+        </p:style>
+        <p:txBody>
+          <a:bodyPr rtlCol="0" anchor="ctr"/>
+          <a:lstStyle/>
+          <a:p>
+            <a:pPr algn="ctr"/>
+            <a:endParaRPr kumimoji="1" lang="ja-JP" altLang="en-US"/>
+          </a:p>
+        </p:txBody>
+      </p:sp>
+      <p:sp>
+        <p:nvSpPr>
+          <p:cNvPr id="6" name="フリーフォーム: 図形 5">
+            <a:extLst>
+              <a:ext uri="{FF2B5EF4-FFF2-40B4-BE49-F238E27FC236}">
+                <a16:creationId xmlns:a16="http://schemas.microsoft.com/office/drawing/2014/main" id="{D18E5373-3B11-37B0-2105-17BB18B36AD8}"/>
+              </a:ext>
+            </a:extLst>
+          </p:cNvPr>
+          <p:cNvSpPr/>
+          <p:nvPr/>
+        </p:nvSpPr>
+        <p:spPr>
+          <a:xfrm flipH="1">
+            <a:off x="2093552" y="2063406"/>
+            <a:ext cx="319715" cy="1214918"/>
+          </a:xfrm>
+          <a:custGeom>
+            <a:avLst/>
+            <a:gdLst>
+              <a:gd name="connsiteX0" fmla="*/ 9727 w 496118"/>
+              <a:gd name="connsiteY0" fmla="*/ 0 h 2577830"/>
+              <a:gd name="connsiteX1" fmla="*/ 496110 w 496118"/>
+              <a:gd name="connsiteY1" fmla="*/ 943583 h 2577830"/>
+              <a:gd name="connsiteX2" fmla="*/ 0 w 496118"/>
+              <a:gd name="connsiteY2" fmla="*/ 2577830 h 2577830"/>
+            </a:gdLst>
+            <a:ahLst/>
+            <a:cxnLst>
+              <a:cxn ang="0">
+                <a:pos x="connsiteX0" y="connsiteY0"/>
+              </a:cxn>
+              <a:cxn ang="0">
+                <a:pos x="connsiteX1" y="connsiteY1"/>
+              </a:cxn>
+              <a:cxn ang="0">
+                <a:pos x="connsiteX2" y="connsiteY2"/>
+              </a:cxn>
+            </a:cxnLst>
+            <a:rect l="l" t="t" r="r" b="b"/>
+            <a:pathLst>
+              <a:path w="496118" h="2577830">
+                <a:moveTo>
+                  <a:pt x="9727" y="0"/>
+                </a:moveTo>
+                <a:cubicBezTo>
+                  <a:pt x="253729" y="256972"/>
+                  <a:pt x="497731" y="513945"/>
+                  <a:pt x="496110" y="943583"/>
+                </a:cubicBezTo>
+                <a:cubicBezTo>
+                  <a:pt x="494489" y="1373221"/>
+                  <a:pt x="247244" y="1975525"/>
+                  <a:pt x="0" y="2577830"/>
+                </a:cubicBezTo>
+              </a:path>
+            </a:pathLst>
+          </a:custGeom>
+          <a:noFill/>
+          <a:ln w="38100">
+            <a:solidFill>
+              <a:schemeClr val="tx2"/>
+            </a:solidFill>
+            <a:headEnd type="arrow" w="med" len="med"/>
+            <a:tailEnd type="none" w="med" len="med"/>
+          </a:ln>
+        </p:spPr>
+        <p:style>
+          <a:lnRef idx="2">
+            <a:schemeClr val="accent1">
+              <a:shade val="15000"/>
+            </a:schemeClr>
+          </a:lnRef>
+          <a:fillRef idx="1">
+            <a:schemeClr val="accent1"/>
+          </a:fillRef>
+          <a:effectRef idx="0">
+            <a:schemeClr val="accent1"/>
+          </a:effectRef>
+          <a:fontRef idx="minor">
+            <a:schemeClr val="lt1"/>
+          </a:fontRef>
+        </p:style>
+        <p:txBody>
+          <a:bodyPr rtlCol="0" anchor="ctr"/>
+          <a:lstStyle/>
+          <a:p>
+            <a:pPr algn="ctr"/>
+            <a:endParaRPr kumimoji="1" lang="ja-JP" altLang="en-US" dirty="0"/>
+          </a:p>
+        </p:txBody>
+      </p:sp>
+      <p:sp>
+        <p:nvSpPr>
+          <p:cNvPr id="8" name="楕円 7">
+            <a:extLst>
+              <a:ext uri="{FF2B5EF4-FFF2-40B4-BE49-F238E27FC236}">
+                <a16:creationId xmlns:a16="http://schemas.microsoft.com/office/drawing/2014/main" id="{6C8DE62C-63D9-1CF1-E446-6E1B478C3E77}"/>
+              </a:ext>
+            </a:extLst>
+          </p:cNvPr>
+          <p:cNvSpPr/>
+          <p:nvPr/>
+        </p:nvSpPr>
+        <p:spPr>
+          <a:xfrm>
+            <a:off x="2413267" y="4939599"/>
+            <a:ext cx="162000" cy="162000"/>
+          </a:xfrm>
+          <a:prstGeom prst="ellipse">
+            <a:avLst/>
+          </a:prstGeom>
+        </p:spPr>
+        <p:style>
+          <a:lnRef idx="2">
+            <a:schemeClr val="accent3">
+              <a:shade val="15000"/>
+            </a:schemeClr>
+          </a:lnRef>
+          <a:fillRef idx="1">
+            <a:schemeClr val="accent3"/>
+          </a:fillRef>
+          <a:effectRef idx="0">
+            <a:schemeClr val="accent3"/>
+          </a:effectRef>
+          <a:fontRef idx="minor">
+            <a:schemeClr val="lt1"/>
+          </a:fontRef>
+        </p:style>
+        <p:txBody>
+          <a:bodyPr rtlCol="0" anchor="ctr"/>
+          <a:lstStyle/>
+          <a:p>
+            <a:pPr algn="ctr"/>
+            <a:endParaRPr kumimoji="1" lang="ja-JP" altLang="en-US"/>
+          </a:p>
+        </p:txBody>
+      </p:sp>
+      <p:sp>
+        <p:nvSpPr>
+          <p:cNvPr id="9" name="フリーフォーム: 図形 8">
+            <a:extLst>
+              <a:ext uri="{FF2B5EF4-FFF2-40B4-BE49-F238E27FC236}">
+                <a16:creationId xmlns:a16="http://schemas.microsoft.com/office/drawing/2014/main" id="{879F8A20-A002-9E64-89DA-E3283D09785B}"/>
+              </a:ext>
+            </a:extLst>
+          </p:cNvPr>
+          <p:cNvSpPr/>
+          <p:nvPr/>
+        </p:nvSpPr>
+        <p:spPr>
+          <a:xfrm rot="10800000" flipH="1">
+            <a:off x="2432205" y="3572157"/>
+            <a:ext cx="306511" cy="1164743"/>
+          </a:xfrm>
+          <a:custGeom>
+            <a:avLst/>
+            <a:gdLst>
+              <a:gd name="connsiteX0" fmla="*/ 9727 w 496118"/>
+              <a:gd name="connsiteY0" fmla="*/ 0 h 2577830"/>
+              <a:gd name="connsiteX1" fmla="*/ 496110 w 496118"/>
+              <a:gd name="connsiteY1" fmla="*/ 943583 h 2577830"/>
+              <a:gd name="connsiteX2" fmla="*/ 0 w 496118"/>
+              <a:gd name="connsiteY2" fmla="*/ 2577830 h 2577830"/>
+            </a:gdLst>
+            <a:ahLst/>
+            <a:cxnLst>
+              <a:cxn ang="0">
+                <a:pos x="connsiteX0" y="connsiteY0"/>
+              </a:cxn>
+              <a:cxn ang="0">
+                <a:pos x="connsiteX1" y="connsiteY1"/>
+              </a:cxn>
+              <a:cxn ang="0">
+                <a:pos x="connsiteX2" y="connsiteY2"/>
+              </a:cxn>
+            </a:cxnLst>
+            <a:rect l="l" t="t" r="r" b="b"/>
+            <a:pathLst>
+              <a:path w="496118" h="2577830">
+                <a:moveTo>
+                  <a:pt x="9727" y="0"/>
+                </a:moveTo>
+                <a:cubicBezTo>
+                  <a:pt x="253729" y="256972"/>
+                  <a:pt x="497731" y="513945"/>
+                  <a:pt x="496110" y="943583"/>
+                </a:cubicBezTo>
+                <a:cubicBezTo>
+                  <a:pt x="494489" y="1373221"/>
+                  <a:pt x="247244" y="1975525"/>
+                  <a:pt x="0" y="2577830"/>
+                </a:cubicBezTo>
+              </a:path>
+            </a:pathLst>
+          </a:custGeom>
+          <a:noFill/>
+          <a:ln w="38100">
+            <a:solidFill>
+              <a:schemeClr val="accent3"/>
+            </a:solidFill>
+            <a:headEnd type="arrow" w="med" len="med"/>
+            <a:tailEnd type="none" w="med" len="med"/>
+          </a:ln>
+        </p:spPr>
+        <p:style>
+          <a:lnRef idx="2">
+            <a:schemeClr val="accent1">
+              <a:shade val="15000"/>
+            </a:schemeClr>
+          </a:lnRef>
+          <a:fillRef idx="1">
+            <a:schemeClr val="accent1"/>
+          </a:fillRef>
+          <a:effectRef idx="0">
+            <a:schemeClr val="accent1"/>
+          </a:effectRef>
+          <a:fontRef idx="minor">
+            <a:schemeClr val="lt1"/>
+          </a:fontRef>
+        </p:style>
+        <p:txBody>
+          <a:bodyPr rtlCol="0" anchor="ctr"/>
+          <a:lstStyle/>
+          <a:p>
+            <a:pPr algn="ctr"/>
+            <a:endParaRPr kumimoji="1" lang="ja-JP" altLang="en-US"/>
+          </a:p>
+        </p:txBody>
+      </p:sp>
+    </p:spTree>
+    <p:extLst>
+      <p:ext uri="{BB962C8B-B14F-4D97-AF65-F5344CB8AC3E}">
+        <p14:creationId xmlns:p14="http://schemas.microsoft.com/office/powerpoint/2010/main" val="936496377"/>
+      </p:ext>
+    </p:extLst>
+  </p:cSld>
+  <p:clrMapOvr>
+    <a:masterClrMapping/>
+  </p:clrMapOvr>
+</p:sld>
+</file>
+
+<file path=ppt/slides/slide19.xml><?xml version="1.0" encoding="utf-8"?>
 <p:sld xmlns:a="http://schemas.openxmlformats.org/drawingml/2006/main" xmlns:r="http://schemas.openxmlformats.org/officeDocument/2006/relationships" xmlns:p="http://schemas.openxmlformats.org/presentationml/2006/main" show="0">
   <p:cSld>
     <p:spTree>
@@ -27367,7 +29230,7 @@
             <a:fld id="{3976CDD0-C26C-4561-A9EF-A0090B2270A4}" type="slidenum">
               <a:rPr kumimoji="1" lang="ja-JP" altLang="en-US" smtClean="0"/>
               <a:pPr/>
-              <a:t>18</a:t>
+              <a:t>19</a:t>
             </a:fld>
             <a:r>
               <a:rPr kumimoji="1" lang="en-US" altLang="ja-JP"/>
@@ -27381,125 +29244,6 @@
     <p:extLst>
       <p:ext uri="{BB962C8B-B14F-4D97-AF65-F5344CB8AC3E}">
         <p14:creationId xmlns:p14="http://schemas.microsoft.com/office/powerpoint/2010/main" val="2716312433"/>
-      </p:ext>
-    </p:extLst>
-  </p:cSld>
-  <p:clrMapOvr>
-    <a:masterClrMapping/>
-  </p:clrMapOvr>
-</p:sld>
-</file>
-
-<file path=ppt/slides/slide19.xml><?xml version="1.0" encoding="utf-8"?>
-<p:sld xmlns:a="http://schemas.openxmlformats.org/drawingml/2006/main" xmlns:r="http://schemas.openxmlformats.org/officeDocument/2006/relationships" xmlns:p="http://schemas.openxmlformats.org/presentationml/2006/main">
-  <p:cSld>
-    <p:spTree>
-      <p:nvGrpSpPr>
-        <p:cNvPr id="1" name=""/>
-        <p:cNvGrpSpPr/>
-        <p:nvPr/>
-      </p:nvGrpSpPr>
-      <p:grpSpPr>
-        <a:xfrm>
-          <a:off x="0" y="0"/>
-          <a:ext cx="0" cy="0"/>
-          <a:chOff x="0" y="0"/>
-          <a:chExt cx="0" cy="0"/>
-        </a:xfrm>
-      </p:grpSpPr>
-      <p:sp>
-        <p:nvSpPr>
-          <p:cNvPr id="2" name="タイトル 1">
-            <a:extLst>
-              <a:ext uri="{FF2B5EF4-FFF2-40B4-BE49-F238E27FC236}">
-                <a16:creationId xmlns:a16="http://schemas.microsoft.com/office/drawing/2014/main" id="{0A1D5F38-96C8-6090-5026-5A54591BA58B}"/>
-              </a:ext>
-            </a:extLst>
-          </p:cNvPr>
-          <p:cNvSpPr>
-            <a:spLocks noGrp="1"/>
-          </p:cNvSpPr>
-          <p:nvPr>
-            <p:ph type="title"/>
-          </p:nvPr>
-        </p:nvSpPr>
-        <p:spPr/>
-        <p:txBody>
-          <a:bodyPr/>
-          <a:lstStyle/>
-          <a:p>
-            <a:endParaRPr kumimoji="1" lang="ja-JP" altLang="en-US"/>
-          </a:p>
-        </p:txBody>
-      </p:sp>
-      <p:pic>
-        <p:nvPicPr>
-          <p:cNvPr id="5" name="図 4">
-            <a:extLst>
-              <a:ext uri="{FF2B5EF4-FFF2-40B4-BE49-F238E27FC236}">
-                <a16:creationId xmlns:a16="http://schemas.microsoft.com/office/drawing/2014/main" id="{6771874B-55B6-4E43-5651-D7A9F44711BB}"/>
-              </a:ext>
-            </a:extLst>
-          </p:cNvPr>
-          <p:cNvPicPr>
-            <a:picLocks noChangeAspect="1"/>
-          </p:cNvPicPr>
-          <p:nvPr/>
-        </p:nvPicPr>
-        <p:blipFill>
-          <a:blip r:embed="rId2"/>
-          <a:stretch>
-            <a:fillRect/>
-          </a:stretch>
-        </p:blipFill>
-        <p:spPr>
-          <a:xfrm>
-            <a:off x="2438400" y="1666875"/>
-            <a:ext cx="5029200" cy="3524250"/>
-          </a:xfrm>
-          <a:prstGeom prst="rect">
-            <a:avLst/>
-          </a:prstGeom>
-        </p:spPr>
-      </p:pic>
-      <p:sp>
-        <p:nvSpPr>
-          <p:cNvPr id="8" name="スライド番号プレースホルダー 7">
-            <a:extLst>
-              <a:ext uri="{FF2B5EF4-FFF2-40B4-BE49-F238E27FC236}">
-                <a16:creationId xmlns:a16="http://schemas.microsoft.com/office/drawing/2014/main" id="{6BCA433C-A1AF-C308-2E4E-49E5F4C1DFB9}"/>
-              </a:ext>
-            </a:extLst>
-          </p:cNvPr>
-          <p:cNvSpPr>
-            <a:spLocks noGrp="1"/>
-          </p:cNvSpPr>
-          <p:nvPr>
-            <p:ph type="sldNum" sz="quarter" idx="12"/>
-          </p:nvPr>
-        </p:nvSpPr>
-        <p:spPr/>
-        <p:txBody>
-          <a:bodyPr/>
-          <a:lstStyle/>
-          <a:p>
-            <a:fld id="{3976CDD0-C26C-4561-A9EF-A0090B2270A4}" type="slidenum">
-              <a:rPr kumimoji="1" lang="ja-JP" altLang="en-US" smtClean="0"/>
-              <a:pPr/>
-              <a:t>19</a:t>
-            </a:fld>
-            <a:r>
-              <a:rPr kumimoji="1" lang="en-US" altLang="ja-JP"/>
-              <a:t>/15</a:t>
-            </a:r>
-            <a:endParaRPr kumimoji="1" lang="ja-JP" altLang="en-US" dirty="0"/>
-          </a:p>
-        </p:txBody>
-      </p:sp>
-    </p:spTree>
-    <p:extLst>
-      <p:ext uri="{BB962C8B-B14F-4D97-AF65-F5344CB8AC3E}">
-        <p14:creationId xmlns:p14="http://schemas.microsoft.com/office/powerpoint/2010/main" val="2434445173"/>
       </p:ext>
     </p:extLst>
   </p:cSld>
@@ -27679,6 +29423,2451 @@
     <p:extLst>
       <p:ext uri="{BB962C8B-B14F-4D97-AF65-F5344CB8AC3E}">
         <p14:creationId xmlns:p14="http://schemas.microsoft.com/office/powerpoint/2010/main" val="1352430099"/>
+      </p:ext>
+    </p:extLst>
+  </p:cSld>
+  <p:clrMapOvr>
+    <a:masterClrMapping/>
+  </p:clrMapOvr>
+</p:sld>
+</file>
+
+<file path=ppt/slides/slide20.xml><?xml version="1.0" encoding="utf-8"?>
+<p:sld xmlns:a="http://schemas.openxmlformats.org/drawingml/2006/main" xmlns:r="http://schemas.openxmlformats.org/officeDocument/2006/relationships" xmlns:p="http://schemas.openxmlformats.org/presentationml/2006/main">
+  <p:cSld>
+    <p:spTree>
+      <p:nvGrpSpPr>
+        <p:cNvPr id="1" name=""/>
+        <p:cNvGrpSpPr/>
+        <p:nvPr/>
+      </p:nvGrpSpPr>
+      <p:grpSpPr>
+        <a:xfrm>
+          <a:off x="0" y="0"/>
+          <a:ext cx="0" cy="0"/>
+          <a:chOff x="0" y="0"/>
+          <a:chExt cx="0" cy="0"/>
+        </a:xfrm>
+      </p:grpSpPr>
+      <p:sp>
+        <p:nvSpPr>
+          <p:cNvPr id="2" name="タイトル 1">
+            <a:extLst>
+              <a:ext uri="{FF2B5EF4-FFF2-40B4-BE49-F238E27FC236}">
+                <a16:creationId xmlns:a16="http://schemas.microsoft.com/office/drawing/2014/main" id="{0A1D5F38-96C8-6090-5026-5A54591BA58B}"/>
+              </a:ext>
+            </a:extLst>
+          </p:cNvPr>
+          <p:cNvSpPr>
+            <a:spLocks noGrp="1"/>
+          </p:cNvSpPr>
+          <p:nvPr>
+            <p:ph type="title"/>
+          </p:nvPr>
+        </p:nvSpPr>
+        <p:spPr/>
+        <p:txBody>
+          <a:bodyPr/>
+          <a:lstStyle/>
+          <a:p>
+            <a:endParaRPr kumimoji="1" lang="ja-JP" altLang="en-US"/>
+          </a:p>
+        </p:txBody>
+      </p:sp>
+      <p:pic>
+        <p:nvPicPr>
+          <p:cNvPr id="5" name="図 4">
+            <a:extLst>
+              <a:ext uri="{FF2B5EF4-FFF2-40B4-BE49-F238E27FC236}">
+                <a16:creationId xmlns:a16="http://schemas.microsoft.com/office/drawing/2014/main" id="{6771874B-55B6-4E43-5651-D7A9F44711BB}"/>
+              </a:ext>
+            </a:extLst>
+          </p:cNvPr>
+          <p:cNvPicPr>
+            <a:picLocks noChangeAspect="1"/>
+          </p:cNvPicPr>
+          <p:nvPr/>
+        </p:nvPicPr>
+        <p:blipFill>
+          <a:blip r:embed="rId2"/>
+          <a:stretch>
+            <a:fillRect/>
+          </a:stretch>
+        </p:blipFill>
+        <p:spPr>
+          <a:xfrm>
+            <a:off x="2438400" y="1666875"/>
+            <a:ext cx="5029200" cy="3524250"/>
+          </a:xfrm>
+          <a:prstGeom prst="rect">
+            <a:avLst/>
+          </a:prstGeom>
+        </p:spPr>
+      </p:pic>
+      <p:sp>
+        <p:nvSpPr>
+          <p:cNvPr id="8" name="スライド番号プレースホルダー 7">
+            <a:extLst>
+              <a:ext uri="{FF2B5EF4-FFF2-40B4-BE49-F238E27FC236}">
+                <a16:creationId xmlns:a16="http://schemas.microsoft.com/office/drawing/2014/main" id="{6BCA433C-A1AF-C308-2E4E-49E5F4C1DFB9}"/>
+              </a:ext>
+            </a:extLst>
+          </p:cNvPr>
+          <p:cNvSpPr>
+            <a:spLocks noGrp="1"/>
+          </p:cNvSpPr>
+          <p:nvPr>
+            <p:ph type="sldNum" sz="quarter" idx="12"/>
+          </p:nvPr>
+        </p:nvSpPr>
+        <p:spPr/>
+        <p:txBody>
+          <a:bodyPr/>
+          <a:lstStyle/>
+          <a:p>
+            <a:fld id="{3976CDD0-C26C-4561-A9EF-A0090B2270A4}" type="slidenum">
+              <a:rPr kumimoji="1" lang="ja-JP" altLang="en-US" smtClean="0"/>
+              <a:pPr/>
+              <a:t>20</a:t>
+            </a:fld>
+            <a:r>
+              <a:rPr kumimoji="1" lang="en-US" altLang="ja-JP"/>
+              <a:t>/15</a:t>
+            </a:r>
+            <a:endParaRPr kumimoji="1" lang="ja-JP" altLang="en-US" dirty="0"/>
+          </a:p>
+        </p:txBody>
+      </p:sp>
+    </p:spTree>
+    <p:extLst>
+      <p:ext uri="{BB962C8B-B14F-4D97-AF65-F5344CB8AC3E}">
+        <p14:creationId xmlns:p14="http://schemas.microsoft.com/office/powerpoint/2010/main" val="2434445173"/>
+      </p:ext>
+    </p:extLst>
+  </p:cSld>
+  <p:clrMapOvr>
+    <a:masterClrMapping/>
+  </p:clrMapOvr>
+</p:sld>
+</file>
+
+<file path=ppt/slides/slide21.xml><?xml version="1.0" encoding="utf-8"?>
+<p:sld xmlns:a="http://schemas.openxmlformats.org/drawingml/2006/main" xmlns:r="http://schemas.openxmlformats.org/officeDocument/2006/relationships" xmlns:p="http://schemas.openxmlformats.org/presentationml/2006/main">
+  <p:cSld>
+    <p:spTree>
+      <p:nvGrpSpPr>
+        <p:cNvPr id="1" name=""/>
+        <p:cNvGrpSpPr/>
+        <p:nvPr/>
+      </p:nvGrpSpPr>
+      <p:grpSpPr>
+        <a:xfrm>
+          <a:off x="0" y="0"/>
+          <a:ext cx="0" cy="0"/>
+          <a:chOff x="0" y="0"/>
+          <a:chExt cx="0" cy="0"/>
+        </a:xfrm>
+      </p:grpSpPr>
+      <p:grpSp>
+        <p:nvGrpSpPr>
+          <p:cNvPr id="2" name="グループ化 1">
+            <a:extLst>
+              <a:ext uri="{FF2B5EF4-FFF2-40B4-BE49-F238E27FC236}">
+                <a16:creationId xmlns:a16="http://schemas.microsoft.com/office/drawing/2014/main" id="{EB8A9DC5-8192-6BBA-61AB-FD1135A13460}"/>
+              </a:ext>
+            </a:extLst>
+          </p:cNvPr>
+          <p:cNvGrpSpPr/>
+          <p:nvPr/>
+        </p:nvGrpSpPr>
+        <p:grpSpPr>
+          <a:xfrm>
+            <a:off x="1990306" y="927036"/>
+            <a:ext cx="5590245" cy="4764514"/>
+            <a:chOff x="1763633" y="1142747"/>
+            <a:chExt cx="5370606" cy="4577318"/>
+          </a:xfrm>
+        </p:grpSpPr>
+        <p:sp>
+          <p:nvSpPr>
+            <p:cNvPr id="3" name="テキスト ボックス 2">
+              <a:extLst>
+                <a:ext uri="{FF2B5EF4-FFF2-40B4-BE49-F238E27FC236}">
+                  <a16:creationId xmlns:a16="http://schemas.microsoft.com/office/drawing/2014/main" id="{6339D0C4-4565-05C3-0C79-78D708CF3440}"/>
+                </a:ext>
+              </a:extLst>
+            </p:cNvPr>
+            <p:cNvSpPr txBox="1"/>
+            <p:nvPr/>
+          </p:nvSpPr>
+          <p:spPr>
+            <a:xfrm>
+              <a:off x="1763633" y="2709489"/>
+              <a:ext cx="1338828" cy="369332"/>
+            </a:xfrm>
+            <a:prstGeom prst="rect">
+              <a:avLst/>
+            </a:prstGeom>
+            <a:noFill/>
+          </p:spPr>
+          <p:txBody>
+            <a:bodyPr wrap="none" rtlCol="0">
+              <a:spAutoFit/>
+            </a:bodyPr>
+            <a:lstStyle/>
+            <a:p>
+              <a:r>
+                <a:rPr kumimoji="1" lang="ja-JP" altLang="en-US" dirty="0"/>
+                <a:t>ホール電圧</a:t>
+              </a:r>
+            </a:p>
+          </p:txBody>
+        </p:sp>
+        <p:sp>
+          <p:nvSpPr>
+            <p:cNvPr id="4" name="正方形/長方形 3">
+              <a:extLst>
+                <a:ext uri="{FF2B5EF4-FFF2-40B4-BE49-F238E27FC236}">
+                  <a16:creationId xmlns:a16="http://schemas.microsoft.com/office/drawing/2014/main" id="{4F4E4166-05B4-B5FF-7943-0A7F8232841D}"/>
+                </a:ext>
+              </a:extLst>
+            </p:cNvPr>
+            <p:cNvSpPr/>
+            <p:nvPr/>
+          </p:nvSpPr>
+          <p:spPr>
+            <a:xfrm>
+              <a:off x="4321854" y="2958686"/>
+              <a:ext cx="2056673" cy="1140722"/>
+            </a:xfrm>
+            <a:prstGeom prst="rect">
+              <a:avLst/>
+            </a:prstGeom>
+            <a:solidFill>
+              <a:schemeClr val="bg2"/>
+            </a:solidFill>
+            <a:ln w="19050">
+              <a:solidFill>
+                <a:schemeClr val="tx1"/>
+              </a:solidFill>
+            </a:ln>
+          </p:spPr>
+          <p:style>
+            <a:lnRef idx="2">
+              <a:schemeClr val="accent1">
+                <a:shade val="15000"/>
+              </a:schemeClr>
+            </a:lnRef>
+            <a:fillRef idx="1">
+              <a:schemeClr val="accent1"/>
+            </a:fillRef>
+            <a:effectRef idx="0">
+              <a:schemeClr val="accent1"/>
+            </a:effectRef>
+            <a:fontRef idx="minor">
+              <a:schemeClr val="lt1"/>
+            </a:fontRef>
+          </p:style>
+          <p:txBody>
+            <a:bodyPr rtlCol="0" anchor="ctr"/>
+            <a:lstStyle/>
+            <a:p>
+              <a:pPr algn="ctr"/>
+              <a:endParaRPr kumimoji="1" lang="ja-JP" altLang="en-US"/>
+            </a:p>
+          </p:txBody>
+        </p:sp>
+        <p:sp>
+          <p:nvSpPr>
+            <p:cNvPr id="5" name="テキスト ボックス 4">
+              <a:extLst>
+                <a:ext uri="{FF2B5EF4-FFF2-40B4-BE49-F238E27FC236}">
+                  <a16:creationId xmlns:a16="http://schemas.microsoft.com/office/drawing/2014/main" id="{FBE0F75E-AA9E-89C8-E68B-C4E6D182B1FA}"/>
+                </a:ext>
+              </a:extLst>
+            </p:cNvPr>
+            <p:cNvSpPr txBox="1"/>
+            <p:nvPr/>
+          </p:nvSpPr>
+          <p:spPr>
+            <a:xfrm>
+              <a:off x="4425509" y="3656236"/>
+              <a:ext cx="1150773" cy="307777"/>
+            </a:xfrm>
+            <a:prstGeom prst="rect">
+              <a:avLst/>
+            </a:prstGeom>
+            <a:solidFill>
+              <a:schemeClr val="bg1"/>
+            </a:solidFill>
+            <a:ln w="19050">
+              <a:solidFill>
+                <a:schemeClr val="tx1"/>
+              </a:solidFill>
+            </a:ln>
+          </p:spPr>
+          <p:txBody>
+            <a:bodyPr wrap="square">
+              <a:spAutoFit/>
+            </a:bodyPr>
+            <a:lstStyle/>
+            <a:p>
+              <a:pPr algn="ctr"/>
+              <a:r>
+                <a:rPr kumimoji="1" lang="en-US" altLang="ja-JP" sz="1400" dirty="0"/>
+                <a:t>n-Ge/p-Ge</a:t>
+              </a:r>
+              <a:endParaRPr lang="ja-JP" altLang="en-US" sz="1400" dirty="0"/>
+            </a:p>
+          </p:txBody>
+        </p:sp>
+        <p:cxnSp>
+          <p:nvCxnSpPr>
+            <p:cNvPr id="6" name="直線コネクタ 5">
+              <a:extLst>
+                <a:ext uri="{FF2B5EF4-FFF2-40B4-BE49-F238E27FC236}">
+                  <a16:creationId xmlns:a16="http://schemas.microsoft.com/office/drawing/2014/main" id="{33C428B6-E9FC-905A-8E35-54B12FDCE27E}"/>
+                </a:ext>
+              </a:extLst>
+            </p:cNvPr>
+            <p:cNvCxnSpPr>
+              <a:cxnSpLocks/>
+            </p:cNvCxnSpPr>
+            <p:nvPr/>
+          </p:nvCxnSpPr>
+          <p:spPr>
+            <a:xfrm flipV="1">
+              <a:off x="4583002" y="1853122"/>
+              <a:ext cx="0" cy="1795168"/>
+            </a:xfrm>
+            <a:prstGeom prst="line">
+              <a:avLst/>
+            </a:prstGeom>
+            <a:ln w="19050">
+              <a:solidFill>
+                <a:schemeClr val="tx1"/>
+              </a:solidFill>
+            </a:ln>
+          </p:spPr>
+          <p:style>
+            <a:lnRef idx="1">
+              <a:schemeClr val="accent1"/>
+            </a:lnRef>
+            <a:fillRef idx="0">
+              <a:schemeClr val="accent1"/>
+            </a:fillRef>
+            <a:effectRef idx="0">
+              <a:schemeClr val="accent1"/>
+            </a:effectRef>
+            <a:fontRef idx="minor">
+              <a:schemeClr val="tx1"/>
+            </a:fontRef>
+          </p:style>
+        </p:cxnSp>
+        <mc:AlternateContent xmlns:mc="http://schemas.openxmlformats.org/markup-compatibility/2006" xmlns:a14="http://schemas.microsoft.com/office/drawing/2010/main">
+          <mc:Choice Requires="a14">
+            <p:sp>
+              <p:nvSpPr>
+                <p:cNvPr id="7" name="楕円 6">
+                  <a:extLst>
+                    <a:ext uri="{FF2B5EF4-FFF2-40B4-BE49-F238E27FC236}">
+                      <a16:creationId xmlns:a16="http://schemas.microsoft.com/office/drawing/2014/main" id="{1D28BA3F-4B58-9609-4A44-E02ABE1AE9BA}"/>
+                    </a:ext>
+                  </a:extLst>
+                </p:cNvPr>
+                <p:cNvSpPr/>
+                <p:nvPr/>
+              </p:nvSpPr>
+              <p:spPr>
+                <a:xfrm>
+                  <a:off x="4740496" y="1575348"/>
+                  <a:ext cx="552609" cy="552609"/>
+                </a:xfrm>
+                <a:prstGeom prst="ellipse">
+                  <a:avLst/>
+                </a:prstGeom>
+                <a:noFill/>
+                <a:ln w="19050">
+                  <a:solidFill>
+                    <a:schemeClr val="tx1"/>
+                  </a:solidFill>
+                </a:ln>
+              </p:spPr>
+              <p:style>
+                <a:lnRef idx="2">
+                  <a:schemeClr val="accent1">
+                    <a:shade val="15000"/>
+                  </a:schemeClr>
+                </a:lnRef>
+                <a:fillRef idx="1">
+                  <a:schemeClr val="accent1"/>
+                </a:fillRef>
+                <a:effectRef idx="0">
+                  <a:schemeClr val="accent1"/>
+                </a:effectRef>
+                <a:fontRef idx="minor">
+                  <a:schemeClr val="lt1"/>
+                </a:fontRef>
+              </p:style>
+              <p:txBody>
+                <a:bodyPr rtlCol="0" anchor="ctr"/>
+                <a:lstStyle/>
+                <a:p>
+                  <a:pPr algn="ctr"/>
+                  <a14:m>
+                    <m:oMathPara xmlns:m="http://schemas.openxmlformats.org/officeDocument/2006/math">
+                      <m:oMathParaPr>
+                        <m:jc m:val="center"/>
+                      </m:oMathParaPr>
+                      <m:oMath xmlns:m="http://schemas.openxmlformats.org/officeDocument/2006/math">
+                        <m:sSub>
+                          <m:sSubPr>
+                            <m:ctrlPr>
+                              <a:rPr kumimoji="1" lang="en-US" altLang="ja-JP" b="0" i="1" smtClean="0">
+                                <a:solidFill>
+                                  <a:schemeClr val="tx1"/>
+                                </a:solidFill>
+                                <a:latin typeface="Cambria Math" panose="02040503050406030204" pitchFamily="18" charset="0"/>
+                              </a:rPr>
+                            </m:ctrlPr>
+                          </m:sSubPr>
+                          <m:e>
+                            <m:r>
+                              <a:rPr kumimoji="1" lang="en-US" altLang="ja-JP" b="0" i="1" smtClean="0">
+                                <a:solidFill>
+                                  <a:schemeClr val="tx1"/>
+                                </a:solidFill>
+                                <a:latin typeface="Cambria Math" panose="02040503050406030204" pitchFamily="18" charset="0"/>
+                              </a:rPr>
+                              <m:t>𝑉</m:t>
+                            </m:r>
+                          </m:e>
+                          <m:sub>
+                            <m:r>
+                              <a:rPr kumimoji="1" lang="en-US" altLang="ja-JP" b="0" i="1" smtClean="0">
+                                <a:solidFill>
+                                  <a:schemeClr val="tx1"/>
+                                </a:solidFill>
+                                <a:latin typeface="Cambria Math" panose="02040503050406030204" pitchFamily="18" charset="0"/>
+                              </a:rPr>
+                              <m:t>𝑅</m:t>
+                            </m:r>
+                          </m:sub>
+                        </m:sSub>
+                      </m:oMath>
+                    </m:oMathPara>
+                  </a14:m>
+                  <a:endParaRPr kumimoji="1" lang="ja-JP" altLang="en-US" dirty="0">
+                    <a:solidFill>
+                      <a:schemeClr val="tx1"/>
+                    </a:solidFill>
+                  </a:endParaRPr>
+                </a:p>
+              </p:txBody>
+            </p:sp>
+          </mc:Choice>
+          <mc:Fallback xmlns="">
+            <p:sp>
+              <p:nvSpPr>
+                <p:cNvPr id="29" name="楕円 28">
+                  <a:extLst>
+                    <a:ext uri="{FF2B5EF4-FFF2-40B4-BE49-F238E27FC236}">
+                      <a16:creationId xmlns:a16="http://schemas.microsoft.com/office/drawing/2014/main" id="{EC55B26C-FE4D-EBF3-5008-1C95F9A914B0}"/>
+                    </a:ext>
+                  </a:extLst>
+                </p:cNvPr>
+                <p:cNvSpPr>
+                  <a:spLocks noRot="1" noChangeAspect="1" noMove="1" noResize="1" noEditPoints="1" noAdjustHandles="1" noChangeArrowheads="1" noChangeShapeType="1" noTextEdit="1"/>
+                </p:cNvSpPr>
+                <p:nvPr/>
+              </p:nvSpPr>
+              <p:spPr>
+                <a:xfrm>
+                  <a:off x="4740496" y="1575348"/>
+                  <a:ext cx="552609" cy="552609"/>
+                </a:xfrm>
+                <a:prstGeom prst="ellipse">
+                  <a:avLst/>
+                </a:prstGeom>
+                <a:blipFill>
+                  <a:blip r:embed="rId2"/>
+                  <a:stretch>
+                    <a:fillRect/>
+                  </a:stretch>
+                </a:blipFill>
+                <a:ln w="19050">
+                  <a:solidFill>
+                    <a:schemeClr val="tx1"/>
+                  </a:solidFill>
+                </a:ln>
+              </p:spPr>
+              <p:txBody>
+                <a:bodyPr/>
+                <a:lstStyle/>
+                <a:p>
+                  <a:r>
+                    <a:rPr lang="ja-JP" altLang="en-US">
+                      <a:noFill/>
+                    </a:rPr>
+                    <a:t> </a:t>
+                  </a:r>
+                </a:p>
+              </p:txBody>
+            </p:sp>
+          </mc:Fallback>
+        </mc:AlternateContent>
+        <p:cxnSp>
+          <p:nvCxnSpPr>
+            <p:cNvPr id="8" name="直線コネクタ 7">
+              <a:extLst>
+                <a:ext uri="{FF2B5EF4-FFF2-40B4-BE49-F238E27FC236}">
+                  <a16:creationId xmlns:a16="http://schemas.microsoft.com/office/drawing/2014/main" id="{0BC3B301-D98A-FC11-76CD-753C4FA33BDD}"/>
+                </a:ext>
+              </a:extLst>
+            </p:cNvPr>
+            <p:cNvCxnSpPr>
+              <a:cxnSpLocks/>
+            </p:cNvCxnSpPr>
+            <p:nvPr/>
+          </p:nvCxnSpPr>
+          <p:spPr>
+            <a:xfrm flipV="1">
+              <a:off x="5462861" y="1853122"/>
+              <a:ext cx="0" cy="1803114"/>
+            </a:xfrm>
+            <a:prstGeom prst="line">
+              <a:avLst/>
+            </a:prstGeom>
+            <a:ln w="19050">
+              <a:solidFill>
+                <a:schemeClr val="tx1"/>
+              </a:solidFill>
+            </a:ln>
+          </p:spPr>
+          <p:style>
+            <a:lnRef idx="1">
+              <a:schemeClr val="accent1"/>
+            </a:lnRef>
+            <a:fillRef idx="0">
+              <a:schemeClr val="accent1"/>
+            </a:fillRef>
+            <a:effectRef idx="0">
+              <a:schemeClr val="accent1"/>
+            </a:effectRef>
+            <a:fontRef idx="minor">
+              <a:schemeClr val="tx1"/>
+            </a:fontRef>
+          </p:style>
+        </p:cxnSp>
+        <p:cxnSp>
+          <p:nvCxnSpPr>
+            <p:cNvPr id="9" name="直線コネクタ 8">
+              <a:extLst>
+                <a:ext uri="{FF2B5EF4-FFF2-40B4-BE49-F238E27FC236}">
+                  <a16:creationId xmlns:a16="http://schemas.microsoft.com/office/drawing/2014/main" id="{3A802204-37A3-E30E-F1D0-6B0EAC8BFD3A}"/>
+                </a:ext>
+              </a:extLst>
+            </p:cNvPr>
+            <p:cNvCxnSpPr>
+              <a:cxnSpLocks/>
+              <a:endCxn id="7" idx="6"/>
+            </p:cNvCxnSpPr>
+            <p:nvPr/>
+          </p:nvCxnSpPr>
+          <p:spPr>
+            <a:xfrm flipH="1">
+              <a:off x="5293105" y="1851653"/>
+              <a:ext cx="169756" cy="0"/>
+            </a:xfrm>
+            <a:prstGeom prst="line">
+              <a:avLst/>
+            </a:prstGeom>
+            <a:ln w="19050">
+              <a:solidFill>
+                <a:schemeClr val="tx1"/>
+              </a:solidFill>
+            </a:ln>
+          </p:spPr>
+          <p:style>
+            <a:lnRef idx="1">
+              <a:schemeClr val="accent1"/>
+            </a:lnRef>
+            <a:fillRef idx="0">
+              <a:schemeClr val="accent1"/>
+            </a:fillRef>
+            <a:effectRef idx="0">
+              <a:schemeClr val="accent1"/>
+            </a:effectRef>
+            <a:fontRef idx="minor">
+              <a:schemeClr val="tx1"/>
+            </a:fontRef>
+          </p:style>
+        </p:cxnSp>
+        <p:cxnSp>
+          <p:nvCxnSpPr>
+            <p:cNvPr id="10" name="直線コネクタ 9">
+              <a:extLst>
+                <a:ext uri="{FF2B5EF4-FFF2-40B4-BE49-F238E27FC236}">
+                  <a16:creationId xmlns:a16="http://schemas.microsoft.com/office/drawing/2014/main" id="{E66D6EDF-D56A-C86B-91EE-B72108106213}"/>
+                </a:ext>
+              </a:extLst>
+            </p:cNvPr>
+            <p:cNvCxnSpPr>
+              <a:cxnSpLocks/>
+            </p:cNvCxnSpPr>
+            <p:nvPr/>
+          </p:nvCxnSpPr>
+          <p:spPr>
+            <a:xfrm flipH="1">
+              <a:off x="4577384" y="1853122"/>
+              <a:ext cx="123188" cy="0"/>
+            </a:xfrm>
+            <a:prstGeom prst="line">
+              <a:avLst/>
+            </a:prstGeom>
+            <a:ln w="19050">
+              <a:solidFill>
+                <a:schemeClr val="tx1"/>
+              </a:solidFill>
+            </a:ln>
+          </p:spPr>
+          <p:style>
+            <a:lnRef idx="1">
+              <a:schemeClr val="accent1"/>
+            </a:lnRef>
+            <a:fillRef idx="0">
+              <a:schemeClr val="accent1"/>
+            </a:fillRef>
+            <a:effectRef idx="0">
+              <a:schemeClr val="accent1"/>
+            </a:effectRef>
+            <a:fontRef idx="minor">
+              <a:schemeClr val="tx1"/>
+            </a:fontRef>
+          </p:style>
+        </p:cxnSp>
+        <p:cxnSp>
+          <p:nvCxnSpPr>
+            <p:cNvPr id="11" name="直線コネクタ 10">
+              <a:extLst>
+                <a:ext uri="{FF2B5EF4-FFF2-40B4-BE49-F238E27FC236}">
+                  <a16:creationId xmlns:a16="http://schemas.microsoft.com/office/drawing/2014/main" id="{0F2BCD7A-01B7-CF36-AC64-6F084E033819}"/>
+                </a:ext>
+              </a:extLst>
+            </p:cNvPr>
+            <p:cNvCxnSpPr>
+              <a:cxnSpLocks/>
+              <a:stCxn id="5" idx="0"/>
+            </p:cNvCxnSpPr>
+            <p:nvPr/>
+          </p:nvCxnSpPr>
+          <p:spPr>
+            <a:xfrm flipH="1" flipV="1">
+              <a:off x="4990052" y="2305998"/>
+              <a:ext cx="0" cy="1350238"/>
+            </a:xfrm>
+            <a:prstGeom prst="line">
+              <a:avLst/>
+            </a:prstGeom>
+            <a:ln w="19050">
+              <a:solidFill>
+                <a:schemeClr val="tx1"/>
+              </a:solidFill>
+            </a:ln>
+          </p:spPr>
+          <p:style>
+            <a:lnRef idx="1">
+              <a:schemeClr val="accent1"/>
+            </a:lnRef>
+            <a:fillRef idx="0">
+              <a:schemeClr val="accent1"/>
+            </a:fillRef>
+            <a:effectRef idx="0">
+              <a:schemeClr val="accent1"/>
+            </a:effectRef>
+            <a:fontRef idx="minor">
+              <a:schemeClr val="tx1"/>
+            </a:fontRef>
+          </p:style>
+        </p:cxnSp>
+        <p:cxnSp>
+          <p:nvCxnSpPr>
+            <p:cNvPr id="12" name="直線コネクタ 11">
+              <a:extLst>
+                <a:ext uri="{FF2B5EF4-FFF2-40B4-BE49-F238E27FC236}">
+                  <a16:creationId xmlns:a16="http://schemas.microsoft.com/office/drawing/2014/main" id="{4B1B3832-B3B8-5491-32CA-7A1CB86DF80E}"/>
+                </a:ext>
+              </a:extLst>
+            </p:cNvPr>
+            <p:cNvCxnSpPr>
+              <a:cxnSpLocks/>
+              <a:endCxn id="5" idx="2"/>
+            </p:cNvCxnSpPr>
+            <p:nvPr/>
+          </p:nvCxnSpPr>
+          <p:spPr>
+            <a:xfrm flipV="1">
+              <a:off x="4990052" y="3964013"/>
+              <a:ext cx="0" cy="491475"/>
+            </a:xfrm>
+            <a:prstGeom prst="line">
+              <a:avLst/>
+            </a:prstGeom>
+            <a:ln w="19050">
+              <a:solidFill>
+                <a:schemeClr val="tx1"/>
+              </a:solidFill>
+            </a:ln>
+          </p:spPr>
+          <p:style>
+            <a:lnRef idx="1">
+              <a:schemeClr val="accent1"/>
+            </a:lnRef>
+            <a:fillRef idx="0">
+              <a:schemeClr val="accent1"/>
+            </a:fillRef>
+            <a:effectRef idx="0">
+              <a:schemeClr val="accent1"/>
+            </a:effectRef>
+            <a:fontRef idx="minor">
+              <a:schemeClr val="tx1"/>
+            </a:fontRef>
+          </p:style>
+        </p:cxnSp>
+        <p:cxnSp>
+          <p:nvCxnSpPr>
+            <p:cNvPr id="13" name="直線コネクタ 12">
+              <a:extLst>
+                <a:ext uri="{FF2B5EF4-FFF2-40B4-BE49-F238E27FC236}">
+                  <a16:creationId xmlns:a16="http://schemas.microsoft.com/office/drawing/2014/main" id="{E791DE43-5124-A706-CF71-622DAD36B464}"/>
+                </a:ext>
+              </a:extLst>
+            </p:cNvPr>
+            <p:cNvCxnSpPr>
+              <a:cxnSpLocks/>
+            </p:cNvCxnSpPr>
+            <p:nvPr/>
+          </p:nvCxnSpPr>
+          <p:spPr>
+            <a:xfrm flipH="1">
+              <a:off x="3438192" y="4455489"/>
+              <a:ext cx="1551860" cy="0"/>
+            </a:xfrm>
+            <a:prstGeom prst="line">
+              <a:avLst/>
+            </a:prstGeom>
+            <a:ln w="19050">
+              <a:solidFill>
+                <a:schemeClr val="tx1"/>
+              </a:solidFill>
+            </a:ln>
+          </p:spPr>
+          <p:style>
+            <a:lnRef idx="1">
+              <a:schemeClr val="accent1"/>
+            </a:lnRef>
+            <a:fillRef idx="0">
+              <a:schemeClr val="accent1"/>
+            </a:fillRef>
+            <a:effectRef idx="0">
+              <a:schemeClr val="accent1"/>
+            </a:effectRef>
+            <a:fontRef idx="minor">
+              <a:schemeClr val="tx1"/>
+            </a:fontRef>
+          </p:style>
+        </p:cxnSp>
+        <p:cxnSp>
+          <p:nvCxnSpPr>
+            <p:cNvPr id="14" name="直線コネクタ 13">
+              <a:extLst>
+                <a:ext uri="{FF2B5EF4-FFF2-40B4-BE49-F238E27FC236}">
+                  <a16:creationId xmlns:a16="http://schemas.microsoft.com/office/drawing/2014/main" id="{0C795E0F-54D7-18C6-DE22-79042A22AB6D}"/>
+                </a:ext>
+              </a:extLst>
+            </p:cNvPr>
+            <p:cNvCxnSpPr>
+              <a:cxnSpLocks/>
+            </p:cNvCxnSpPr>
+            <p:nvPr/>
+          </p:nvCxnSpPr>
+          <p:spPr>
+            <a:xfrm flipH="1">
+              <a:off x="3452193" y="2305998"/>
+              <a:ext cx="1538892" cy="0"/>
+            </a:xfrm>
+            <a:prstGeom prst="line">
+              <a:avLst/>
+            </a:prstGeom>
+            <a:ln w="19050">
+              <a:solidFill>
+                <a:schemeClr val="tx1"/>
+              </a:solidFill>
+            </a:ln>
+          </p:spPr>
+          <p:style>
+            <a:lnRef idx="1">
+              <a:schemeClr val="accent1"/>
+            </a:lnRef>
+            <a:fillRef idx="0">
+              <a:schemeClr val="accent1"/>
+            </a:fillRef>
+            <a:effectRef idx="0">
+              <a:schemeClr val="accent1"/>
+            </a:effectRef>
+            <a:fontRef idx="minor">
+              <a:schemeClr val="tx1"/>
+            </a:fontRef>
+          </p:style>
+        </p:cxnSp>
+        <p:cxnSp>
+          <p:nvCxnSpPr>
+            <p:cNvPr id="15" name="直線コネクタ 14">
+              <a:extLst>
+                <a:ext uri="{FF2B5EF4-FFF2-40B4-BE49-F238E27FC236}">
+                  <a16:creationId xmlns:a16="http://schemas.microsoft.com/office/drawing/2014/main" id="{F13CE8FC-D408-CBA0-4880-8A110616442C}"/>
+                </a:ext>
+              </a:extLst>
+            </p:cNvPr>
+            <p:cNvCxnSpPr>
+              <a:cxnSpLocks/>
+            </p:cNvCxnSpPr>
+            <p:nvPr/>
+          </p:nvCxnSpPr>
+          <p:spPr>
+            <a:xfrm flipV="1">
+              <a:off x="3452193" y="3140213"/>
+              <a:ext cx="0" cy="1315276"/>
+            </a:xfrm>
+            <a:prstGeom prst="line">
+              <a:avLst/>
+            </a:prstGeom>
+            <a:ln w="19050">
+              <a:solidFill>
+                <a:schemeClr val="tx1"/>
+              </a:solidFill>
+            </a:ln>
+          </p:spPr>
+          <p:style>
+            <a:lnRef idx="1">
+              <a:schemeClr val="accent1"/>
+            </a:lnRef>
+            <a:fillRef idx="0">
+              <a:schemeClr val="accent1"/>
+            </a:fillRef>
+            <a:effectRef idx="0">
+              <a:schemeClr val="accent1"/>
+            </a:effectRef>
+            <a:fontRef idx="minor">
+              <a:schemeClr val="tx1"/>
+            </a:fontRef>
+          </p:style>
+        </p:cxnSp>
+        <p:cxnSp>
+          <p:nvCxnSpPr>
+            <p:cNvPr id="16" name="直線コネクタ 15">
+              <a:extLst>
+                <a:ext uri="{FF2B5EF4-FFF2-40B4-BE49-F238E27FC236}">
+                  <a16:creationId xmlns:a16="http://schemas.microsoft.com/office/drawing/2014/main" id="{02E490C3-E0A0-EE49-34C5-5AE1CE871FEF}"/>
+                </a:ext>
+              </a:extLst>
+            </p:cNvPr>
+            <p:cNvCxnSpPr>
+              <a:cxnSpLocks/>
+              <a:stCxn id="17" idx="0"/>
+            </p:cNvCxnSpPr>
+            <p:nvPr/>
+          </p:nvCxnSpPr>
+          <p:spPr>
+            <a:xfrm flipV="1">
+              <a:off x="3446320" y="2305998"/>
+              <a:ext cx="0" cy="276764"/>
+            </a:xfrm>
+            <a:prstGeom prst="line">
+              <a:avLst/>
+            </a:prstGeom>
+            <a:ln w="19050">
+              <a:solidFill>
+                <a:schemeClr val="tx1"/>
+              </a:solidFill>
+            </a:ln>
+          </p:spPr>
+          <p:style>
+            <a:lnRef idx="1">
+              <a:schemeClr val="accent1"/>
+            </a:lnRef>
+            <a:fillRef idx="0">
+              <a:schemeClr val="accent1"/>
+            </a:fillRef>
+            <a:effectRef idx="0">
+              <a:schemeClr val="accent1"/>
+            </a:effectRef>
+            <a:fontRef idx="minor">
+              <a:schemeClr val="tx1"/>
+            </a:fontRef>
+          </p:style>
+        </p:cxnSp>
+        <mc:AlternateContent xmlns:mc="http://schemas.openxmlformats.org/markup-compatibility/2006" xmlns:a14="http://schemas.microsoft.com/office/drawing/2010/main">
+          <mc:Choice Requires="a14">
+            <p:sp>
+              <p:nvSpPr>
+                <p:cNvPr id="17" name="楕円 16">
+                  <a:extLst>
+                    <a:ext uri="{FF2B5EF4-FFF2-40B4-BE49-F238E27FC236}">
+                      <a16:creationId xmlns:a16="http://schemas.microsoft.com/office/drawing/2014/main" id="{7AD92215-3408-59D9-3260-F0DC7534ED4E}"/>
+                    </a:ext>
+                  </a:extLst>
+                </p:cNvPr>
+                <p:cNvSpPr/>
+                <p:nvPr/>
+              </p:nvSpPr>
+              <p:spPr>
+                <a:xfrm>
+                  <a:off x="3170015" y="2582762"/>
+                  <a:ext cx="552609" cy="552609"/>
+                </a:xfrm>
+                <a:prstGeom prst="ellipse">
+                  <a:avLst/>
+                </a:prstGeom>
+                <a:noFill/>
+                <a:ln w="19050">
+                  <a:solidFill>
+                    <a:schemeClr val="tx1"/>
+                  </a:solidFill>
+                </a:ln>
+              </p:spPr>
+              <p:style>
+                <a:lnRef idx="2">
+                  <a:schemeClr val="accent1">
+                    <a:shade val="15000"/>
+                  </a:schemeClr>
+                </a:lnRef>
+                <a:fillRef idx="1">
+                  <a:schemeClr val="accent1"/>
+                </a:fillRef>
+                <a:effectRef idx="0">
+                  <a:schemeClr val="accent1"/>
+                </a:effectRef>
+                <a:fontRef idx="minor">
+                  <a:schemeClr val="lt1"/>
+                </a:fontRef>
+              </p:style>
+              <p:txBody>
+                <a:bodyPr rtlCol="0" anchor="ctr"/>
+                <a:lstStyle/>
+                <a:p>
+                  <a:pPr algn="ctr"/>
+                  <a14:m>
+                    <m:oMathPara xmlns:m="http://schemas.openxmlformats.org/officeDocument/2006/math">
+                      <m:oMathParaPr>
+                        <m:jc m:val="center"/>
+                      </m:oMathParaPr>
+                      <m:oMath xmlns:m="http://schemas.openxmlformats.org/officeDocument/2006/math">
+                        <m:sSub>
+                          <m:sSubPr>
+                            <m:ctrlPr>
+                              <a:rPr kumimoji="1" lang="en-US" altLang="ja-JP" b="0" i="1" smtClean="0">
+                                <a:solidFill>
+                                  <a:schemeClr val="tx1"/>
+                                </a:solidFill>
+                                <a:latin typeface="Cambria Math" panose="02040503050406030204" pitchFamily="18" charset="0"/>
+                              </a:rPr>
+                            </m:ctrlPr>
+                          </m:sSubPr>
+                          <m:e>
+                            <m:r>
+                              <a:rPr kumimoji="1" lang="en-US" altLang="ja-JP" b="0" i="1" smtClean="0">
+                                <a:solidFill>
+                                  <a:schemeClr val="tx1"/>
+                                </a:solidFill>
+                                <a:latin typeface="Cambria Math" panose="02040503050406030204" pitchFamily="18" charset="0"/>
+                              </a:rPr>
+                              <m:t>𝑉</m:t>
+                            </m:r>
+                          </m:e>
+                          <m:sub>
+                            <m:r>
+                              <a:rPr kumimoji="1" lang="en-US" altLang="ja-JP" b="0" i="1" smtClean="0">
+                                <a:solidFill>
+                                  <a:schemeClr val="tx1"/>
+                                </a:solidFill>
+                                <a:latin typeface="Cambria Math" panose="02040503050406030204" pitchFamily="18" charset="0"/>
+                              </a:rPr>
+                              <m:t>𝐻</m:t>
+                            </m:r>
+                          </m:sub>
+                        </m:sSub>
+                      </m:oMath>
+                    </m:oMathPara>
+                  </a14:m>
+                  <a:endParaRPr kumimoji="1" lang="ja-JP" altLang="en-US" dirty="0">
+                    <a:solidFill>
+                      <a:schemeClr val="tx1"/>
+                    </a:solidFill>
+                  </a:endParaRPr>
+                </a:p>
+              </p:txBody>
+            </p:sp>
+          </mc:Choice>
+          <mc:Fallback xmlns="">
+            <p:sp>
+              <p:nvSpPr>
+                <p:cNvPr id="54" name="楕円 53">
+                  <a:extLst>
+                    <a:ext uri="{FF2B5EF4-FFF2-40B4-BE49-F238E27FC236}">
+                      <a16:creationId xmlns:a16="http://schemas.microsoft.com/office/drawing/2014/main" id="{973CE0D7-F57E-6847-04B1-8CCEA2AD9F2A}"/>
+                    </a:ext>
+                  </a:extLst>
+                </p:cNvPr>
+                <p:cNvSpPr>
+                  <a:spLocks noRot="1" noChangeAspect="1" noMove="1" noResize="1" noEditPoints="1" noAdjustHandles="1" noChangeArrowheads="1" noChangeShapeType="1" noTextEdit="1"/>
+                </p:cNvSpPr>
+                <p:nvPr/>
+              </p:nvSpPr>
+              <p:spPr>
+                <a:xfrm>
+                  <a:off x="3170015" y="2582762"/>
+                  <a:ext cx="552609" cy="552609"/>
+                </a:xfrm>
+                <a:prstGeom prst="ellipse">
+                  <a:avLst/>
+                </a:prstGeom>
+                <a:blipFill>
+                  <a:blip r:embed="rId3"/>
+                  <a:stretch>
+                    <a:fillRect/>
+                  </a:stretch>
+                </a:blipFill>
+                <a:ln w="19050">
+                  <a:solidFill>
+                    <a:schemeClr val="tx1"/>
+                  </a:solidFill>
+                </a:ln>
+              </p:spPr>
+              <p:txBody>
+                <a:bodyPr/>
+                <a:lstStyle/>
+                <a:p>
+                  <a:r>
+                    <a:rPr lang="ja-JP" altLang="en-US">
+                      <a:noFill/>
+                    </a:rPr>
+                    <a:t> </a:t>
+                  </a:r>
+                </a:p>
+              </p:txBody>
+            </p:sp>
+          </mc:Fallback>
+        </mc:AlternateContent>
+        <p:cxnSp>
+          <p:nvCxnSpPr>
+            <p:cNvPr id="18" name="直線コネクタ 17">
+              <a:extLst>
+                <a:ext uri="{FF2B5EF4-FFF2-40B4-BE49-F238E27FC236}">
+                  <a16:creationId xmlns:a16="http://schemas.microsoft.com/office/drawing/2014/main" id="{3D215242-059B-E014-2423-87A38C8DF821}"/>
+                </a:ext>
+              </a:extLst>
+            </p:cNvPr>
+            <p:cNvCxnSpPr>
+              <a:cxnSpLocks/>
+              <a:stCxn id="5" idx="1"/>
+            </p:cNvCxnSpPr>
+            <p:nvPr/>
+          </p:nvCxnSpPr>
+          <p:spPr>
+            <a:xfrm flipH="1" flipV="1">
+              <a:off x="2771760" y="3810124"/>
+              <a:ext cx="1653749" cy="1"/>
+            </a:xfrm>
+            <a:prstGeom prst="line">
+              <a:avLst/>
+            </a:prstGeom>
+            <a:ln w="19050">
+              <a:solidFill>
+                <a:schemeClr val="tx1"/>
+              </a:solidFill>
+            </a:ln>
+          </p:spPr>
+          <p:style>
+            <a:lnRef idx="1">
+              <a:schemeClr val="accent1"/>
+            </a:lnRef>
+            <a:fillRef idx="0">
+              <a:schemeClr val="accent1"/>
+            </a:fillRef>
+            <a:effectRef idx="0">
+              <a:schemeClr val="accent1"/>
+            </a:effectRef>
+            <a:fontRef idx="minor">
+              <a:schemeClr val="tx1"/>
+            </a:fontRef>
+          </p:style>
+        </p:cxnSp>
+        <p:cxnSp>
+          <p:nvCxnSpPr>
+            <p:cNvPr id="19" name="直線コネクタ 18">
+              <a:extLst>
+                <a:ext uri="{FF2B5EF4-FFF2-40B4-BE49-F238E27FC236}">
+                  <a16:creationId xmlns:a16="http://schemas.microsoft.com/office/drawing/2014/main" id="{E0DB86C5-076B-6740-CE36-63C5A8F9CEE4}"/>
+                </a:ext>
+              </a:extLst>
+            </p:cNvPr>
+            <p:cNvCxnSpPr>
+              <a:cxnSpLocks/>
+              <a:endCxn id="5" idx="3"/>
+            </p:cNvCxnSpPr>
+            <p:nvPr/>
+          </p:nvCxnSpPr>
+          <p:spPr>
+            <a:xfrm flipH="1">
+              <a:off x="5576282" y="3810125"/>
+              <a:ext cx="1467440" cy="0"/>
+            </a:xfrm>
+            <a:prstGeom prst="line">
+              <a:avLst/>
+            </a:prstGeom>
+            <a:ln w="19050">
+              <a:solidFill>
+                <a:schemeClr val="tx1"/>
+              </a:solidFill>
+            </a:ln>
+          </p:spPr>
+          <p:style>
+            <a:lnRef idx="1">
+              <a:schemeClr val="accent1"/>
+            </a:lnRef>
+            <a:fillRef idx="0">
+              <a:schemeClr val="accent1"/>
+            </a:fillRef>
+            <a:effectRef idx="0">
+              <a:schemeClr val="accent1"/>
+            </a:effectRef>
+            <a:fontRef idx="minor">
+              <a:schemeClr val="tx1"/>
+            </a:fontRef>
+          </p:style>
+        </p:cxnSp>
+        <p:sp>
+          <p:nvSpPr>
+            <p:cNvPr id="20" name="楕円 19">
+              <a:extLst>
+                <a:ext uri="{FF2B5EF4-FFF2-40B4-BE49-F238E27FC236}">
+                  <a16:creationId xmlns:a16="http://schemas.microsoft.com/office/drawing/2014/main" id="{F8D95B81-463C-B7F1-47FD-366D3966F2DD}"/>
+                </a:ext>
+              </a:extLst>
+            </p:cNvPr>
+            <p:cNvSpPr/>
+            <p:nvPr/>
+          </p:nvSpPr>
+          <p:spPr>
+            <a:xfrm>
+              <a:off x="4611512" y="4796958"/>
+              <a:ext cx="552609" cy="552609"/>
+            </a:xfrm>
+            <a:prstGeom prst="ellipse">
+              <a:avLst/>
+            </a:prstGeom>
+            <a:noFill/>
+            <a:ln w="19050">
+              <a:solidFill>
+                <a:schemeClr val="tx1"/>
+              </a:solidFill>
+            </a:ln>
+          </p:spPr>
+          <p:style>
+            <a:lnRef idx="2">
+              <a:schemeClr val="accent1">
+                <a:shade val="15000"/>
+              </a:schemeClr>
+            </a:lnRef>
+            <a:fillRef idx="1">
+              <a:schemeClr val="accent1"/>
+            </a:fillRef>
+            <a:effectRef idx="0">
+              <a:schemeClr val="accent1"/>
+            </a:effectRef>
+            <a:fontRef idx="minor">
+              <a:schemeClr val="lt1"/>
+            </a:fontRef>
+          </p:style>
+          <p:txBody>
+            <a:bodyPr rtlCol="0" anchor="ctr"/>
+            <a:lstStyle/>
+            <a:p>
+              <a:pPr algn="ctr"/>
+              <a:r>
+                <a:rPr kumimoji="1" lang="ja-JP" altLang="en-US" sz="2800" b="1" dirty="0">
+                  <a:solidFill>
+                    <a:schemeClr val="tx1"/>
+                  </a:solidFill>
+                </a:rPr>
+                <a:t>←</a:t>
+              </a:r>
+              <a:endParaRPr kumimoji="1" lang="ja-JP" altLang="en-US" b="1" dirty="0">
+                <a:solidFill>
+                  <a:schemeClr val="tx1"/>
+                </a:solidFill>
+              </a:endParaRPr>
+            </a:p>
+          </p:txBody>
+        </p:sp>
+        <p:cxnSp>
+          <p:nvCxnSpPr>
+            <p:cNvPr id="21" name="直線コネクタ 20">
+              <a:extLst>
+                <a:ext uri="{FF2B5EF4-FFF2-40B4-BE49-F238E27FC236}">
+                  <a16:creationId xmlns:a16="http://schemas.microsoft.com/office/drawing/2014/main" id="{3C7AC29E-3CDE-2DA8-460B-52157ED55EE6}"/>
+                </a:ext>
+              </a:extLst>
+            </p:cNvPr>
+            <p:cNvCxnSpPr>
+              <a:cxnSpLocks/>
+            </p:cNvCxnSpPr>
+            <p:nvPr/>
+          </p:nvCxnSpPr>
+          <p:spPr>
+            <a:xfrm flipV="1">
+              <a:off x="2787000" y="3812149"/>
+              <a:ext cx="0" cy="1261113"/>
+            </a:xfrm>
+            <a:prstGeom prst="line">
+              <a:avLst/>
+            </a:prstGeom>
+            <a:ln w="19050">
+              <a:solidFill>
+                <a:schemeClr val="tx1"/>
+              </a:solidFill>
+            </a:ln>
+          </p:spPr>
+          <p:style>
+            <a:lnRef idx="1">
+              <a:schemeClr val="accent1"/>
+            </a:lnRef>
+            <a:fillRef idx="0">
+              <a:schemeClr val="accent1"/>
+            </a:fillRef>
+            <a:effectRef idx="0">
+              <a:schemeClr val="accent1"/>
+            </a:effectRef>
+            <a:fontRef idx="minor">
+              <a:schemeClr val="tx1"/>
+            </a:fontRef>
+          </p:style>
+        </p:cxnSp>
+        <p:cxnSp>
+          <p:nvCxnSpPr>
+            <p:cNvPr id="22" name="直線コネクタ 21">
+              <a:extLst>
+                <a:ext uri="{FF2B5EF4-FFF2-40B4-BE49-F238E27FC236}">
+                  <a16:creationId xmlns:a16="http://schemas.microsoft.com/office/drawing/2014/main" id="{F22BF361-2DB2-B286-F6C6-DFEDE4EB4229}"/>
+                </a:ext>
+              </a:extLst>
+            </p:cNvPr>
+            <p:cNvCxnSpPr>
+              <a:cxnSpLocks/>
+            </p:cNvCxnSpPr>
+            <p:nvPr/>
+          </p:nvCxnSpPr>
+          <p:spPr>
+            <a:xfrm flipH="1">
+              <a:off x="5164122" y="5051698"/>
+              <a:ext cx="1879600" cy="0"/>
+            </a:xfrm>
+            <a:prstGeom prst="line">
+              <a:avLst/>
+            </a:prstGeom>
+            <a:ln w="19050">
+              <a:solidFill>
+                <a:schemeClr val="tx1"/>
+              </a:solidFill>
+            </a:ln>
+          </p:spPr>
+          <p:style>
+            <a:lnRef idx="1">
+              <a:schemeClr val="accent1"/>
+            </a:lnRef>
+            <a:fillRef idx="0">
+              <a:schemeClr val="accent1"/>
+            </a:fillRef>
+            <a:effectRef idx="0">
+              <a:schemeClr val="accent1"/>
+            </a:effectRef>
+            <a:fontRef idx="minor">
+              <a:schemeClr val="tx1"/>
+            </a:fontRef>
+          </p:style>
+        </p:cxnSp>
+        <p:cxnSp>
+          <p:nvCxnSpPr>
+            <p:cNvPr id="23" name="直線コネクタ 22">
+              <a:extLst>
+                <a:ext uri="{FF2B5EF4-FFF2-40B4-BE49-F238E27FC236}">
+                  <a16:creationId xmlns:a16="http://schemas.microsoft.com/office/drawing/2014/main" id="{EE390026-02D7-2E01-A699-AEA9C9C077AF}"/>
+                </a:ext>
+              </a:extLst>
+            </p:cNvPr>
+            <p:cNvCxnSpPr>
+              <a:cxnSpLocks/>
+            </p:cNvCxnSpPr>
+            <p:nvPr/>
+          </p:nvCxnSpPr>
+          <p:spPr>
+            <a:xfrm flipV="1">
+              <a:off x="7043722" y="3792469"/>
+              <a:ext cx="0" cy="1259229"/>
+            </a:xfrm>
+            <a:prstGeom prst="line">
+              <a:avLst/>
+            </a:prstGeom>
+            <a:ln w="19050">
+              <a:solidFill>
+                <a:schemeClr val="tx1"/>
+              </a:solidFill>
+            </a:ln>
+          </p:spPr>
+          <p:style>
+            <a:lnRef idx="1">
+              <a:schemeClr val="accent1"/>
+            </a:lnRef>
+            <a:fillRef idx="0">
+              <a:schemeClr val="accent1"/>
+            </a:fillRef>
+            <a:effectRef idx="0">
+              <a:schemeClr val="accent1"/>
+            </a:effectRef>
+            <a:fontRef idx="minor">
+              <a:schemeClr val="tx1"/>
+            </a:fontRef>
+          </p:style>
+        </p:cxnSp>
+        <p:cxnSp>
+          <p:nvCxnSpPr>
+            <p:cNvPr id="24" name="直線コネクタ 23">
+              <a:extLst>
+                <a:ext uri="{FF2B5EF4-FFF2-40B4-BE49-F238E27FC236}">
+                  <a16:creationId xmlns:a16="http://schemas.microsoft.com/office/drawing/2014/main" id="{4135ABE6-3016-63B8-052C-8322DDBF0538}"/>
+                </a:ext>
+              </a:extLst>
+            </p:cNvPr>
+            <p:cNvCxnSpPr>
+              <a:cxnSpLocks/>
+              <a:stCxn id="20" idx="2"/>
+            </p:cNvCxnSpPr>
+            <p:nvPr/>
+          </p:nvCxnSpPr>
+          <p:spPr>
+            <a:xfrm flipH="1">
+              <a:off x="2784490" y="5073263"/>
+              <a:ext cx="1827022" cy="0"/>
+            </a:xfrm>
+            <a:prstGeom prst="line">
+              <a:avLst/>
+            </a:prstGeom>
+            <a:ln w="19050">
+              <a:solidFill>
+                <a:schemeClr val="tx1"/>
+              </a:solidFill>
+            </a:ln>
+          </p:spPr>
+          <p:style>
+            <a:lnRef idx="1">
+              <a:schemeClr val="accent1"/>
+            </a:lnRef>
+            <a:fillRef idx="0">
+              <a:schemeClr val="accent1"/>
+            </a:fillRef>
+            <a:effectRef idx="0">
+              <a:schemeClr val="accent1"/>
+            </a:effectRef>
+            <a:fontRef idx="minor">
+              <a:schemeClr val="tx1"/>
+            </a:fontRef>
+          </p:style>
+        </p:cxnSp>
+        <p:sp>
+          <p:nvSpPr>
+            <p:cNvPr id="25" name="テキスト ボックス 24">
+              <a:extLst>
+                <a:ext uri="{FF2B5EF4-FFF2-40B4-BE49-F238E27FC236}">
+                  <a16:creationId xmlns:a16="http://schemas.microsoft.com/office/drawing/2014/main" id="{8E7AC9C9-4034-ED74-3F23-9750CE52A8C7}"/>
+                </a:ext>
+              </a:extLst>
+            </p:cNvPr>
+            <p:cNvSpPr txBox="1"/>
+            <p:nvPr/>
+          </p:nvSpPr>
+          <p:spPr>
+            <a:xfrm>
+              <a:off x="5576283" y="3052231"/>
+              <a:ext cx="735045" cy="253916"/>
+            </a:xfrm>
+            <a:prstGeom prst="rect">
+              <a:avLst/>
+            </a:prstGeom>
+            <a:solidFill>
+              <a:schemeClr val="bg1"/>
+            </a:solidFill>
+            <a:ln w="19050">
+              <a:solidFill>
+                <a:schemeClr val="tx1"/>
+              </a:solidFill>
+            </a:ln>
+          </p:spPr>
+          <p:txBody>
+            <a:bodyPr wrap="square">
+              <a:spAutoFit/>
+            </a:bodyPr>
+            <a:lstStyle/>
+            <a:p>
+              <a:pPr algn="ctr"/>
+              <a:r>
+                <a:rPr kumimoji="1" lang="ja-JP" altLang="en-US" sz="1050" dirty="0"/>
+                <a:t>ヒーター</a:t>
+              </a:r>
+              <a:endParaRPr lang="ja-JP" altLang="en-US" sz="1050" dirty="0"/>
+            </a:p>
+          </p:txBody>
+        </p:sp>
+        <p:sp>
+          <p:nvSpPr>
+            <p:cNvPr id="26" name="テキスト ボックス 25">
+              <a:extLst>
+                <a:ext uri="{FF2B5EF4-FFF2-40B4-BE49-F238E27FC236}">
+                  <a16:creationId xmlns:a16="http://schemas.microsoft.com/office/drawing/2014/main" id="{98EC98AE-022E-F4CD-5789-61527B79520B}"/>
+                </a:ext>
+              </a:extLst>
+            </p:cNvPr>
+            <p:cNvSpPr txBox="1"/>
+            <p:nvPr/>
+          </p:nvSpPr>
+          <p:spPr>
+            <a:xfrm>
+              <a:off x="5576282" y="3323407"/>
+              <a:ext cx="735045" cy="253916"/>
+            </a:xfrm>
+            <a:prstGeom prst="rect">
+              <a:avLst/>
+            </a:prstGeom>
+            <a:solidFill>
+              <a:schemeClr val="bg1"/>
+            </a:solidFill>
+            <a:ln w="19050">
+              <a:solidFill>
+                <a:schemeClr val="tx1"/>
+              </a:solidFill>
+            </a:ln>
+          </p:spPr>
+          <p:txBody>
+            <a:bodyPr wrap="square">
+              <a:spAutoFit/>
+            </a:bodyPr>
+            <a:lstStyle/>
+            <a:p>
+              <a:pPr algn="ctr"/>
+              <a:r>
+                <a:rPr kumimoji="1" lang="ja-JP" altLang="en-US" sz="1050" dirty="0"/>
+                <a:t>熱電対</a:t>
+              </a:r>
+              <a:endParaRPr lang="ja-JP" altLang="en-US" sz="1050" dirty="0"/>
+            </a:p>
+          </p:txBody>
+        </p:sp>
+        <p:cxnSp>
+          <p:nvCxnSpPr>
+            <p:cNvPr id="27" name="直線コネクタ 26">
+              <a:extLst>
+                <a:ext uri="{FF2B5EF4-FFF2-40B4-BE49-F238E27FC236}">
+                  <a16:creationId xmlns:a16="http://schemas.microsoft.com/office/drawing/2014/main" id="{EB6948D0-6F5D-1157-85A5-BD29644BDF30}"/>
+                </a:ext>
+              </a:extLst>
+            </p:cNvPr>
+            <p:cNvCxnSpPr>
+              <a:cxnSpLocks/>
+            </p:cNvCxnSpPr>
+            <p:nvPr/>
+          </p:nvCxnSpPr>
+          <p:spPr>
+            <a:xfrm>
+              <a:off x="6316087" y="3175494"/>
+              <a:ext cx="180000" cy="0"/>
+            </a:xfrm>
+            <a:prstGeom prst="line">
+              <a:avLst/>
+            </a:prstGeom>
+            <a:ln w="19050">
+              <a:solidFill>
+                <a:schemeClr val="tx1"/>
+              </a:solidFill>
+            </a:ln>
+          </p:spPr>
+          <p:style>
+            <a:lnRef idx="1">
+              <a:schemeClr val="accent1"/>
+            </a:lnRef>
+            <a:fillRef idx="0">
+              <a:schemeClr val="accent1"/>
+            </a:fillRef>
+            <a:effectRef idx="0">
+              <a:schemeClr val="accent1"/>
+            </a:effectRef>
+            <a:fontRef idx="minor">
+              <a:schemeClr val="tx1"/>
+            </a:fontRef>
+          </p:style>
+        </p:cxnSp>
+        <p:cxnSp>
+          <p:nvCxnSpPr>
+            <p:cNvPr id="28" name="直線コネクタ 27">
+              <a:extLst>
+                <a:ext uri="{FF2B5EF4-FFF2-40B4-BE49-F238E27FC236}">
+                  <a16:creationId xmlns:a16="http://schemas.microsoft.com/office/drawing/2014/main" id="{9E2DD06B-2003-2C81-098A-2E5ACD1E710F}"/>
+                </a:ext>
+              </a:extLst>
+            </p:cNvPr>
+            <p:cNvCxnSpPr>
+              <a:cxnSpLocks/>
+            </p:cNvCxnSpPr>
+            <p:nvPr/>
+          </p:nvCxnSpPr>
+          <p:spPr>
+            <a:xfrm>
+              <a:off x="6316087" y="3451693"/>
+              <a:ext cx="180000" cy="0"/>
+            </a:xfrm>
+            <a:prstGeom prst="line">
+              <a:avLst/>
+            </a:prstGeom>
+            <a:ln w="19050">
+              <a:solidFill>
+                <a:schemeClr val="tx1"/>
+              </a:solidFill>
+            </a:ln>
+          </p:spPr>
+          <p:style>
+            <a:lnRef idx="1">
+              <a:schemeClr val="accent1"/>
+            </a:lnRef>
+            <a:fillRef idx="0">
+              <a:schemeClr val="accent1"/>
+            </a:fillRef>
+            <a:effectRef idx="0">
+              <a:schemeClr val="accent1"/>
+            </a:effectRef>
+            <a:fontRef idx="minor">
+              <a:schemeClr val="tx1"/>
+            </a:fontRef>
+          </p:style>
+        </p:cxnSp>
+        <p:sp>
+          <p:nvSpPr>
+            <p:cNvPr id="29" name="テキスト ボックス 28">
+              <a:extLst>
+                <a:ext uri="{FF2B5EF4-FFF2-40B4-BE49-F238E27FC236}">
+                  <a16:creationId xmlns:a16="http://schemas.microsoft.com/office/drawing/2014/main" id="{B626047E-FC35-24D1-3B1C-5528506ABE11}"/>
+                </a:ext>
+              </a:extLst>
+            </p:cNvPr>
+            <p:cNvSpPr txBox="1"/>
+            <p:nvPr/>
+          </p:nvSpPr>
+          <p:spPr>
+            <a:xfrm>
+              <a:off x="6491947" y="3021552"/>
+              <a:ext cx="576000" cy="276999"/>
+            </a:xfrm>
+            <a:prstGeom prst="rect">
+              <a:avLst/>
+            </a:prstGeom>
+            <a:noFill/>
+            <a:ln w="19050">
+              <a:solidFill>
+                <a:schemeClr val="tx1"/>
+              </a:solidFill>
+            </a:ln>
+          </p:spPr>
+          <p:txBody>
+            <a:bodyPr wrap="none" rtlCol="0">
+              <a:spAutoFit/>
+            </a:bodyPr>
+            <a:lstStyle/>
+            <a:p>
+              <a:r>
+                <a:rPr kumimoji="1" lang="en-US" altLang="ja-JP" sz="1200" dirty="0"/>
+                <a:t>Input</a:t>
+              </a:r>
+              <a:endParaRPr kumimoji="1" lang="ja-JP" altLang="en-US" sz="1200" dirty="0"/>
+            </a:p>
+          </p:txBody>
+        </p:sp>
+        <p:sp>
+          <p:nvSpPr>
+            <p:cNvPr id="30" name="テキスト ボックス 29">
+              <a:extLst>
+                <a:ext uri="{FF2B5EF4-FFF2-40B4-BE49-F238E27FC236}">
+                  <a16:creationId xmlns:a16="http://schemas.microsoft.com/office/drawing/2014/main" id="{E113502B-A2B4-960F-4824-31E21D0465A2}"/>
+                </a:ext>
+              </a:extLst>
+            </p:cNvPr>
+            <p:cNvSpPr txBox="1"/>
+            <p:nvPr/>
+          </p:nvSpPr>
+          <p:spPr>
+            <a:xfrm>
+              <a:off x="6491947" y="3298551"/>
+              <a:ext cx="576000" cy="276999"/>
+            </a:xfrm>
+            <a:prstGeom prst="rect">
+              <a:avLst/>
+            </a:prstGeom>
+            <a:noFill/>
+            <a:ln w="19050">
+              <a:solidFill>
+                <a:schemeClr val="tx1"/>
+              </a:solidFill>
+            </a:ln>
+          </p:spPr>
+          <p:txBody>
+            <a:bodyPr wrap="none" rtlCol="0">
+              <a:spAutoFit/>
+            </a:bodyPr>
+            <a:lstStyle/>
+            <a:p>
+              <a:r>
+                <a:rPr kumimoji="1" lang="en-US" altLang="ja-JP" sz="1200" dirty="0"/>
+                <a:t>Meas.</a:t>
+              </a:r>
+              <a:endParaRPr kumimoji="1" lang="ja-JP" altLang="en-US" sz="1200" dirty="0"/>
+            </a:p>
+          </p:txBody>
+        </p:sp>
+        <p:sp>
+          <p:nvSpPr>
+            <p:cNvPr id="31" name="テキスト ボックス 30">
+              <a:extLst>
+                <a:ext uri="{FF2B5EF4-FFF2-40B4-BE49-F238E27FC236}">
+                  <a16:creationId xmlns:a16="http://schemas.microsoft.com/office/drawing/2014/main" id="{C0BA59FB-FB57-527A-6AE8-03E1F74E7DA2}"/>
+                </a:ext>
+              </a:extLst>
+            </p:cNvPr>
+            <p:cNvSpPr txBox="1"/>
+            <p:nvPr/>
+          </p:nvSpPr>
+          <p:spPr>
+            <a:xfrm>
+              <a:off x="4329574" y="1205282"/>
+              <a:ext cx="1673856" cy="369332"/>
+            </a:xfrm>
+            <a:prstGeom prst="rect">
+              <a:avLst/>
+            </a:prstGeom>
+            <a:noFill/>
+          </p:spPr>
+          <p:txBody>
+            <a:bodyPr wrap="none" rtlCol="0">
+              <a:spAutoFit/>
+            </a:bodyPr>
+            <a:lstStyle/>
+            <a:p>
+              <a:r>
+                <a:rPr kumimoji="1" lang="ja-JP" altLang="en-US" dirty="0"/>
+                <a:t>四端子法</a:t>
+              </a:r>
+              <a:r>
+                <a:rPr kumimoji="1" lang="en-US" altLang="ja-JP" dirty="0"/>
+                <a:t>:</a:t>
+              </a:r>
+              <a:r>
+                <a:rPr kumimoji="1" lang="ja-JP" altLang="en-US" dirty="0"/>
+                <a:t>電圧</a:t>
+              </a:r>
+            </a:p>
+          </p:txBody>
+        </p:sp>
+        <p:sp>
+          <p:nvSpPr>
+            <p:cNvPr id="32" name="テキスト ボックス 31">
+              <a:extLst>
+                <a:ext uri="{FF2B5EF4-FFF2-40B4-BE49-F238E27FC236}">
+                  <a16:creationId xmlns:a16="http://schemas.microsoft.com/office/drawing/2014/main" id="{100501D5-6F1D-A9F8-4071-21F618C6EEE9}"/>
+                </a:ext>
+              </a:extLst>
+            </p:cNvPr>
+            <p:cNvSpPr txBox="1"/>
+            <p:nvPr/>
+          </p:nvSpPr>
+          <p:spPr>
+            <a:xfrm>
+              <a:off x="4516976" y="5407779"/>
+              <a:ext cx="741679" cy="312286"/>
+            </a:xfrm>
+            <a:prstGeom prst="rect">
+              <a:avLst/>
+            </a:prstGeom>
+            <a:noFill/>
+          </p:spPr>
+          <p:txBody>
+            <a:bodyPr wrap="none" rtlCol="0">
+              <a:spAutoFit/>
+            </a:bodyPr>
+            <a:lstStyle/>
+            <a:p>
+              <a:r>
+                <a:rPr kumimoji="1" lang="ja-JP" altLang="en-US" dirty="0"/>
+                <a:t>電流源</a:t>
+              </a:r>
+            </a:p>
+          </p:txBody>
+        </p:sp>
+        <p:grpSp>
+          <p:nvGrpSpPr>
+            <p:cNvPr id="33" name="グループ化 32">
+              <a:extLst>
+                <a:ext uri="{FF2B5EF4-FFF2-40B4-BE49-F238E27FC236}">
+                  <a16:creationId xmlns:a16="http://schemas.microsoft.com/office/drawing/2014/main" id="{B9B9D722-E7A2-8B43-C77F-A171F1F780E3}"/>
+                </a:ext>
+              </a:extLst>
+            </p:cNvPr>
+            <p:cNvGrpSpPr/>
+            <p:nvPr/>
+          </p:nvGrpSpPr>
+          <p:grpSpPr>
+            <a:xfrm>
+              <a:off x="6024505" y="1142747"/>
+              <a:ext cx="1109734" cy="1088201"/>
+              <a:chOff x="3461522" y="1443347"/>
+              <a:chExt cx="1109734" cy="1088201"/>
+            </a:xfrm>
+          </p:grpSpPr>
+          <p:cxnSp>
+            <p:nvCxnSpPr>
+              <p:cNvPr id="37" name="直線矢印コネクタ 36">
+                <a:extLst>
+                  <a:ext uri="{FF2B5EF4-FFF2-40B4-BE49-F238E27FC236}">
+                    <a16:creationId xmlns:a16="http://schemas.microsoft.com/office/drawing/2014/main" id="{9CA28E3E-B754-B65A-A633-A42D985900A2}"/>
+                  </a:ext>
+                </a:extLst>
+              </p:cNvPr>
+              <p:cNvCxnSpPr/>
+              <p:nvPr/>
+            </p:nvCxnSpPr>
+            <p:spPr>
+              <a:xfrm flipV="1">
+                <a:off x="3921095" y="1819620"/>
+                <a:ext cx="0" cy="455030"/>
+              </a:xfrm>
+              <a:prstGeom prst="straightConnector1">
+                <a:avLst/>
+              </a:prstGeom>
+              <a:ln w="28575">
+                <a:solidFill>
+                  <a:schemeClr val="tx1"/>
+                </a:solidFill>
+                <a:tailEnd type="triangle"/>
+              </a:ln>
+            </p:spPr>
+            <p:style>
+              <a:lnRef idx="1">
+                <a:schemeClr val="accent1"/>
+              </a:lnRef>
+              <a:fillRef idx="0">
+                <a:schemeClr val="accent1"/>
+              </a:fillRef>
+              <a:effectRef idx="0">
+                <a:schemeClr val="accent1"/>
+              </a:effectRef>
+              <a:fontRef idx="minor">
+                <a:schemeClr val="tx1"/>
+              </a:fontRef>
+            </p:style>
+          </p:cxnSp>
+          <p:cxnSp>
+            <p:nvCxnSpPr>
+              <p:cNvPr id="38" name="直線矢印コネクタ 37">
+                <a:extLst>
+                  <a:ext uri="{FF2B5EF4-FFF2-40B4-BE49-F238E27FC236}">
+                    <a16:creationId xmlns:a16="http://schemas.microsoft.com/office/drawing/2014/main" id="{81FD72D4-C3FF-BD4E-CF34-FCB69670BB38}"/>
+                  </a:ext>
+                </a:extLst>
+              </p:cNvPr>
+              <p:cNvCxnSpPr>
+                <a:cxnSpLocks/>
+              </p:cNvCxnSpPr>
+              <p:nvPr/>
+            </p:nvCxnSpPr>
+            <p:spPr>
+              <a:xfrm rot="5400000" flipV="1">
+                <a:off x="4148610" y="2038361"/>
+                <a:ext cx="0" cy="455030"/>
+              </a:xfrm>
+              <a:prstGeom prst="straightConnector1">
+                <a:avLst/>
+              </a:prstGeom>
+              <a:ln w="28575">
+                <a:solidFill>
+                  <a:schemeClr val="tx1"/>
+                </a:solidFill>
+                <a:tailEnd type="triangle"/>
+              </a:ln>
+            </p:spPr>
+            <p:style>
+              <a:lnRef idx="1">
+                <a:schemeClr val="accent1"/>
+              </a:lnRef>
+              <a:fillRef idx="0">
+                <a:schemeClr val="accent1"/>
+              </a:fillRef>
+              <a:effectRef idx="0">
+                <a:schemeClr val="accent1"/>
+              </a:effectRef>
+              <a:fontRef idx="minor">
+                <a:schemeClr val="tx1"/>
+              </a:fontRef>
+            </p:style>
+          </p:cxnSp>
+          <mc:AlternateContent xmlns:mc="http://schemas.openxmlformats.org/markup-compatibility/2006" xmlns:a14="http://schemas.microsoft.com/office/drawing/2010/main">
+            <mc:Choice Requires="a14">
+              <p:sp>
+                <p:nvSpPr>
+                  <p:cNvPr id="39" name="テキスト ボックス 38">
+                    <a:extLst>
+                      <a:ext uri="{FF2B5EF4-FFF2-40B4-BE49-F238E27FC236}">
+                        <a16:creationId xmlns:a16="http://schemas.microsoft.com/office/drawing/2014/main" id="{F02A4787-16EF-E74B-88E6-C22F480186FA}"/>
+                      </a:ext>
+                    </a:extLst>
+                  </p:cNvPr>
+                  <p:cNvSpPr txBox="1"/>
+                  <p:nvPr/>
+                </p:nvSpPr>
+                <p:spPr>
+                  <a:xfrm>
+                    <a:off x="4198462" y="1895621"/>
+                    <a:ext cx="372794" cy="369332"/>
+                  </a:xfrm>
+                  <a:prstGeom prst="rect">
+                    <a:avLst/>
+                  </a:prstGeom>
+                  <a:noFill/>
+                </p:spPr>
+                <p:txBody>
+                  <a:bodyPr wrap="none" rtlCol="0">
+                    <a:spAutoFit/>
+                  </a:bodyPr>
+                  <a:lstStyle/>
+                  <a:p>
+                    <a:pPr/>
+                    <a14:m>
+                      <m:oMathPara xmlns:m="http://schemas.openxmlformats.org/officeDocument/2006/math">
+                        <m:oMathParaPr>
+                          <m:jc m:val="centerGroup"/>
+                        </m:oMathParaPr>
+                        <m:oMath xmlns:m="http://schemas.openxmlformats.org/officeDocument/2006/math">
+                          <m:r>
+                            <a:rPr kumimoji="1" lang="en-US" altLang="ja-JP" b="0" i="1" smtClean="0">
+                              <a:latin typeface="Cambria Math" panose="02040503050406030204" pitchFamily="18" charset="0"/>
+                            </a:rPr>
+                            <m:t>𝑥</m:t>
+                          </m:r>
+                        </m:oMath>
+                      </m:oMathPara>
+                    </a14:m>
+                    <a:endParaRPr kumimoji="1" lang="ja-JP" altLang="en-US" dirty="0">
+                      <a:latin typeface="Times New Roman" panose="02020603050405020304" pitchFamily="18" charset="0"/>
+                      <a:cs typeface="Times New Roman" panose="02020603050405020304" pitchFamily="18" charset="0"/>
+                    </a:endParaRPr>
+                  </a:p>
+                </p:txBody>
+              </p:sp>
+            </mc:Choice>
+            <mc:Fallback xmlns="">
+              <p:sp>
+                <p:nvSpPr>
+                  <p:cNvPr id="144" name="テキスト ボックス 143">
+                    <a:extLst>
+                      <a:ext uri="{FF2B5EF4-FFF2-40B4-BE49-F238E27FC236}">
+                        <a16:creationId xmlns:a16="http://schemas.microsoft.com/office/drawing/2014/main" id="{A39CCA8F-116D-8E42-EF5A-31BADAF0EBEF}"/>
+                      </a:ext>
+                    </a:extLst>
+                  </p:cNvPr>
+                  <p:cNvSpPr txBox="1">
+                    <a:spLocks noRot="1" noChangeAspect="1" noMove="1" noResize="1" noEditPoints="1" noAdjustHandles="1" noChangeArrowheads="1" noChangeShapeType="1" noTextEdit="1"/>
+                  </p:cNvSpPr>
+                  <p:nvPr/>
+                </p:nvSpPr>
+                <p:spPr>
+                  <a:xfrm>
+                    <a:off x="4198462" y="1895621"/>
+                    <a:ext cx="372794" cy="369332"/>
+                  </a:xfrm>
+                  <a:prstGeom prst="rect">
+                    <a:avLst/>
+                  </a:prstGeom>
+                  <a:blipFill>
+                    <a:blip r:embed="rId5"/>
+                    <a:stretch>
+                      <a:fillRect/>
+                    </a:stretch>
+                  </a:blipFill>
+                </p:spPr>
+                <p:txBody>
+                  <a:bodyPr/>
+                  <a:lstStyle/>
+                  <a:p>
+                    <a:r>
+                      <a:rPr lang="ja-JP" altLang="en-US">
+                        <a:noFill/>
+                      </a:rPr>
+                      <a:t> </a:t>
+                    </a:r>
+                  </a:p>
+                </p:txBody>
+              </p:sp>
+            </mc:Fallback>
+          </mc:AlternateContent>
+          <mc:AlternateContent xmlns:mc="http://schemas.openxmlformats.org/markup-compatibility/2006" xmlns:a14="http://schemas.microsoft.com/office/drawing/2010/main">
+            <mc:Choice Requires="a14">
+              <p:sp>
+                <p:nvSpPr>
+                  <p:cNvPr id="40" name="テキスト ボックス 39">
+                    <a:extLst>
+                      <a:ext uri="{FF2B5EF4-FFF2-40B4-BE49-F238E27FC236}">
+                        <a16:creationId xmlns:a16="http://schemas.microsoft.com/office/drawing/2014/main" id="{703F9E17-AC0C-AEC2-636A-0325A2CAD44B}"/>
+                      </a:ext>
+                    </a:extLst>
+                  </p:cNvPr>
+                  <p:cNvSpPr txBox="1"/>
+                  <p:nvPr/>
+                </p:nvSpPr>
+                <p:spPr>
+                  <a:xfrm>
+                    <a:off x="3733223" y="1443347"/>
+                    <a:ext cx="376192" cy="369332"/>
+                  </a:xfrm>
+                  <a:prstGeom prst="rect">
+                    <a:avLst/>
+                  </a:prstGeom>
+                  <a:noFill/>
+                </p:spPr>
+                <p:txBody>
+                  <a:bodyPr wrap="none" rtlCol="0">
+                    <a:spAutoFit/>
+                  </a:bodyPr>
+                  <a:lstStyle/>
+                  <a:p>
+                    <a:pPr/>
+                    <a14:m>
+                      <m:oMathPara xmlns:m="http://schemas.openxmlformats.org/officeDocument/2006/math">
+                        <m:oMathParaPr>
+                          <m:jc m:val="centerGroup"/>
+                        </m:oMathParaPr>
+                        <m:oMath xmlns:m="http://schemas.openxmlformats.org/officeDocument/2006/math">
+                          <m:r>
+                            <a:rPr kumimoji="1" lang="en-US" altLang="ja-JP" b="0" i="1" smtClean="0">
+                              <a:latin typeface="Cambria Math" panose="02040503050406030204" pitchFamily="18" charset="0"/>
+                            </a:rPr>
+                            <m:t>𝑦</m:t>
+                          </m:r>
+                        </m:oMath>
+                      </m:oMathPara>
+                    </a14:m>
+                    <a:endParaRPr kumimoji="1" lang="ja-JP" altLang="en-US" dirty="0">
+                      <a:latin typeface="Times New Roman" panose="02020603050405020304" pitchFamily="18" charset="0"/>
+                      <a:cs typeface="Times New Roman" panose="02020603050405020304" pitchFamily="18" charset="0"/>
+                    </a:endParaRPr>
+                  </a:p>
+                </p:txBody>
+              </p:sp>
+            </mc:Choice>
+            <mc:Fallback xmlns="">
+              <p:sp>
+                <p:nvSpPr>
+                  <p:cNvPr id="145" name="テキスト ボックス 144">
+                    <a:extLst>
+                      <a:ext uri="{FF2B5EF4-FFF2-40B4-BE49-F238E27FC236}">
+                        <a16:creationId xmlns:a16="http://schemas.microsoft.com/office/drawing/2014/main" id="{38941E46-139F-5524-D1A0-20CC8FDA76D5}"/>
+                      </a:ext>
+                    </a:extLst>
+                  </p:cNvPr>
+                  <p:cNvSpPr txBox="1">
+                    <a:spLocks noRot="1" noChangeAspect="1" noMove="1" noResize="1" noEditPoints="1" noAdjustHandles="1" noChangeArrowheads="1" noChangeShapeType="1" noTextEdit="1"/>
+                  </p:cNvSpPr>
+                  <p:nvPr/>
+                </p:nvSpPr>
+                <p:spPr>
+                  <a:xfrm>
+                    <a:off x="3733223" y="1443347"/>
+                    <a:ext cx="376192" cy="369332"/>
+                  </a:xfrm>
+                  <a:prstGeom prst="rect">
+                    <a:avLst/>
+                  </a:prstGeom>
+                  <a:blipFill>
+                    <a:blip r:embed="rId6"/>
+                    <a:stretch>
+                      <a:fillRect/>
+                    </a:stretch>
+                  </a:blipFill>
+                </p:spPr>
+                <p:txBody>
+                  <a:bodyPr/>
+                  <a:lstStyle/>
+                  <a:p>
+                    <a:r>
+                      <a:rPr lang="ja-JP" altLang="en-US">
+                        <a:noFill/>
+                      </a:rPr>
+                      <a:t> </a:t>
+                    </a:r>
+                  </a:p>
+                </p:txBody>
+              </p:sp>
+            </mc:Fallback>
+          </mc:AlternateContent>
+          <p:cxnSp>
+            <p:nvCxnSpPr>
+              <p:cNvPr id="41" name="直線矢印コネクタ 40">
+                <a:extLst>
+                  <a:ext uri="{FF2B5EF4-FFF2-40B4-BE49-F238E27FC236}">
+                    <a16:creationId xmlns:a16="http://schemas.microsoft.com/office/drawing/2014/main" id="{ED26A11A-8F5C-3A07-51C5-0BAE3C6A8132}"/>
+                  </a:ext>
+                </a:extLst>
+              </p:cNvPr>
+              <p:cNvCxnSpPr>
+                <a:cxnSpLocks/>
+              </p:cNvCxnSpPr>
+              <p:nvPr/>
+            </p:nvCxnSpPr>
+            <p:spPr>
+              <a:xfrm flipH="1">
+                <a:off x="3669919" y="2267464"/>
+                <a:ext cx="264084" cy="264084"/>
+              </a:xfrm>
+              <a:prstGeom prst="straightConnector1">
+                <a:avLst/>
+              </a:prstGeom>
+              <a:ln w="28575">
+                <a:solidFill>
+                  <a:schemeClr val="tx1"/>
+                </a:solidFill>
+                <a:tailEnd type="triangle"/>
+              </a:ln>
+            </p:spPr>
+            <p:style>
+              <a:lnRef idx="1">
+                <a:schemeClr val="accent1"/>
+              </a:lnRef>
+              <a:fillRef idx="0">
+                <a:schemeClr val="accent1"/>
+              </a:fillRef>
+              <a:effectRef idx="0">
+                <a:schemeClr val="accent1"/>
+              </a:effectRef>
+              <a:fontRef idx="minor">
+                <a:schemeClr val="tx1"/>
+              </a:fontRef>
+            </p:style>
+          </p:cxnSp>
+          <mc:AlternateContent xmlns:mc="http://schemas.openxmlformats.org/markup-compatibility/2006" xmlns:a14="http://schemas.microsoft.com/office/drawing/2010/main">
+            <mc:Choice Requires="a14">
+              <p:sp>
+                <p:nvSpPr>
+                  <p:cNvPr id="42" name="テキスト ボックス 41">
+                    <a:extLst>
+                      <a:ext uri="{FF2B5EF4-FFF2-40B4-BE49-F238E27FC236}">
+                        <a16:creationId xmlns:a16="http://schemas.microsoft.com/office/drawing/2014/main" id="{1D7C34CA-BDD8-9DCB-1988-E5D991DD5E24}"/>
+                      </a:ext>
+                    </a:extLst>
+                  </p:cNvPr>
+                  <p:cNvSpPr txBox="1"/>
+                  <p:nvPr/>
+                </p:nvSpPr>
+                <p:spPr>
+                  <a:xfrm>
+                    <a:off x="3461522" y="2114249"/>
+                    <a:ext cx="358560" cy="369332"/>
+                  </a:xfrm>
+                  <a:prstGeom prst="rect">
+                    <a:avLst/>
+                  </a:prstGeom>
+                  <a:noFill/>
+                </p:spPr>
+                <p:txBody>
+                  <a:bodyPr wrap="none" rtlCol="0">
+                    <a:spAutoFit/>
+                  </a:bodyPr>
+                  <a:lstStyle/>
+                  <a:p>
+                    <a:pPr/>
+                    <a14:m>
+                      <m:oMathPara xmlns:m="http://schemas.openxmlformats.org/officeDocument/2006/math">
+                        <m:oMathParaPr>
+                          <m:jc m:val="centerGroup"/>
+                        </m:oMathParaPr>
+                        <m:oMath xmlns:m="http://schemas.openxmlformats.org/officeDocument/2006/math">
+                          <m:r>
+                            <a:rPr kumimoji="1" lang="en-US" altLang="ja-JP" b="0" i="1" smtClean="0">
+                              <a:latin typeface="Cambria Math" panose="02040503050406030204" pitchFamily="18" charset="0"/>
+                            </a:rPr>
+                            <m:t>𝑧</m:t>
+                          </m:r>
+                        </m:oMath>
+                      </m:oMathPara>
+                    </a14:m>
+                    <a:endParaRPr kumimoji="1" lang="ja-JP" altLang="en-US" dirty="0">
+                      <a:latin typeface="Times New Roman" panose="02020603050405020304" pitchFamily="18" charset="0"/>
+                      <a:cs typeface="Times New Roman" panose="02020603050405020304" pitchFamily="18" charset="0"/>
+                    </a:endParaRPr>
+                  </a:p>
+                </p:txBody>
+              </p:sp>
+            </mc:Choice>
+            <mc:Fallback xmlns="">
+              <p:sp>
+                <p:nvSpPr>
+                  <p:cNvPr id="147" name="テキスト ボックス 146">
+                    <a:extLst>
+                      <a:ext uri="{FF2B5EF4-FFF2-40B4-BE49-F238E27FC236}">
+                        <a16:creationId xmlns:a16="http://schemas.microsoft.com/office/drawing/2014/main" id="{A2F56C8D-8CB5-AB38-7320-749DBE8D8231}"/>
+                      </a:ext>
+                    </a:extLst>
+                  </p:cNvPr>
+                  <p:cNvSpPr txBox="1">
+                    <a:spLocks noRot="1" noChangeAspect="1" noMove="1" noResize="1" noEditPoints="1" noAdjustHandles="1" noChangeArrowheads="1" noChangeShapeType="1" noTextEdit="1"/>
+                  </p:cNvSpPr>
+                  <p:nvPr/>
+                </p:nvSpPr>
+                <p:spPr>
+                  <a:xfrm>
+                    <a:off x="3461522" y="2114249"/>
+                    <a:ext cx="358560" cy="369332"/>
+                  </a:xfrm>
+                  <a:prstGeom prst="rect">
+                    <a:avLst/>
+                  </a:prstGeom>
+                  <a:blipFill>
+                    <a:blip r:embed="rId7"/>
+                    <a:stretch>
+                      <a:fillRect/>
+                    </a:stretch>
+                  </a:blipFill>
+                </p:spPr>
+                <p:txBody>
+                  <a:bodyPr/>
+                  <a:lstStyle/>
+                  <a:p>
+                    <a:r>
+                      <a:rPr lang="ja-JP" altLang="en-US">
+                        <a:noFill/>
+                      </a:rPr>
+                      <a:t> </a:t>
+                    </a:r>
+                  </a:p>
+                </p:txBody>
+              </p:sp>
+            </mc:Fallback>
+          </mc:AlternateContent>
+        </p:grpSp>
+        <p:sp>
+          <p:nvSpPr>
+            <p:cNvPr id="34" name="矢印: 右 33">
+              <a:extLst>
+                <a:ext uri="{FF2B5EF4-FFF2-40B4-BE49-F238E27FC236}">
+                  <a16:creationId xmlns:a16="http://schemas.microsoft.com/office/drawing/2014/main" id="{2D6482D0-F822-F186-03A9-B403A7E6F18E}"/>
+                </a:ext>
+              </a:extLst>
+            </p:cNvPr>
+            <p:cNvSpPr/>
+            <p:nvPr/>
+          </p:nvSpPr>
+          <p:spPr>
+            <a:xfrm rot="7665211">
+              <a:off x="3412995" y="3543230"/>
+              <a:ext cx="978408" cy="210121"/>
+            </a:xfrm>
+            <a:prstGeom prst="rightArrow">
+              <a:avLst/>
+            </a:prstGeom>
+          </p:spPr>
+          <p:style>
+            <a:lnRef idx="2">
+              <a:schemeClr val="accent2">
+                <a:shade val="15000"/>
+              </a:schemeClr>
+            </a:lnRef>
+            <a:fillRef idx="1">
+              <a:schemeClr val="accent2"/>
+            </a:fillRef>
+            <a:effectRef idx="0">
+              <a:schemeClr val="accent2"/>
+            </a:effectRef>
+            <a:fontRef idx="minor">
+              <a:schemeClr val="lt1"/>
+            </a:fontRef>
+          </p:style>
+          <p:txBody>
+            <a:bodyPr rtlCol="0" anchor="ctr"/>
+            <a:lstStyle/>
+            <a:p>
+              <a:pPr algn="ctr"/>
+              <a:endParaRPr kumimoji="1" lang="ja-JP" altLang="en-US"/>
+            </a:p>
+          </p:txBody>
+        </p:sp>
+        <mc:AlternateContent xmlns:mc="http://schemas.openxmlformats.org/markup-compatibility/2006" xmlns:a14="http://schemas.microsoft.com/office/drawing/2010/main">
+          <mc:Choice Requires="a14">
+            <p:sp>
+              <p:nvSpPr>
+                <p:cNvPr id="35" name="テキスト ボックス 34">
+                  <a:extLst>
+                    <a:ext uri="{FF2B5EF4-FFF2-40B4-BE49-F238E27FC236}">
+                      <a16:creationId xmlns:a16="http://schemas.microsoft.com/office/drawing/2014/main" id="{4F97A373-E760-7877-651A-1C86F105221B}"/>
+                    </a:ext>
+                  </a:extLst>
+                </p:cNvPr>
+                <p:cNvSpPr txBox="1"/>
+                <p:nvPr/>
+              </p:nvSpPr>
+              <p:spPr>
+                <a:xfrm>
+                  <a:off x="3774684" y="2944661"/>
+                  <a:ext cx="352425" cy="461665"/>
+                </a:xfrm>
+                <a:prstGeom prst="rect">
+                  <a:avLst/>
+                </a:prstGeom>
+                <a:noFill/>
+              </p:spPr>
+              <p:txBody>
+                <a:bodyPr wrap="square">
+                  <a:spAutoFit/>
+                </a:bodyPr>
+                <a:lstStyle/>
+                <a:p>
+                  <a:pPr/>
+                  <a14:m>
+                    <m:oMathPara xmlns:m="http://schemas.openxmlformats.org/officeDocument/2006/math">
+                      <m:oMathParaPr>
+                        <m:jc m:val="centerGroup"/>
+                      </m:oMathParaPr>
+                      <m:oMath xmlns:m="http://schemas.openxmlformats.org/officeDocument/2006/math">
+                        <m:r>
+                          <a:rPr kumimoji="1" lang="en-US" altLang="ja-JP" sz="2400" b="0" i="1" u="none" strike="noStrike" kern="1200" cap="none" spc="0" normalizeH="0" baseline="0" noProof="0" smtClean="0">
+                            <a:ln>
+                              <a:noFill/>
+                            </a:ln>
+                            <a:solidFill>
+                              <a:srgbClr val="373737"/>
+                            </a:solidFill>
+                            <a:effectLst/>
+                            <a:uLnTx/>
+                            <a:uFillTx/>
+                            <a:latin typeface="Cambria Math" panose="02040503050406030204" pitchFamily="18" charset="0"/>
+                            <a:cs typeface="+mn-cs"/>
+                          </a:rPr>
+                          <m:t>𝐵</m:t>
+                        </m:r>
+                      </m:oMath>
+                    </m:oMathPara>
+                  </a14:m>
+                  <a:endParaRPr lang="ja-JP" altLang="en-US" dirty="0"/>
+                </a:p>
+              </p:txBody>
+            </p:sp>
+          </mc:Choice>
+          <mc:Fallback xmlns="">
+            <p:sp>
+              <p:nvSpPr>
+                <p:cNvPr id="149" name="テキスト ボックス 148">
+                  <a:extLst>
+                    <a:ext uri="{FF2B5EF4-FFF2-40B4-BE49-F238E27FC236}">
+                      <a16:creationId xmlns:a16="http://schemas.microsoft.com/office/drawing/2014/main" id="{C0B474A3-2C1F-B6DA-CC68-903FC1669DA6}"/>
+                    </a:ext>
+                  </a:extLst>
+                </p:cNvPr>
+                <p:cNvSpPr txBox="1">
+                  <a:spLocks noRot="1" noChangeAspect="1" noMove="1" noResize="1" noEditPoints="1" noAdjustHandles="1" noChangeArrowheads="1" noChangeShapeType="1" noTextEdit="1"/>
+                </p:cNvSpPr>
+                <p:nvPr/>
+              </p:nvSpPr>
+              <p:spPr>
+                <a:xfrm>
+                  <a:off x="3774684" y="2944661"/>
+                  <a:ext cx="352425" cy="461665"/>
+                </a:xfrm>
+                <a:prstGeom prst="rect">
+                  <a:avLst/>
+                </a:prstGeom>
+                <a:blipFill>
+                  <a:blip r:embed="rId8"/>
+                  <a:stretch>
+                    <a:fillRect/>
+                  </a:stretch>
+                </a:blipFill>
+              </p:spPr>
+              <p:txBody>
+                <a:bodyPr/>
+                <a:lstStyle/>
+                <a:p>
+                  <a:r>
+                    <a:rPr lang="ja-JP" altLang="en-US">
+                      <a:noFill/>
+                    </a:rPr>
+                    <a:t> </a:t>
+                  </a:r>
+                </a:p>
+              </p:txBody>
+            </p:sp>
+          </mc:Fallback>
+        </mc:AlternateContent>
+        <mc:AlternateContent xmlns:mc="http://schemas.openxmlformats.org/markup-compatibility/2006" xmlns:a14="http://schemas.microsoft.com/office/drawing/2010/main">
+          <mc:Choice Requires="a14">
+            <p:sp>
+              <p:nvSpPr>
+                <p:cNvPr id="36" name="テキスト ボックス 35">
+                  <a:extLst>
+                    <a:ext uri="{FF2B5EF4-FFF2-40B4-BE49-F238E27FC236}">
+                      <a16:creationId xmlns:a16="http://schemas.microsoft.com/office/drawing/2014/main" id="{A210DCF8-BD5F-8EEB-3376-C74E15763344}"/>
+                    </a:ext>
+                  </a:extLst>
+                </p:cNvPr>
+                <p:cNvSpPr txBox="1"/>
+                <p:nvPr/>
+              </p:nvSpPr>
+              <p:spPr>
+                <a:xfrm>
+                  <a:off x="5045736" y="4543567"/>
+                  <a:ext cx="352425" cy="390358"/>
+                </a:xfrm>
+                <a:prstGeom prst="rect">
+                  <a:avLst/>
+                </a:prstGeom>
+                <a:noFill/>
+              </p:spPr>
+              <p:txBody>
+                <a:bodyPr wrap="square">
+                  <a:spAutoFit/>
+                </a:bodyPr>
+                <a:lstStyle/>
+                <a:p>
+                  <a:pPr/>
+                  <a14:m>
+                    <m:oMathPara xmlns:m="http://schemas.openxmlformats.org/officeDocument/2006/math">
+                      <m:oMathParaPr>
+                        <m:jc m:val="centerGroup"/>
+                      </m:oMathParaPr>
+                      <m:oMath xmlns:m="http://schemas.openxmlformats.org/officeDocument/2006/math">
+                        <m:sSub>
+                          <m:sSubPr>
+                            <m:ctrlPr>
+                              <a:rPr kumimoji="1" lang="en-US" altLang="ja-JP" sz="2400" b="0" i="1" u="none" strike="noStrike" kern="1200" cap="none" spc="0" normalizeH="0" baseline="0" noProof="0" smtClean="0">
+                                <a:ln>
+                                  <a:noFill/>
+                                </a:ln>
+                                <a:solidFill>
+                                  <a:srgbClr val="373737"/>
+                                </a:solidFill>
+                                <a:effectLst/>
+                                <a:uLnTx/>
+                                <a:uFillTx/>
+                                <a:latin typeface="Cambria Math" panose="02040503050406030204" pitchFamily="18" charset="0"/>
+                                <a:cs typeface="+mn-cs"/>
+                              </a:rPr>
+                            </m:ctrlPr>
+                          </m:sSubPr>
+                          <m:e>
+                            <m:r>
+                              <a:rPr kumimoji="1" lang="en-US" altLang="ja-JP" sz="2400" b="0" i="1" u="none" strike="noStrike" kern="1200" cap="none" spc="0" normalizeH="0" baseline="0" noProof="0" smtClean="0">
+                                <a:ln>
+                                  <a:noFill/>
+                                </a:ln>
+                                <a:solidFill>
+                                  <a:srgbClr val="373737"/>
+                                </a:solidFill>
+                                <a:effectLst/>
+                                <a:uLnTx/>
+                                <a:uFillTx/>
+                                <a:latin typeface="Cambria Math" panose="02040503050406030204" pitchFamily="18" charset="0"/>
+                                <a:cs typeface="+mn-cs"/>
+                              </a:rPr>
+                              <m:t>𝐼</m:t>
+                            </m:r>
+                          </m:e>
+                          <m:sub>
+                            <m:r>
+                              <a:rPr kumimoji="1" lang="en-US" altLang="ja-JP" sz="2400" b="0" i="1" u="none" strike="noStrike" kern="1200" cap="none" spc="0" normalizeH="0" baseline="0" noProof="0" smtClean="0">
+                                <a:ln>
+                                  <a:noFill/>
+                                </a:ln>
+                                <a:solidFill>
+                                  <a:srgbClr val="373737"/>
+                                </a:solidFill>
+                                <a:effectLst/>
+                                <a:uLnTx/>
+                                <a:uFillTx/>
+                                <a:latin typeface="Cambria Math" panose="02040503050406030204" pitchFamily="18" charset="0"/>
+                                <a:cs typeface="+mn-cs"/>
+                              </a:rPr>
+                              <m:t>𝑅</m:t>
+                            </m:r>
+                          </m:sub>
+                        </m:sSub>
+                      </m:oMath>
+                    </m:oMathPara>
+                  </a14:m>
+                  <a:endParaRPr lang="ja-JP" altLang="en-US" dirty="0"/>
+                </a:p>
+              </p:txBody>
+            </p:sp>
+          </mc:Choice>
+          <mc:Fallback xmlns="">
+            <p:sp>
+              <p:nvSpPr>
+                <p:cNvPr id="4" name="テキスト ボックス 3">
+                  <a:extLst>
+                    <a:ext uri="{FF2B5EF4-FFF2-40B4-BE49-F238E27FC236}">
+                      <a16:creationId xmlns:a16="http://schemas.microsoft.com/office/drawing/2014/main" id="{30F5E799-9CB1-69BB-1A6B-AB06D448C394}"/>
+                    </a:ext>
+                  </a:extLst>
+                </p:cNvPr>
+                <p:cNvSpPr txBox="1">
+                  <a:spLocks noRot="1" noChangeAspect="1" noMove="1" noResize="1" noEditPoints="1" noAdjustHandles="1" noChangeArrowheads="1" noChangeShapeType="1" noTextEdit="1"/>
+                </p:cNvSpPr>
+                <p:nvPr/>
+              </p:nvSpPr>
+              <p:spPr>
+                <a:xfrm>
+                  <a:off x="5045736" y="4543567"/>
+                  <a:ext cx="352425" cy="390358"/>
+                </a:xfrm>
+                <a:prstGeom prst="rect">
+                  <a:avLst/>
+                </a:prstGeom>
+                <a:blipFill>
+                  <a:blip r:embed="rId9"/>
+                  <a:stretch>
+                    <a:fillRect l="-4412" b="-3947"/>
+                  </a:stretch>
+                </a:blipFill>
+              </p:spPr>
+              <p:txBody>
+                <a:bodyPr/>
+                <a:lstStyle/>
+                <a:p>
+                  <a:r>
+                    <a:rPr lang="ja-JP" altLang="en-US">
+                      <a:noFill/>
+                    </a:rPr>
+                    <a:t> </a:t>
+                  </a:r>
+                </a:p>
+              </p:txBody>
+            </p:sp>
+          </mc:Fallback>
+        </mc:AlternateContent>
+      </p:grpSp>
+    </p:spTree>
+    <p:extLst>
+      <p:ext uri="{BB962C8B-B14F-4D97-AF65-F5344CB8AC3E}">
+        <p14:creationId xmlns:p14="http://schemas.microsoft.com/office/powerpoint/2010/main" val="1414243430"/>
       </p:ext>
     </p:extLst>
   </p:cSld>
@@ -42062,8 +46251,8 @@
           </a:p>
         </p:txBody>
       </p:sp>
-      <mc:AlternateContent xmlns:mc="http://schemas.openxmlformats.org/markup-compatibility/2006">
-        <mc:Choice xmlns:a14="http://schemas.microsoft.com/office/drawing/2010/main" Requires="a14">
+      <mc:AlternateContent xmlns:mc="http://schemas.openxmlformats.org/markup-compatibility/2006" xmlns:a14="http://schemas.microsoft.com/office/drawing/2010/main">
+        <mc:Choice Requires="a14">
           <p:sp>
             <p:nvSpPr>
               <p:cNvPr id="5" name="テキスト ボックス 4">
@@ -42163,7 +46352,7 @@
             </p:txBody>
           </p:sp>
         </mc:Choice>
-        <mc:Fallback>
+        <mc:Fallback xmlns="">
           <p:sp>
             <p:nvSpPr>
               <p:cNvPr id="5" name="テキスト ボックス 4">

--- a/2024_06_28_半導体/1522068_半導体.pptx
+++ b/2024_06_28_半導体/1522068_半導体.pptx
@@ -3477,7 +3477,7 @@
           <a:p>
             <a:fld id="{F1A0D797-5C19-49B5-8168-2699B573819F}" type="datetimeFigureOut">
               <a:rPr kumimoji="1" lang="ja-JP" altLang="en-US" smtClean="0"/>
-              <a:t>2024/7/13</a:t>
+              <a:t>2024/7/14</a:t>
             </a:fld>
             <a:endParaRPr kumimoji="1" lang="ja-JP" altLang="en-US"/>
           </a:p>
@@ -40362,6 +40362,96 @@
             </a:fontRef>
           </p:style>
         </p:cxnSp>
+        <p:cxnSp>
+          <p:nvCxnSpPr>
+            <p:cNvPr id="4" name="直線コネクタ 3">
+              <a:extLst>
+                <a:ext uri="{FF2B5EF4-FFF2-40B4-BE49-F238E27FC236}">
+                  <a16:creationId xmlns:a16="http://schemas.microsoft.com/office/drawing/2014/main" id="{9EB8B2D5-0C0B-2C64-708F-D67C703F969A}"/>
+                </a:ext>
+              </a:extLst>
+            </p:cNvPr>
+            <p:cNvCxnSpPr>
+              <a:cxnSpLocks/>
+            </p:cNvCxnSpPr>
+            <p:nvPr/>
+          </p:nvCxnSpPr>
+          <p:spPr>
+            <a:xfrm flipH="1">
+              <a:off x="3655783" y="3293921"/>
+              <a:ext cx="464223" cy="635638"/>
+            </a:xfrm>
+            <a:prstGeom prst="line">
+              <a:avLst/>
+            </a:prstGeom>
+            <a:ln w="28575">
+              <a:solidFill>
+                <a:schemeClr val="tx1"/>
+              </a:solidFill>
+              <a:headEnd type="triangle" w="med" len="med"/>
+              <a:tailEnd type="triangle" w="med" len="med"/>
+            </a:ln>
+          </p:spPr>
+          <p:style>
+            <a:lnRef idx="1">
+              <a:schemeClr val="dk1"/>
+            </a:lnRef>
+            <a:fillRef idx="0">
+              <a:schemeClr val="dk1"/>
+            </a:fillRef>
+            <a:effectRef idx="0">
+              <a:schemeClr val="dk1"/>
+            </a:effectRef>
+            <a:fontRef idx="minor">
+              <a:schemeClr val="tx1"/>
+            </a:fontRef>
+          </p:style>
+        </p:cxnSp>
+        <p:cxnSp>
+          <p:nvCxnSpPr>
+            <p:cNvPr id="8" name="直線コネクタ 7">
+              <a:extLst>
+                <a:ext uri="{FF2B5EF4-FFF2-40B4-BE49-F238E27FC236}">
+                  <a16:creationId xmlns:a16="http://schemas.microsoft.com/office/drawing/2014/main" id="{6BB9834D-B9D4-E547-60BD-225F51952665}"/>
+                </a:ext>
+              </a:extLst>
+            </p:cNvPr>
+            <p:cNvCxnSpPr>
+              <a:cxnSpLocks/>
+            </p:cNvCxnSpPr>
+            <p:nvPr/>
+          </p:nvCxnSpPr>
+          <p:spPr>
+            <a:xfrm>
+              <a:off x="3145212" y="3974097"/>
+              <a:ext cx="0" cy="362043"/>
+            </a:xfrm>
+            <a:prstGeom prst="line">
+              <a:avLst/>
+            </a:prstGeom>
+            <a:ln w="28575">
+              <a:solidFill>
+                <a:schemeClr val="tx1"/>
+              </a:solidFill>
+              <a:headEnd type="triangle" w="med" len="med"/>
+              <a:tailEnd type="triangle" w="med" len="med"/>
+            </a:ln>
+          </p:spPr>
+          <p:style>
+            <a:lnRef idx="1">
+              <a:schemeClr val="dk1"/>
+            </a:lnRef>
+            <a:fillRef idx="0">
+              <a:schemeClr val="dk1"/>
+            </a:fillRef>
+            <a:effectRef idx="0">
+              <a:schemeClr val="dk1"/>
+            </a:effectRef>
+            <a:fontRef idx="minor">
+              <a:schemeClr val="tx1"/>
+            </a:fontRef>
+          </p:style>
+        </p:cxnSp>
       </p:grpSp>
       <p:sp>
         <p:nvSpPr>
@@ -43481,8 +43571,8 @@
           </p:sp>
         </mc:Fallback>
       </mc:AlternateContent>
-      <mc:AlternateContent xmlns:mc="http://schemas.openxmlformats.org/markup-compatibility/2006" xmlns:a14="http://schemas.microsoft.com/office/drawing/2010/main">
-        <mc:Choice Requires="a14">
+      <mc:AlternateContent xmlns:mc="http://schemas.openxmlformats.org/markup-compatibility/2006">
+        <mc:Choice xmlns:a14="http://schemas.microsoft.com/office/drawing/2010/main" Requires="a14">
           <p:sp>
             <p:nvSpPr>
               <p:cNvPr id="159" name="テキスト ボックス 158">
@@ -43497,7 +43587,147 @@
             </p:nvSpPr>
             <p:spPr>
               <a:xfrm>
-                <a:off x="3125968" y="3987522"/>
+                <a:off x="3530775" y="3860296"/>
+                <a:ext cx="352425" cy="461665"/>
+              </a:xfrm>
+              <a:prstGeom prst="rect">
+                <a:avLst/>
+              </a:prstGeom>
+              <a:noFill/>
+            </p:spPr>
+            <p:txBody>
+              <a:bodyPr wrap="square">
+                <a:spAutoFit/>
+              </a:bodyPr>
+              <a:lstStyle/>
+              <a:p>
+                <a:pPr/>
+                <a14:m>
+                  <m:oMathPara xmlns:m="http://schemas.openxmlformats.org/officeDocument/2006/math">
+                    <m:oMathParaPr>
+                      <m:jc m:val="centerGroup"/>
+                    </m:oMathParaPr>
+                    <m:oMath xmlns:m="http://schemas.openxmlformats.org/officeDocument/2006/math">
+                      <m:r>
+                        <a:rPr kumimoji="1" lang="en-US" altLang="ja-JP" sz="2400" b="0" i="1" u="none" strike="noStrike" kern="1200" cap="none" spc="0" normalizeH="0" baseline="0" noProof="0" smtClean="0">
+                          <a:ln>
+                            <a:noFill/>
+                          </a:ln>
+                          <a:solidFill>
+                            <a:srgbClr val="373737"/>
+                          </a:solidFill>
+                          <a:effectLst/>
+                          <a:uLnTx/>
+                          <a:uFillTx/>
+                          <a:latin typeface="Cambria Math" panose="02040503050406030204" pitchFamily="18" charset="0"/>
+                          <a:cs typeface="+mn-cs"/>
+                        </a:rPr>
+                        <m:t>𝑤</m:t>
+                      </m:r>
+                    </m:oMath>
+                  </m:oMathPara>
+                </a14:m>
+                <a:endParaRPr lang="ja-JP" altLang="en-US" dirty="0"/>
+              </a:p>
+            </p:txBody>
+          </p:sp>
+        </mc:Choice>
+        <mc:Fallback>
+          <p:sp>
+            <p:nvSpPr>
+              <p:cNvPr id="159" name="テキスト ボックス 158">
+                <a:extLst>
+                  <a:ext uri="{FF2B5EF4-FFF2-40B4-BE49-F238E27FC236}">
+                    <a16:creationId xmlns:a16="http://schemas.microsoft.com/office/drawing/2014/main" id="{F4EE964D-6858-2112-CCB6-DBD8E1437874}"/>
+                  </a:ext>
+                </a:extLst>
+              </p:cNvPr>
+              <p:cNvSpPr txBox="1">
+                <a:spLocks noRot="1" noChangeAspect="1" noMove="1" noResize="1" noEditPoints="1" noAdjustHandles="1" noChangeArrowheads="1" noChangeShapeType="1" noTextEdit="1"/>
+              </p:cNvSpPr>
+              <p:nvPr/>
+            </p:nvSpPr>
+            <p:spPr>
+              <a:xfrm>
+                <a:off x="3530775" y="3860296"/>
+                <a:ext cx="352425" cy="461665"/>
+              </a:xfrm>
+              <a:prstGeom prst="rect">
+                <a:avLst/>
+              </a:prstGeom>
+              <a:blipFill>
+                <a:blip r:embed="rId12"/>
+                <a:stretch>
+                  <a:fillRect r="-12069"/>
+                </a:stretch>
+              </a:blipFill>
+            </p:spPr>
+            <p:txBody>
+              <a:bodyPr/>
+              <a:lstStyle/>
+              <a:p>
+                <a:r>
+                  <a:rPr lang="ja-JP" altLang="en-US">
+                    <a:noFill/>
+                  </a:rPr>
+                  <a:t> </a:t>
+                </a:r>
+              </a:p>
+            </p:txBody>
+          </p:sp>
+        </mc:Fallback>
+      </mc:AlternateContent>
+      <p:sp>
+        <p:nvSpPr>
+          <p:cNvPr id="7" name="スライド番号プレースホルダー 6">
+            <a:extLst>
+              <a:ext uri="{FF2B5EF4-FFF2-40B4-BE49-F238E27FC236}">
+                <a16:creationId xmlns:a16="http://schemas.microsoft.com/office/drawing/2014/main" id="{0E4D8CE2-335B-1F7A-889B-5C4277B78E09}"/>
+              </a:ext>
+            </a:extLst>
+          </p:cNvPr>
+          <p:cNvSpPr>
+            <a:spLocks noGrp="1"/>
+          </p:cNvSpPr>
+          <p:nvPr>
+            <p:ph type="sldNum" sz="quarter" idx="12"/>
+          </p:nvPr>
+        </p:nvSpPr>
+        <p:spPr/>
+        <p:txBody>
+          <a:bodyPr/>
+          <a:lstStyle/>
+          <a:p>
+            <a:fld id="{3976CDD0-C26C-4561-A9EF-A0090B2270A4}" type="slidenum">
+              <a:rPr kumimoji="1" lang="ja-JP" altLang="en-US" smtClean="0"/>
+              <a:pPr/>
+              <a:t>5</a:t>
+            </a:fld>
+            <a:r>
+              <a:rPr kumimoji="1" lang="en-US" altLang="ja-JP"/>
+              <a:t>/15</a:t>
+            </a:r>
+            <a:endParaRPr kumimoji="1" lang="ja-JP" altLang="en-US" dirty="0"/>
+          </a:p>
+        </p:txBody>
+      </p:sp>
+      <mc:AlternateContent xmlns:mc="http://schemas.openxmlformats.org/markup-compatibility/2006">
+        <mc:Choice xmlns:a14="http://schemas.microsoft.com/office/drawing/2010/main" Requires="a14">
+          <p:sp>
+            <p:nvSpPr>
+              <p:cNvPr id="12" name="テキスト ボックス 11">
+                <a:extLst>
+                  <a:ext uri="{FF2B5EF4-FFF2-40B4-BE49-F238E27FC236}">
+                    <a16:creationId xmlns:a16="http://schemas.microsoft.com/office/drawing/2014/main" id="{7BC0B062-EA1D-717B-64F3-B287C485365D}"/>
+                  </a:ext>
+                </a:extLst>
+              </p:cNvPr>
+              <p:cNvSpPr txBox="1"/>
+              <p:nvPr/>
+            </p:nvSpPr>
+            <p:spPr>
+              <a:xfrm>
+                <a:off x="2692100" y="4011963"/>
                 <a:ext cx="352425" cy="461665"/>
               </a:xfrm>
               <a:prstGeom prst="rect">
@@ -43542,13 +43772,13 @@
             </p:txBody>
           </p:sp>
         </mc:Choice>
-        <mc:Fallback xmlns="">
+        <mc:Fallback>
           <p:sp>
             <p:nvSpPr>
-              <p:cNvPr id="159" name="テキスト ボックス 158">
+              <p:cNvPr id="12" name="テキスト ボックス 11">
                 <a:extLst>
                   <a:ext uri="{FF2B5EF4-FFF2-40B4-BE49-F238E27FC236}">
-                    <a16:creationId xmlns:a16="http://schemas.microsoft.com/office/drawing/2014/main" id="{F4EE964D-6858-2112-CCB6-DBD8E1437874}"/>
+                    <a16:creationId xmlns:a16="http://schemas.microsoft.com/office/drawing/2014/main" id="{7BC0B062-EA1D-717B-64F3-B287C485365D}"/>
                   </a:ext>
                 </a:extLst>
               </p:cNvPr>
@@ -43559,16 +43789,16 @@
             </p:nvSpPr>
             <p:spPr>
               <a:xfrm>
-                <a:off x="3125968" y="3987522"/>
+                <a:off x="2692100" y="4011963"/>
                 <a:ext cx="352425" cy="461665"/>
               </a:xfrm>
               <a:prstGeom prst="rect">
                 <a:avLst/>
               </a:prstGeom>
               <a:blipFill>
-                <a:blip r:embed="rId12"/>
+                <a:blip r:embed="rId13"/>
                 <a:stretch>
-                  <a:fillRect l="-5172" r="-6897"/>
+                  <a:fillRect l="-5263" r="-8772"/>
                 </a:stretch>
               </a:blipFill>
             </p:spPr>
@@ -43587,85 +43817,6 @@
           </p:sp>
         </mc:Fallback>
       </mc:AlternateContent>
-      <p:cxnSp>
-        <p:nvCxnSpPr>
-          <p:cNvPr id="160" name="直線コネクタ 159">
-            <a:extLst>
-              <a:ext uri="{FF2B5EF4-FFF2-40B4-BE49-F238E27FC236}">
-                <a16:creationId xmlns:a16="http://schemas.microsoft.com/office/drawing/2014/main" id="{DB4EC959-8048-F96F-1A2C-AFEA3937F0DE}"/>
-              </a:ext>
-            </a:extLst>
-          </p:cNvPr>
-          <p:cNvCxnSpPr>
-            <a:cxnSpLocks/>
-          </p:cNvCxnSpPr>
-          <p:nvPr/>
-        </p:nvCxnSpPr>
-        <p:spPr>
-          <a:xfrm flipH="1" flipV="1">
-            <a:off x="3519683" y="3967691"/>
-            <a:ext cx="12781" cy="461175"/>
-          </a:xfrm>
-          <a:prstGeom prst="line">
-            <a:avLst/>
-          </a:prstGeom>
-          <a:ln w="28575">
-            <a:solidFill>
-              <a:schemeClr val="tx1"/>
-            </a:solidFill>
-            <a:headEnd type="triangle" w="med" len="med"/>
-            <a:tailEnd type="triangle" w="med" len="med"/>
-          </a:ln>
-        </p:spPr>
-        <p:style>
-          <a:lnRef idx="1">
-            <a:schemeClr val="dk1"/>
-          </a:lnRef>
-          <a:fillRef idx="0">
-            <a:schemeClr val="dk1"/>
-          </a:fillRef>
-          <a:effectRef idx="0">
-            <a:schemeClr val="dk1"/>
-          </a:effectRef>
-          <a:fontRef idx="minor">
-            <a:schemeClr val="tx1"/>
-          </a:fontRef>
-        </p:style>
-      </p:cxnSp>
-      <p:sp>
-        <p:nvSpPr>
-          <p:cNvPr id="7" name="スライド番号プレースホルダー 6">
-            <a:extLst>
-              <a:ext uri="{FF2B5EF4-FFF2-40B4-BE49-F238E27FC236}">
-                <a16:creationId xmlns:a16="http://schemas.microsoft.com/office/drawing/2014/main" id="{0E4D8CE2-335B-1F7A-889B-5C4277B78E09}"/>
-              </a:ext>
-            </a:extLst>
-          </p:cNvPr>
-          <p:cNvSpPr>
-            <a:spLocks noGrp="1"/>
-          </p:cNvSpPr>
-          <p:nvPr>
-            <p:ph type="sldNum" sz="quarter" idx="12"/>
-          </p:nvPr>
-        </p:nvSpPr>
-        <p:spPr/>
-        <p:txBody>
-          <a:bodyPr/>
-          <a:lstStyle/>
-          <a:p>
-            <a:fld id="{3976CDD0-C26C-4561-A9EF-A0090B2270A4}" type="slidenum">
-              <a:rPr kumimoji="1" lang="ja-JP" altLang="en-US" smtClean="0"/>
-              <a:pPr/>
-              <a:t>5</a:t>
-            </a:fld>
-            <a:r>
-              <a:rPr kumimoji="1" lang="en-US" altLang="ja-JP"/>
-              <a:t>/15</a:t>
-            </a:r>
-            <a:endParaRPr kumimoji="1" lang="ja-JP" altLang="en-US" dirty="0"/>
-          </a:p>
-        </p:txBody>
-      </p:sp>
     </p:spTree>
     <p:extLst>
       <p:ext uri="{BB962C8B-B14F-4D97-AF65-F5344CB8AC3E}">
